--- a/mohinhsodo.pptx
+++ b/mohinhsodo.pptx
@@ -10,6 +10,9 @@
     <p:sldId id="258" r:id="rId4"/>
     <p:sldId id="259" r:id="rId5"/>
     <p:sldId id="260" r:id="rId6"/>
+    <p:sldId id="261" r:id="rId7"/>
+    <p:sldId id="262" r:id="rId8"/>
+    <p:sldId id="263" r:id="rId9"/>
   </p:sldIdLst>
   <p:sldSz cx="12192000" cy="6858000"/>
   <p:notesSz cx="6858000" cy="9144000"/>
@@ -263,7 +266,7 @@
           <a:p>
             <a:fld id="{E9A477DE-2A49-4315-B0F5-CB129B6ABD66}" type="datetimeFigureOut">
               <a:rPr lang="en-US" smtClean="0"/>
-              <a:t>11/13/2018</a:t>
+              <a:t>11/15/2018</a:t>
             </a:fld>
             <a:endParaRPr lang="en-US"/>
           </a:p>
@@ -461,7 +464,7 @@
           <a:p>
             <a:fld id="{E9A477DE-2A49-4315-B0F5-CB129B6ABD66}" type="datetimeFigureOut">
               <a:rPr lang="en-US" smtClean="0"/>
-              <a:t>11/13/2018</a:t>
+              <a:t>11/15/2018</a:t>
             </a:fld>
             <a:endParaRPr lang="en-US"/>
           </a:p>
@@ -669,7 +672,7 @@
           <a:p>
             <a:fld id="{E9A477DE-2A49-4315-B0F5-CB129B6ABD66}" type="datetimeFigureOut">
               <a:rPr lang="en-US" smtClean="0"/>
-              <a:t>11/13/2018</a:t>
+              <a:t>11/15/2018</a:t>
             </a:fld>
             <a:endParaRPr lang="en-US"/>
           </a:p>
@@ -867,7 +870,7 @@
           <a:p>
             <a:fld id="{E9A477DE-2A49-4315-B0F5-CB129B6ABD66}" type="datetimeFigureOut">
               <a:rPr lang="en-US" smtClean="0"/>
-              <a:t>11/13/2018</a:t>
+              <a:t>11/15/2018</a:t>
             </a:fld>
             <a:endParaRPr lang="en-US"/>
           </a:p>
@@ -1142,7 +1145,7 @@
           <a:p>
             <a:fld id="{E9A477DE-2A49-4315-B0F5-CB129B6ABD66}" type="datetimeFigureOut">
               <a:rPr lang="en-US" smtClean="0"/>
-              <a:t>11/13/2018</a:t>
+              <a:t>11/15/2018</a:t>
             </a:fld>
             <a:endParaRPr lang="en-US"/>
           </a:p>
@@ -1407,7 +1410,7 @@
           <a:p>
             <a:fld id="{E9A477DE-2A49-4315-B0F5-CB129B6ABD66}" type="datetimeFigureOut">
               <a:rPr lang="en-US" smtClean="0"/>
-              <a:t>11/13/2018</a:t>
+              <a:t>11/15/2018</a:t>
             </a:fld>
             <a:endParaRPr lang="en-US"/>
           </a:p>
@@ -1819,7 +1822,7 @@
           <a:p>
             <a:fld id="{E9A477DE-2A49-4315-B0F5-CB129B6ABD66}" type="datetimeFigureOut">
               <a:rPr lang="en-US" smtClean="0"/>
-              <a:t>11/13/2018</a:t>
+              <a:t>11/15/2018</a:t>
             </a:fld>
             <a:endParaRPr lang="en-US"/>
           </a:p>
@@ -1960,7 +1963,7 @@
           <a:p>
             <a:fld id="{E9A477DE-2A49-4315-B0F5-CB129B6ABD66}" type="datetimeFigureOut">
               <a:rPr lang="en-US" smtClean="0"/>
-              <a:t>11/13/2018</a:t>
+              <a:t>11/15/2018</a:t>
             </a:fld>
             <a:endParaRPr lang="en-US"/>
           </a:p>
@@ -2073,7 +2076,7 @@
           <a:p>
             <a:fld id="{E9A477DE-2A49-4315-B0F5-CB129B6ABD66}" type="datetimeFigureOut">
               <a:rPr lang="en-US" smtClean="0"/>
-              <a:t>11/13/2018</a:t>
+              <a:t>11/15/2018</a:t>
             </a:fld>
             <a:endParaRPr lang="en-US"/>
           </a:p>
@@ -2384,7 +2387,7 @@
           <a:p>
             <a:fld id="{E9A477DE-2A49-4315-B0F5-CB129B6ABD66}" type="datetimeFigureOut">
               <a:rPr lang="en-US" smtClean="0"/>
-              <a:t>11/13/2018</a:t>
+              <a:t>11/15/2018</a:t>
             </a:fld>
             <a:endParaRPr lang="en-US"/>
           </a:p>
@@ -2672,7 +2675,7 @@
           <a:p>
             <a:fld id="{E9A477DE-2A49-4315-B0F5-CB129B6ABD66}" type="datetimeFigureOut">
               <a:rPr lang="en-US" smtClean="0"/>
-              <a:t>11/13/2018</a:t>
+              <a:t>11/15/2018</a:t>
             </a:fld>
             <a:endParaRPr lang="en-US"/>
           </a:p>
@@ -2913,7 +2916,7 @@
           <a:p>
             <a:fld id="{E9A477DE-2A49-4315-B0F5-CB129B6ABD66}" type="datetimeFigureOut">
               <a:rPr lang="en-US" smtClean="0"/>
-              <a:t>11/13/2018</a:t>
+              <a:t>11/15/2018</a:t>
             </a:fld>
             <a:endParaRPr lang="en-US"/>
           </a:p>
@@ -3431,7 +3434,7 @@
                 <a:p>
                   <a:pPr algn="ctr"/>
                   <a:r>
-                    <a:rPr lang="en-US" dirty="0">
+                    <a:rPr lang="en-US">
                       <a:latin typeface="Times New Roman" panose="02020603050405020304" pitchFamily="18" charset="0"/>
                       <a:cs typeface="Times New Roman" panose="02020603050405020304" pitchFamily="18" charset="0"/>
                     </a:rPr>
@@ -3441,7 +3444,7 @@
                 <a:p>
                   <a:pPr algn="ctr"/>
                   <a:r>
-                    <a:rPr lang="en-US" dirty="0">
+                    <a:rPr lang="en-US">
                       <a:latin typeface="Times New Roman" panose="02020603050405020304" pitchFamily="18" charset="0"/>
                       <a:cs typeface="Times New Roman" panose="02020603050405020304" pitchFamily="18" charset="0"/>
                     </a:rPr>
@@ -3479,48 +3482,48 @@
                 <a:lstStyle/>
                 <a:p>
                   <a:r>
-                    <a:rPr lang="en-US" sz="2800" dirty="0">
+                    <a:rPr lang="en-US" sz="2800">
                       <a:latin typeface="Times New Roman" panose="02020603050405020304" pitchFamily="18" charset="0"/>
                       <a:cs typeface="Times New Roman" panose="02020603050405020304" pitchFamily="18" charset="0"/>
                     </a:rPr>
                     <a:t>Thu </a:t>
                   </a:r>
                   <a:r>
-                    <a:rPr lang="en-US" sz="2800" dirty="0" err="1">
+                    <a:rPr lang="en-US" sz="2800" err="1">
                       <a:latin typeface="Times New Roman" panose="02020603050405020304" pitchFamily="18" charset="0"/>
                       <a:cs typeface="Times New Roman" panose="02020603050405020304" pitchFamily="18" charset="0"/>
                     </a:rPr>
                     <a:t>thập</a:t>
                   </a:r>
                   <a:r>
-                    <a:rPr lang="en-US" sz="2800" dirty="0">
+                    <a:rPr lang="en-US" sz="2800">
                       <a:latin typeface="Times New Roman" panose="02020603050405020304" pitchFamily="18" charset="0"/>
                       <a:cs typeface="Times New Roman" panose="02020603050405020304" pitchFamily="18" charset="0"/>
                     </a:rPr>
                     <a:t> </a:t>
                   </a:r>
                   <a:r>
-                    <a:rPr lang="en-US" sz="2800" dirty="0" err="1">
+                    <a:rPr lang="en-US" sz="2800" err="1">
                       <a:latin typeface="Times New Roman" panose="02020603050405020304" pitchFamily="18" charset="0"/>
                       <a:cs typeface="Times New Roman" panose="02020603050405020304" pitchFamily="18" charset="0"/>
                     </a:rPr>
                     <a:t>dữ</a:t>
                   </a:r>
                   <a:r>
-                    <a:rPr lang="en-US" sz="2800" dirty="0">
+                    <a:rPr lang="en-US" sz="2800">
                       <a:latin typeface="Times New Roman" panose="02020603050405020304" pitchFamily="18" charset="0"/>
                       <a:cs typeface="Times New Roman" panose="02020603050405020304" pitchFamily="18" charset="0"/>
                     </a:rPr>
                     <a:t> </a:t>
                   </a:r>
                   <a:r>
-                    <a:rPr lang="en-US" sz="2800" dirty="0" err="1">
+                    <a:rPr lang="en-US" sz="2800" err="1">
                       <a:latin typeface="Times New Roman" panose="02020603050405020304" pitchFamily="18" charset="0"/>
                       <a:cs typeface="Times New Roman" panose="02020603050405020304" pitchFamily="18" charset="0"/>
                     </a:rPr>
                     <a:t>liệu</a:t>
                   </a:r>
-                  <a:endParaRPr lang="en-US" sz="2800" dirty="0">
+                  <a:endParaRPr lang="en-US" sz="2800">
                     <a:latin typeface="Times New Roman" panose="02020603050405020304" pitchFamily="18" charset="0"/>
                     <a:cs typeface="Times New Roman" panose="02020603050405020304" pitchFamily="18" charset="0"/>
                   </a:endParaRPr>
@@ -3589,7 +3592,7 @@
                 <a:p>
                   <a:pPr algn="ctr"/>
                   <a:r>
-                    <a:rPr lang="en-US" dirty="0">
+                    <a:rPr lang="en-US">
                       <a:latin typeface="Times New Roman" panose="02020603050405020304" pitchFamily="18" charset="0"/>
                       <a:cs typeface="Times New Roman" panose="02020603050405020304" pitchFamily="18" charset="0"/>
                     </a:rPr>
@@ -3599,7 +3602,7 @@
                 <a:p>
                   <a:pPr algn="ctr"/>
                   <a:r>
-                    <a:rPr lang="en-US" dirty="0">
+                    <a:rPr lang="en-US">
                       <a:latin typeface="Times New Roman" panose="02020603050405020304" pitchFamily="18" charset="0"/>
                       <a:cs typeface="Times New Roman" panose="02020603050405020304" pitchFamily="18" charset="0"/>
                     </a:rPr>
@@ -3638,82 +3641,82 @@
                 <a:p>
                   <a:pPr algn="ctr"/>
                   <a:r>
-                    <a:rPr lang="en-US" sz="2800" dirty="0" err="1">
+                    <a:rPr lang="en-US" sz="2800" err="1">
                       <a:latin typeface="Times New Roman" panose="02020603050405020304" pitchFamily="18" charset="0"/>
                       <a:cs typeface="Times New Roman" panose="02020603050405020304" pitchFamily="18" charset="0"/>
                     </a:rPr>
                     <a:t>Tham</a:t>
                   </a:r>
                   <a:r>
-                    <a:rPr lang="en-US" sz="2800" dirty="0">
+                    <a:rPr lang="en-US" sz="2800">
                       <a:latin typeface="Times New Roman" panose="02020603050405020304" pitchFamily="18" charset="0"/>
                       <a:cs typeface="Times New Roman" panose="02020603050405020304" pitchFamily="18" charset="0"/>
                     </a:rPr>
                     <a:t> </a:t>
                   </a:r>
                   <a:r>
-                    <a:rPr lang="en-US" sz="2800" dirty="0" err="1">
+                    <a:rPr lang="en-US" sz="2800" err="1">
                       <a:latin typeface="Times New Roman" panose="02020603050405020304" pitchFamily="18" charset="0"/>
                       <a:cs typeface="Times New Roman" panose="02020603050405020304" pitchFamily="18" charset="0"/>
                     </a:rPr>
                     <a:t>chiếu</a:t>
                   </a:r>
                   <a:r>
-                    <a:rPr lang="en-US" sz="2800" dirty="0">
+                    <a:rPr lang="en-US" sz="2800">
                       <a:latin typeface="Times New Roman" panose="02020603050405020304" pitchFamily="18" charset="0"/>
                       <a:cs typeface="Times New Roman" panose="02020603050405020304" pitchFamily="18" charset="0"/>
                     </a:rPr>
                     <a:t> </a:t>
                   </a:r>
                   <a:r>
-                    <a:rPr lang="en-US" sz="2800" dirty="0" err="1">
+                    <a:rPr lang="en-US" sz="2800" err="1">
                       <a:latin typeface="Times New Roman" panose="02020603050405020304" pitchFamily="18" charset="0"/>
                       <a:cs typeface="Times New Roman" panose="02020603050405020304" pitchFamily="18" charset="0"/>
                     </a:rPr>
                     <a:t>và</a:t>
                   </a:r>
-                  <a:endParaRPr lang="en-US" sz="2800" dirty="0">
+                  <a:endParaRPr lang="en-US" sz="2800">
                     <a:latin typeface="Times New Roman" panose="02020603050405020304" pitchFamily="18" charset="0"/>
                     <a:cs typeface="Times New Roman" panose="02020603050405020304" pitchFamily="18" charset="0"/>
                   </a:endParaRPr>
                 </a:p>
                 <a:p>
                   <a:r>
-                    <a:rPr lang="en-US" sz="2800" dirty="0" err="1">
+                    <a:rPr lang="en-US" sz="2800" err="1">
                       <a:latin typeface="Times New Roman" panose="02020603050405020304" pitchFamily="18" charset="0"/>
                       <a:cs typeface="Times New Roman" panose="02020603050405020304" pitchFamily="18" charset="0"/>
                     </a:rPr>
                     <a:t>truyền</a:t>
                   </a:r>
                   <a:r>
-                    <a:rPr lang="en-US" sz="2800" dirty="0">
+                    <a:rPr lang="en-US" sz="2800">
                       <a:latin typeface="Times New Roman" panose="02020603050405020304" pitchFamily="18" charset="0"/>
                       <a:cs typeface="Times New Roman" panose="02020603050405020304" pitchFamily="18" charset="0"/>
                     </a:rPr>
                     <a:t> </a:t>
                   </a:r>
                   <a:r>
-                    <a:rPr lang="en-US" sz="2800" dirty="0" err="1">
+                    <a:rPr lang="en-US" sz="2800" err="1">
                       <a:latin typeface="Times New Roman" panose="02020603050405020304" pitchFamily="18" charset="0"/>
                       <a:cs typeface="Times New Roman" panose="02020603050405020304" pitchFamily="18" charset="0"/>
                     </a:rPr>
                     <a:t>dữ</a:t>
                   </a:r>
                   <a:r>
-                    <a:rPr lang="en-US" sz="2800" dirty="0">
+                    <a:rPr lang="en-US" sz="2800">
                       <a:latin typeface="Times New Roman" panose="02020603050405020304" pitchFamily="18" charset="0"/>
                       <a:cs typeface="Times New Roman" panose="02020603050405020304" pitchFamily="18" charset="0"/>
                     </a:rPr>
                     <a:t> </a:t>
                   </a:r>
                   <a:r>
-                    <a:rPr lang="en-US" sz="2800" dirty="0" err="1">
+                    <a:rPr lang="en-US" sz="2800" err="1">
                       <a:latin typeface="Times New Roman" panose="02020603050405020304" pitchFamily="18" charset="0"/>
                       <a:cs typeface="Times New Roman" panose="02020603050405020304" pitchFamily="18" charset="0"/>
                     </a:rPr>
                     <a:t>liệu</a:t>
                   </a:r>
-                  <a:endParaRPr lang="en-US" sz="2800" dirty="0">
+                  <a:endParaRPr lang="en-US" sz="2800">
                     <a:latin typeface="Times New Roman" panose="02020603050405020304" pitchFamily="18" charset="0"/>
                     <a:cs typeface="Times New Roman" panose="02020603050405020304" pitchFamily="18" charset="0"/>
                   </a:endParaRPr>
@@ -3782,7 +3785,7 @@
                 <a:p>
                   <a:pPr algn="ctr"/>
                   <a:r>
-                    <a:rPr lang="en-US" dirty="0">
+                    <a:rPr lang="en-US">
                       <a:latin typeface="Times New Roman" panose="02020603050405020304" pitchFamily="18" charset="0"/>
                       <a:cs typeface="Times New Roman" panose="02020603050405020304" pitchFamily="18" charset="0"/>
                     </a:rPr>
@@ -3792,7 +3795,7 @@
                 <a:p>
                   <a:pPr algn="ctr"/>
                   <a:r>
-                    <a:rPr lang="en-US" dirty="0">
+                    <a:rPr lang="en-US">
                       <a:latin typeface="Times New Roman" panose="02020603050405020304" pitchFamily="18" charset="0"/>
                       <a:cs typeface="Times New Roman" panose="02020603050405020304" pitchFamily="18" charset="0"/>
                     </a:rPr>
@@ -3830,55 +3833,55 @@
                 <a:lstStyle/>
                 <a:p>
                   <a:r>
-                    <a:rPr lang="en-US" sz="2800" dirty="0" err="1">
+                    <a:rPr lang="en-US" sz="2800" err="1">
                       <a:latin typeface="Times New Roman" panose="02020603050405020304" pitchFamily="18" charset="0"/>
                       <a:cs typeface="Times New Roman" panose="02020603050405020304" pitchFamily="18" charset="0"/>
                     </a:rPr>
                     <a:t>Phân</a:t>
                   </a:r>
                   <a:r>
-                    <a:rPr lang="en-US" sz="2800" dirty="0">
+                    <a:rPr lang="en-US" sz="2800">
                       <a:latin typeface="Times New Roman" panose="02020603050405020304" pitchFamily="18" charset="0"/>
                       <a:cs typeface="Times New Roman" panose="02020603050405020304" pitchFamily="18" charset="0"/>
                     </a:rPr>
                     <a:t> </a:t>
                   </a:r>
                   <a:r>
-                    <a:rPr lang="en-US" sz="2800" dirty="0" err="1">
+                    <a:rPr lang="en-US" sz="2800" err="1">
                       <a:latin typeface="Times New Roman" panose="02020603050405020304" pitchFamily="18" charset="0"/>
                       <a:cs typeface="Times New Roman" panose="02020603050405020304" pitchFamily="18" charset="0"/>
                     </a:rPr>
                     <a:t>tích</a:t>
                   </a:r>
                   <a:r>
-                    <a:rPr lang="en-US" sz="2800" dirty="0">
+                    <a:rPr lang="en-US" sz="2800">
                       <a:latin typeface="Times New Roman" panose="02020603050405020304" pitchFamily="18" charset="0"/>
                       <a:cs typeface="Times New Roman" panose="02020603050405020304" pitchFamily="18" charset="0"/>
                     </a:rPr>
                     <a:t> </a:t>
                   </a:r>
                   <a:r>
-                    <a:rPr lang="en-US" sz="2800" dirty="0" err="1">
+                    <a:rPr lang="en-US" sz="2800" err="1">
                       <a:latin typeface="Times New Roman" panose="02020603050405020304" pitchFamily="18" charset="0"/>
                       <a:cs typeface="Times New Roman" panose="02020603050405020304" pitchFamily="18" charset="0"/>
                     </a:rPr>
                     <a:t>dữ</a:t>
                   </a:r>
                   <a:r>
-                    <a:rPr lang="en-US" sz="2800" dirty="0">
+                    <a:rPr lang="en-US" sz="2800">
                       <a:latin typeface="Times New Roman" panose="02020603050405020304" pitchFamily="18" charset="0"/>
                       <a:cs typeface="Times New Roman" panose="02020603050405020304" pitchFamily="18" charset="0"/>
                     </a:rPr>
                     <a:t> </a:t>
                   </a:r>
                   <a:r>
-                    <a:rPr lang="en-US" sz="2800" dirty="0" err="1">
+                    <a:rPr lang="en-US" sz="2800" err="1">
                       <a:latin typeface="Times New Roman" panose="02020603050405020304" pitchFamily="18" charset="0"/>
                       <a:cs typeface="Times New Roman" panose="02020603050405020304" pitchFamily="18" charset="0"/>
                     </a:rPr>
                     <a:t>liệu</a:t>
                   </a:r>
-                  <a:endParaRPr lang="en-US" sz="2800" dirty="0">
+                  <a:endParaRPr lang="en-US" sz="2800">
                     <a:latin typeface="Times New Roman" panose="02020603050405020304" pitchFamily="18" charset="0"/>
                     <a:cs typeface="Times New Roman" panose="02020603050405020304" pitchFamily="18" charset="0"/>
                   </a:endParaRPr>
@@ -4215,7 +4218,7 @@
             <a:p>
               <a:pPr algn="ctr"/>
               <a:r>
-                <a:rPr lang="en-US" sz="3600" dirty="0">
+                <a:rPr lang="en-US" sz="3600">
                   <a:solidFill>
                     <a:schemeClr val="bg1"/>
                   </a:solidFill>
@@ -4978,22 +4981,22 @@
             <a:p>
               <a:pPr algn="ctr"/>
               <a:r>
-                <a:rPr lang="en-US" dirty="0" err="1"/>
+                <a:rPr lang="en-US" err="1"/>
                 <a:t>Môi</a:t>
               </a:r>
               <a:r>
-                <a:rPr lang="en-US" dirty="0"/>
+                <a:rPr lang="en-US"/>
                 <a:t> tr</a:t>
               </a:r>
               <a:r>
-                <a:rPr lang="vi-VN" dirty="0"/>
+                <a:rPr lang="vi-VN"/>
                 <a:t>ư</a:t>
               </a:r>
               <a:r>
-                <a:rPr lang="en-US" dirty="0" err="1"/>
+                <a:rPr lang="en-US" err="1"/>
                 <a:t>ờng</a:t>
               </a:r>
-              <a:endParaRPr lang="en-US" dirty="0"/>
+              <a:endParaRPr lang="en-US"/>
             </a:p>
           </p:txBody>
         </p:sp>
@@ -5038,46 +5041,46 @@
             <a:p>
               <a:pPr algn="ctr"/>
               <a:r>
-                <a:rPr lang="en-US" dirty="0" err="1"/>
+                <a:rPr lang="en-US" err="1"/>
                 <a:t>Mạch</a:t>
               </a:r>
               <a:r>
-                <a:rPr lang="en-US" dirty="0"/>
+                <a:rPr lang="en-US"/>
                 <a:t> </a:t>
               </a:r>
               <a:r>
-                <a:rPr lang="en-US" dirty="0" err="1"/>
+                <a:rPr lang="en-US" err="1"/>
                 <a:t>thu</a:t>
               </a:r>
               <a:r>
-                <a:rPr lang="en-US" dirty="0"/>
+                <a:rPr lang="en-US"/>
                 <a:t> </a:t>
               </a:r>
               <a:r>
-                <a:rPr lang="en-US" dirty="0" err="1"/>
+                <a:rPr lang="en-US" err="1"/>
                 <a:t>thập</a:t>
               </a:r>
-              <a:endParaRPr lang="en-US" dirty="0"/>
+              <a:endParaRPr lang="en-US"/>
             </a:p>
             <a:p>
               <a:pPr algn="ctr"/>
               <a:r>
-                <a:rPr lang="en-US" dirty="0"/>
+                <a:rPr lang="en-US"/>
                 <a:t> </a:t>
               </a:r>
               <a:r>
-                <a:rPr lang="en-US" dirty="0" err="1"/>
+                <a:rPr lang="en-US" err="1"/>
                 <a:t>dữ</a:t>
               </a:r>
               <a:r>
-                <a:rPr lang="en-US" dirty="0"/>
+                <a:rPr lang="en-US"/>
                 <a:t> </a:t>
               </a:r>
               <a:r>
-                <a:rPr lang="en-US" dirty="0" err="1"/>
+                <a:rPr lang="en-US" err="1"/>
                 <a:t>liệu</a:t>
               </a:r>
-              <a:endParaRPr lang="en-US" dirty="0"/>
+              <a:endParaRPr lang="en-US"/>
             </a:p>
           </p:txBody>
         </p:sp>
@@ -5122,35 +5125,35 @@
             <a:p>
               <a:pPr algn="ctr"/>
               <a:r>
-                <a:rPr lang="en-US" dirty="0" err="1"/>
+                <a:rPr lang="en-US" err="1"/>
                 <a:t>Bộ</a:t>
               </a:r>
               <a:r>
-                <a:rPr lang="en-US" dirty="0"/>
+                <a:rPr lang="en-US"/>
                 <a:t> </a:t>
               </a:r>
               <a:r>
-                <a:rPr lang="en-US" dirty="0" err="1"/>
+                <a:rPr lang="en-US" err="1"/>
                 <a:t>thiết</a:t>
               </a:r>
               <a:r>
-                <a:rPr lang="en-US" dirty="0"/>
+                <a:rPr lang="en-US"/>
                 <a:t> </a:t>
               </a:r>
               <a:r>
-                <a:rPr lang="en-US" dirty="0" err="1"/>
+                <a:rPr lang="en-US" err="1"/>
                 <a:t>bị</a:t>
               </a:r>
               <a:r>
-                <a:rPr lang="en-US" dirty="0"/>
+                <a:rPr lang="en-US"/>
                 <a:t> </a:t>
               </a:r>
               <a:r>
-                <a:rPr lang="en-US" dirty="0" err="1"/>
+                <a:rPr lang="en-US" err="1"/>
                 <a:t>ngoại</a:t>
               </a:r>
               <a:r>
-                <a:rPr lang="en-US" dirty="0"/>
+                <a:rPr lang="en-US"/>
                 <a:t> vi</a:t>
               </a:r>
             </a:p>
@@ -5197,66 +5200,66 @@
             <a:p>
               <a:pPr algn="ctr"/>
               <a:r>
-                <a:rPr lang="en-US" dirty="0" err="1"/>
+                <a:rPr lang="en-US" err="1"/>
                 <a:t>Mạch</a:t>
               </a:r>
               <a:r>
-                <a:rPr lang="en-US" dirty="0"/>
+                <a:rPr lang="en-US"/>
                 <a:t> </a:t>
               </a:r>
               <a:r>
-                <a:rPr lang="en-US" dirty="0" err="1"/>
+                <a:rPr lang="en-US" err="1"/>
                 <a:t>xử</a:t>
               </a:r>
               <a:r>
-                <a:rPr lang="en-US" dirty="0"/>
+                <a:rPr lang="en-US"/>
                 <a:t> </a:t>
               </a:r>
               <a:r>
-                <a:rPr lang="en-US" dirty="0" err="1"/>
+                <a:rPr lang="en-US" err="1"/>
                 <a:t>lý</a:t>
               </a:r>
               <a:r>
-                <a:rPr lang="en-US" dirty="0"/>
+                <a:rPr lang="en-US"/>
                 <a:t> </a:t>
               </a:r>
               <a:r>
-                <a:rPr lang="en-US" dirty="0" err="1"/>
+                <a:rPr lang="en-US" err="1"/>
                 <a:t>và</a:t>
               </a:r>
               <a:r>
-                <a:rPr lang="en-US" dirty="0"/>
+                <a:rPr lang="en-US"/>
                 <a:t> </a:t>
               </a:r>
               <a:r>
-                <a:rPr lang="en-US" dirty="0" err="1"/>
+                <a:rPr lang="en-US" err="1"/>
                 <a:t>điều</a:t>
               </a:r>
               <a:r>
-                <a:rPr lang="en-US" dirty="0"/>
+                <a:rPr lang="en-US"/>
                 <a:t> </a:t>
               </a:r>
               <a:r>
-                <a:rPr lang="en-US" dirty="0" err="1"/>
+                <a:rPr lang="en-US" err="1"/>
                 <a:t>khiển</a:t>
               </a:r>
               <a:r>
-                <a:rPr lang="en-US" dirty="0"/>
+                <a:rPr lang="en-US"/>
                 <a:t> </a:t>
               </a:r>
               <a:r>
-                <a:rPr lang="en-US" dirty="0" err="1"/>
+                <a:rPr lang="en-US" err="1"/>
                 <a:t>tín</a:t>
               </a:r>
               <a:r>
-                <a:rPr lang="en-US" dirty="0"/>
+                <a:rPr lang="en-US"/>
                 <a:t> </a:t>
               </a:r>
               <a:r>
-                <a:rPr lang="en-US" dirty="0" err="1"/>
+                <a:rPr lang="en-US" err="1"/>
                 <a:t>hiệu</a:t>
               </a:r>
-              <a:endParaRPr lang="en-US" dirty="0"/>
+              <a:endParaRPr lang="en-US"/>
             </a:p>
           </p:txBody>
         </p:sp>
@@ -5514,22 +5517,22 @@
             <a:lstStyle/>
             <a:p>
               <a:r>
-                <a:rPr lang="en-US" dirty="0" err="1"/>
+                <a:rPr lang="en-US" err="1"/>
                 <a:t>Mặt</a:t>
               </a:r>
               <a:r>
-                <a:rPr lang="en-US" dirty="0"/>
+                <a:rPr lang="en-US"/>
                 <a:t> tr</a:t>
               </a:r>
               <a:r>
-                <a:rPr lang="vi-VN" dirty="0"/>
+                <a:rPr lang="vi-VN"/>
                 <a:t>ư</a:t>
               </a:r>
               <a:r>
-                <a:rPr lang="en-US" dirty="0" err="1"/>
+                <a:rPr lang="en-US" err="1"/>
                 <a:t>ớc</a:t>
               </a:r>
-              <a:endParaRPr lang="en-US" dirty="0"/>
+              <a:endParaRPr lang="en-US"/>
             </a:p>
           </p:txBody>
         </p:sp>
@@ -5562,18 +5565,18 @@
             <a:lstStyle/>
             <a:p>
               <a:r>
-                <a:rPr lang="en-US" dirty="0" err="1"/>
+                <a:rPr lang="en-US" err="1"/>
                 <a:t>Mặt</a:t>
               </a:r>
               <a:r>
-                <a:rPr lang="en-US" dirty="0"/>
+                <a:rPr lang="en-US"/>
                 <a:t> </a:t>
               </a:r>
               <a:r>
-                <a:rPr lang="en-US" dirty="0" err="1"/>
+                <a:rPr lang="en-US" err="1"/>
                 <a:t>sau</a:t>
               </a:r>
-              <a:endParaRPr lang="en-US" dirty="0"/>
+              <a:endParaRPr lang="en-US"/>
             </a:p>
           </p:txBody>
         </p:sp>
@@ -5606,18 +5609,18 @@
             <a:lstStyle/>
             <a:p>
               <a:r>
-                <a:rPr lang="en-US" dirty="0" err="1"/>
+                <a:rPr lang="en-US" err="1"/>
                 <a:t>Bên</a:t>
               </a:r>
               <a:r>
-                <a:rPr lang="en-US" dirty="0"/>
+                <a:rPr lang="en-US"/>
                 <a:t> </a:t>
               </a:r>
               <a:r>
-                <a:rPr lang="en-US" dirty="0" err="1"/>
+                <a:rPr lang="en-US" err="1"/>
                 <a:t>cạnh</a:t>
               </a:r>
-              <a:endParaRPr lang="en-US" dirty="0"/>
+              <a:endParaRPr lang="en-US"/>
             </a:p>
           </p:txBody>
         </p:sp>
@@ -7027,7 +7030,7 @@
                     </a:spcAft>
                   </a:pPr>
                   <a:r>
-                    <a:rPr lang="en-US" sz="2000" kern="1200" dirty="0">
+                    <a:rPr lang="en-US" sz="2000" kern="1200">
                       <a:solidFill>
                         <a:srgbClr val="000000"/>
                       </a:solidFill>
@@ -7044,7 +7047,7 @@
                     </a:rPr>
                     <a:t>54us</a:t>
                   </a:r>
-                  <a:endParaRPr lang="en-US" sz="1200" dirty="0">
+                  <a:endParaRPr lang="en-US" sz="1200">
                     <a:effectLst/>
                     <a:latin typeface="Times New Roman" panose="02020603050405020304" pitchFamily="18" charset="0"/>
                     <a:ea typeface="Times New Roman" panose="02020603050405020304" pitchFamily="18" charset="0"/>
@@ -7092,7 +7095,7 @@
                     </a:spcAft>
                   </a:pPr>
                   <a:r>
-                    <a:rPr lang="en-US" sz="2000" dirty="0">
+                    <a:rPr lang="en-US" sz="2000">
                       <a:solidFill>
                         <a:srgbClr val="000000"/>
                       </a:solidFill>
@@ -7110,7 +7113,7 @@
                     <a:t>80</a:t>
                   </a:r>
                   <a:r>
-                    <a:rPr lang="vi-VN" sz="2000" kern="1200" dirty="0">
+                    <a:rPr lang="vi-VN" sz="2000" kern="1200">
                       <a:solidFill>
                         <a:srgbClr val="000000"/>
                       </a:solidFill>
@@ -7127,7 +7130,7 @@
                     </a:rPr>
                     <a:t>us</a:t>
                   </a:r>
-                  <a:endParaRPr lang="en-US" sz="1200" dirty="0">
+                  <a:endParaRPr lang="en-US" sz="1200">
                     <a:effectLst/>
                     <a:latin typeface="Times New Roman" panose="02020603050405020304" pitchFamily="18" charset="0"/>
                     <a:ea typeface="Times New Roman" panose="02020603050405020304" pitchFamily="18" charset="0"/>
@@ -7241,7 +7244,7 @@
                   </a:spcAft>
                 </a:pPr>
                 <a:r>
-                  <a:rPr lang="en-US" sz="1200" kern="1200" dirty="0">
+                  <a:rPr lang="en-US" sz="1200" kern="1200">
                     <a:solidFill>
                       <a:srgbClr val="000000"/>
                     </a:solidFill>
@@ -7258,7 +7261,7 @@
                   </a:rPr>
                   <a:t>1</a:t>
                 </a:r>
-                <a:endParaRPr lang="en-US" sz="1200" dirty="0">
+                <a:endParaRPr lang="en-US" sz="1200">
                   <a:effectLst/>
                   <a:latin typeface="Times New Roman" panose="02020603050405020304" pitchFamily="18" charset="0"/>
                   <a:ea typeface="Times New Roman" panose="02020603050405020304" pitchFamily="18" charset="0"/>
@@ -7415,97 +7418,97 @@
             <a:p>
               <a:pPr algn="ctr"/>
               <a:r>
-                <a:rPr lang="en-US" sz="1200" dirty="0" err="1">
+                <a:rPr lang="en-US" sz="1200" err="1">
                   <a:latin typeface="Times New Roman" panose="02020603050405020304" pitchFamily="18" charset="0"/>
                   <a:cs typeface="Times New Roman" panose="02020603050405020304" pitchFamily="18" charset="0"/>
                 </a:rPr>
                 <a:t>Giá</a:t>
               </a:r>
               <a:r>
-                <a:rPr lang="en-US" sz="1200" dirty="0">
+                <a:rPr lang="en-US" sz="1200">
                   <a:latin typeface="Times New Roman" panose="02020603050405020304" pitchFamily="18" charset="0"/>
                   <a:cs typeface="Times New Roman" panose="02020603050405020304" pitchFamily="18" charset="0"/>
                 </a:rPr>
                 <a:t> </a:t>
               </a:r>
               <a:r>
-                <a:rPr lang="en-US" sz="1200" dirty="0" err="1">
+                <a:rPr lang="en-US" sz="1200" err="1">
                   <a:latin typeface="Times New Roman" panose="02020603050405020304" pitchFamily="18" charset="0"/>
                   <a:cs typeface="Times New Roman" panose="02020603050405020304" pitchFamily="18" charset="0"/>
                 </a:rPr>
                 <a:t>trị</a:t>
               </a:r>
               <a:r>
-                <a:rPr lang="en-US" sz="1200" dirty="0">
+                <a:rPr lang="en-US" sz="1200">
                   <a:latin typeface="Times New Roman" panose="02020603050405020304" pitchFamily="18" charset="0"/>
                   <a:cs typeface="Times New Roman" panose="02020603050405020304" pitchFamily="18" charset="0"/>
                 </a:rPr>
                 <a:t> </a:t>
               </a:r>
               <a:r>
-                <a:rPr lang="en-US" sz="1200" dirty="0" err="1">
+                <a:rPr lang="en-US" sz="1200" err="1">
                   <a:latin typeface="Times New Roman" panose="02020603050405020304" pitchFamily="18" charset="0"/>
                   <a:cs typeface="Times New Roman" panose="02020603050405020304" pitchFamily="18" charset="0"/>
                 </a:rPr>
                 <a:t>phần</a:t>
               </a:r>
               <a:r>
-                <a:rPr lang="en-US" sz="1200" dirty="0">
+                <a:rPr lang="en-US" sz="1200">
                   <a:latin typeface="Times New Roman" panose="02020603050405020304" pitchFamily="18" charset="0"/>
                   <a:cs typeface="Times New Roman" panose="02020603050405020304" pitchFamily="18" charset="0"/>
                 </a:rPr>
                 <a:t> </a:t>
               </a:r>
               <a:r>
-                <a:rPr lang="en-US" sz="1200" dirty="0" err="1">
+                <a:rPr lang="en-US" sz="1200" err="1">
                   <a:latin typeface="Times New Roman" panose="02020603050405020304" pitchFamily="18" charset="0"/>
                   <a:cs typeface="Times New Roman" panose="02020603050405020304" pitchFamily="18" charset="0"/>
                 </a:rPr>
                 <a:t>nguyên</a:t>
               </a:r>
               <a:r>
-                <a:rPr lang="en-US" sz="1200" dirty="0">
+                <a:rPr lang="en-US" sz="1200">
                   <a:latin typeface="Times New Roman" panose="02020603050405020304" pitchFamily="18" charset="0"/>
                   <a:cs typeface="Times New Roman" panose="02020603050405020304" pitchFamily="18" charset="0"/>
                 </a:rPr>
                 <a:t> </a:t>
               </a:r>
               <a:r>
-                <a:rPr lang="en-US" sz="1200" dirty="0" err="1">
+                <a:rPr lang="en-US" sz="1200" err="1">
                   <a:latin typeface="Times New Roman" panose="02020603050405020304" pitchFamily="18" charset="0"/>
                   <a:cs typeface="Times New Roman" panose="02020603050405020304" pitchFamily="18" charset="0"/>
                 </a:rPr>
                 <a:t>của</a:t>
               </a:r>
               <a:r>
-                <a:rPr lang="en-US" sz="1200" dirty="0">
+                <a:rPr lang="en-US" sz="1200">
                   <a:latin typeface="Times New Roman" panose="02020603050405020304" pitchFamily="18" charset="0"/>
                   <a:cs typeface="Times New Roman" panose="02020603050405020304" pitchFamily="18" charset="0"/>
                 </a:rPr>
                 <a:t> </a:t>
               </a:r>
               <a:r>
-                <a:rPr lang="en-US" sz="1200" dirty="0" err="1">
+                <a:rPr lang="en-US" sz="1200" err="1">
                   <a:latin typeface="Times New Roman" panose="02020603050405020304" pitchFamily="18" charset="0"/>
                   <a:cs typeface="Times New Roman" panose="02020603050405020304" pitchFamily="18" charset="0"/>
                 </a:rPr>
                 <a:t>độ</a:t>
               </a:r>
               <a:r>
-                <a:rPr lang="en-US" sz="1200" dirty="0">
+                <a:rPr lang="en-US" sz="1200">
                   <a:latin typeface="Times New Roman" panose="02020603050405020304" pitchFamily="18" charset="0"/>
                   <a:cs typeface="Times New Roman" panose="02020603050405020304" pitchFamily="18" charset="0"/>
                 </a:rPr>
                 <a:t> </a:t>
               </a:r>
               <a:r>
-                <a:rPr lang="en-US" sz="1200" dirty="0" err="1">
+                <a:rPr lang="en-US" sz="1200" err="1">
                   <a:latin typeface="Times New Roman" panose="02020603050405020304" pitchFamily="18" charset="0"/>
                   <a:cs typeface="Times New Roman" panose="02020603050405020304" pitchFamily="18" charset="0"/>
                 </a:rPr>
                 <a:t>ẩm</a:t>
               </a:r>
-              <a:endParaRPr lang="en-US" sz="1200" dirty="0">
+              <a:endParaRPr lang="en-US" sz="1200">
                 <a:latin typeface="Times New Roman" panose="02020603050405020304" pitchFamily="18" charset="0"/>
                 <a:cs typeface="Times New Roman" panose="02020603050405020304" pitchFamily="18" charset="0"/>
               </a:endParaRPr>
@@ -7553,111 +7556,111 @@
             <a:p>
               <a:pPr algn="ctr"/>
               <a:r>
-                <a:rPr lang="en-US" sz="1200" dirty="0" err="1">
+                <a:rPr lang="en-US" sz="1200" err="1">
                   <a:latin typeface="Times New Roman" panose="02020603050405020304" pitchFamily="18" charset="0"/>
                   <a:cs typeface="Times New Roman" panose="02020603050405020304" pitchFamily="18" charset="0"/>
                 </a:rPr>
                 <a:t>Giá</a:t>
               </a:r>
               <a:r>
-                <a:rPr lang="en-US" sz="1200" dirty="0">
+                <a:rPr lang="en-US" sz="1200">
                   <a:latin typeface="Times New Roman" panose="02020603050405020304" pitchFamily="18" charset="0"/>
                   <a:cs typeface="Times New Roman" panose="02020603050405020304" pitchFamily="18" charset="0"/>
                 </a:rPr>
                 <a:t> </a:t>
               </a:r>
               <a:r>
-                <a:rPr lang="en-US" sz="1200" dirty="0" err="1">
+                <a:rPr lang="en-US" sz="1200" err="1">
                   <a:latin typeface="Times New Roman" panose="02020603050405020304" pitchFamily="18" charset="0"/>
                   <a:cs typeface="Times New Roman" panose="02020603050405020304" pitchFamily="18" charset="0"/>
                 </a:rPr>
                 <a:t>trị</a:t>
               </a:r>
               <a:r>
-                <a:rPr lang="en-US" sz="1200" dirty="0">
+                <a:rPr lang="en-US" sz="1200">
                   <a:latin typeface="Times New Roman" panose="02020603050405020304" pitchFamily="18" charset="0"/>
                   <a:cs typeface="Times New Roman" panose="02020603050405020304" pitchFamily="18" charset="0"/>
                 </a:rPr>
                 <a:t> </a:t>
               </a:r>
               <a:r>
-                <a:rPr lang="en-US" sz="1200" dirty="0" err="1">
+                <a:rPr lang="en-US" sz="1200" err="1">
                   <a:latin typeface="Times New Roman" panose="02020603050405020304" pitchFamily="18" charset="0"/>
                   <a:cs typeface="Times New Roman" panose="02020603050405020304" pitchFamily="18" charset="0"/>
                 </a:rPr>
                 <a:t>phần</a:t>
               </a:r>
               <a:r>
-                <a:rPr lang="en-US" sz="1200" dirty="0">
+                <a:rPr lang="en-US" sz="1200">
                   <a:latin typeface="Times New Roman" panose="02020603050405020304" pitchFamily="18" charset="0"/>
                   <a:cs typeface="Times New Roman" panose="02020603050405020304" pitchFamily="18" charset="0"/>
                 </a:rPr>
                 <a:t> </a:t>
               </a:r>
               <a:r>
-                <a:rPr lang="en-US" sz="1200" dirty="0" err="1">
+                <a:rPr lang="en-US" sz="1200" err="1">
                   <a:latin typeface="Times New Roman" panose="02020603050405020304" pitchFamily="18" charset="0"/>
                   <a:cs typeface="Times New Roman" panose="02020603050405020304" pitchFamily="18" charset="0"/>
                 </a:rPr>
                 <a:t>thập</a:t>
               </a:r>
               <a:r>
-                <a:rPr lang="en-US" sz="1200" dirty="0">
+                <a:rPr lang="en-US" sz="1200">
                   <a:latin typeface="Times New Roman" panose="02020603050405020304" pitchFamily="18" charset="0"/>
                   <a:cs typeface="Times New Roman" panose="02020603050405020304" pitchFamily="18" charset="0"/>
                 </a:rPr>
                 <a:t> </a:t>
               </a:r>
               <a:r>
-                <a:rPr lang="en-US" sz="1200" dirty="0" err="1">
+                <a:rPr lang="en-US" sz="1200" err="1">
                   <a:latin typeface="Times New Roman" panose="02020603050405020304" pitchFamily="18" charset="0"/>
                   <a:cs typeface="Times New Roman" panose="02020603050405020304" pitchFamily="18" charset="0"/>
                 </a:rPr>
                 <a:t>phân</a:t>
               </a:r>
               <a:r>
-                <a:rPr lang="en-US" sz="1200" dirty="0">
+                <a:rPr lang="en-US" sz="1200">
                   <a:latin typeface="Times New Roman" panose="02020603050405020304" pitchFamily="18" charset="0"/>
                   <a:cs typeface="Times New Roman" panose="02020603050405020304" pitchFamily="18" charset="0"/>
                 </a:rPr>
                 <a:t> </a:t>
               </a:r>
               <a:r>
-                <a:rPr lang="en-US" sz="1200" dirty="0" err="1">
+                <a:rPr lang="en-US" sz="1200" err="1">
                   <a:latin typeface="Times New Roman" panose="02020603050405020304" pitchFamily="18" charset="0"/>
                   <a:cs typeface="Times New Roman" panose="02020603050405020304" pitchFamily="18" charset="0"/>
                 </a:rPr>
                 <a:t>của</a:t>
               </a:r>
               <a:r>
-                <a:rPr lang="en-US" sz="1200" dirty="0">
+                <a:rPr lang="en-US" sz="1200">
                   <a:latin typeface="Times New Roman" panose="02020603050405020304" pitchFamily="18" charset="0"/>
                   <a:cs typeface="Times New Roman" panose="02020603050405020304" pitchFamily="18" charset="0"/>
                 </a:rPr>
                 <a:t> </a:t>
               </a:r>
               <a:r>
-                <a:rPr lang="en-US" sz="1200" dirty="0" err="1">
+                <a:rPr lang="en-US" sz="1200" err="1">
                   <a:latin typeface="Times New Roman" panose="02020603050405020304" pitchFamily="18" charset="0"/>
                   <a:cs typeface="Times New Roman" panose="02020603050405020304" pitchFamily="18" charset="0"/>
                 </a:rPr>
                 <a:t>độ</a:t>
               </a:r>
               <a:r>
-                <a:rPr lang="en-US" sz="1200" dirty="0">
+                <a:rPr lang="en-US" sz="1200">
                   <a:latin typeface="Times New Roman" panose="02020603050405020304" pitchFamily="18" charset="0"/>
                   <a:cs typeface="Times New Roman" panose="02020603050405020304" pitchFamily="18" charset="0"/>
                 </a:rPr>
                 <a:t> </a:t>
               </a:r>
               <a:r>
-                <a:rPr lang="en-US" sz="1200" dirty="0" err="1">
+                <a:rPr lang="en-US" sz="1200" err="1">
                   <a:latin typeface="Times New Roman" panose="02020603050405020304" pitchFamily="18" charset="0"/>
                   <a:cs typeface="Times New Roman" panose="02020603050405020304" pitchFamily="18" charset="0"/>
                 </a:rPr>
                 <a:t>ẩm</a:t>
               </a:r>
-              <a:endParaRPr lang="en-US" sz="1200" dirty="0">
+              <a:endParaRPr lang="en-US" sz="1200">
                 <a:latin typeface="Times New Roman" panose="02020603050405020304" pitchFamily="18" charset="0"/>
                 <a:cs typeface="Times New Roman" panose="02020603050405020304" pitchFamily="18" charset="0"/>
               </a:endParaRPr>
@@ -7705,97 +7708,97 @@
             <a:p>
               <a:pPr algn="ctr"/>
               <a:r>
-                <a:rPr lang="en-US" sz="1200" dirty="0" err="1">
+                <a:rPr lang="en-US" sz="1200" err="1">
                   <a:latin typeface="Times New Roman" panose="02020603050405020304" pitchFamily="18" charset="0"/>
                   <a:cs typeface="Times New Roman" panose="02020603050405020304" pitchFamily="18" charset="0"/>
                 </a:rPr>
                 <a:t>Giá</a:t>
               </a:r>
               <a:r>
-                <a:rPr lang="en-US" sz="1200" dirty="0">
+                <a:rPr lang="en-US" sz="1200">
                   <a:latin typeface="Times New Roman" panose="02020603050405020304" pitchFamily="18" charset="0"/>
                   <a:cs typeface="Times New Roman" panose="02020603050405020304" pitchFamily="18" charset="0"/>
                 </a:rPr>
                 <a:t> </a:t>
               </a:r>
               <a:r>
-                <a:rPr lang="en-US" sz="1200" dirty="0" err="1">
+                <a:rPr lang="en-US" sz="1200" err="1">
                   <a:latin typeface="Times New Roman" panose="02020603050405020304" pitchFamily="18" charset="0"/>
                   <a:cs typeface="Times New Roman" panose="02020603050405020304" pitchFamily="18" charset="0"/>
                 </a:rPr>
                 <a:t>trị</a:t>
               </a:r>
               <a:r>
-                <a:rPr lang="en-US" sz="1200" dirty="0">
+                <a:rPr lang="en-US" sz="1200">
                   <a:latin typeface="Times New Roman" panose="02020603050405020304" pitchFamily="18" charset="0"/>
                   <a:cs typeface="Times New Roman" panose="02020603050405020304" pitchFamily="18" charset="0"/>
                 </a:rPr>
                 <a:t> </a:t>
               </a:r>
               <a:r>
-                <a:rPr lang="en-US" sz="1200" dirty="0" err="1">
+                <a:rPr lang="en-US" sz="1200" err="1">
                   <a:latin typeface="Times New Roman" panose="02020603050405020304" pitchFamily="18" charset="0"/>
                   <a:cs typeface="Times New Roman" panose="02020603050405020304" pitchFamily="18" charset="0"/>
                 </a:rPr>
                 <a:t>phần</a:t>
               </a:r>
               <a:r>
-                <a:rPr lang="en-US" sz="1200" dirty="0">
+                <a:rPr lang="en-US" sz="1200">
                   <a:latin typeface="Times New Roman" panose="02020603050405020304" pitchFamily="18" charset="0"/>
                   <a:cs typeface="Times New Roman" panose="02020603050405020304" pitchFamily="18" charset="0"/>
                 </a:rPr>
                 <a:t> </a:t>
               </a:r>
               <a:r>
-                <a:rPr lang="en-US" sz="1200" dirty="0" err="1">
+                <a:rPr lang="en-US" sz="1200" err="1">
                   <a:latin typeface="Times New Roman" panose="02020603050405020304" pitchFamily="18" charset="0"/>
                   <a:cs typeface="Times New Roman" panose="02020603050405020304" pitchFamily="18" charset="0"/>
                 </a:rPr>
                 <a:t>nguyên</a:t>
               </a:r>
               <a:r>
-                <a:rPr lang="en-US" sz="1200" dirty="0">
+                <a:rPr lang="en-US" sz="1200">
                   <a:latin typeface="Times New Roman" panose="02020603050405020304" pitchFamily="18" charset="0"/>
                   <a:cs typeface="Times New Roman" panose="02020603050405020304" pitchFamily="18" charset="0"/>
                 </a:rPr>
                 <a:t> </a:t>
               </a:r>
               <a:r>
-                <a:rPr lang="en-US" sz="1200" dirty="0" err="1">
+                <a:rPr lang="en-US" sz="1200" err="1">
                   <a:latin typeface="Times New Roman" panose="02020603050405020304" pitchFamily="18" charset="0"/>
                   <a:cs typeface="Times New Roman" panose="02020603050405020304" pitchFamily="18" charset="0"/>
                 </a:rPr>
                 <a:t>của</a:t>
               </a:r>
               <a:r>
-                <a:rPr lang="en-US" sz="1200" dirty="0">
+                <a:rPr lang="en-US" sz="1200">
                   <a:latin typeface="Times New Roman" panose="02020603050405020304" pitchFamily="18" charset="0"/>
                   <a:cs typeface="Times New Roman" panose="02020603050405020304" pitchFamily="18" charset="0"/>
                 </a:rPr>
                 <a:t> </a:t>
               </a:r>
               <a:r>
-                <a:rPr lang="en-US" sz="1200" dirty="0" err="1">
+                <a:rPr lang="en-US" sz="1200" err="1">
                   <a:latin typeface="Times New Roman" panose="02020603050405020304" pitchFamily="18" charset="0"/>
                   <a:cs typeface="Times New Roman" panose="02020603050405020304" pitchFamily="18" charset="0"/>
                 </a:rPr>
                 <a:t>nhiệt</a:t>
               </a:r>
               <a:r>
-                <a:rPr lang="en-US" sz="1200" dirty="0">
+                <a:rPr lang="en-US" sz="1200">
                   <a:latin typeface="Times New Roman" panose="02020603050405020304" pitchFamily="18" charset="0"/>
                   <a:cs typeface="Times New Roman" panose="02020603050405020304" pitchFamily="18" charset="0"/>
                 </a:rPr>
                 <a:t> </a:t>
               </a:r>
               <a:r>
-                <a:rPr lang="en-US" sz="1200" dirty="0" err="1">
+                <a:rPr lang="en-US" sz="1200" err="1">
                   <a:latin typeface="Times New Roman" panose="02020603050405020304" pitchFamily="18" charset="0"/>
                   <a:cs typeface="Times New Roman" panose="02020603050405020304" pitchFamily="18" charset="0"/>
                 </a:rPr>
                 <a:t>độ</a:t>
               </a:r>
-              <a:endParaRPr lang="en-US" sz="1200" dirty="0">
+              <a:endParaRPr lang="en-US" sz="1200">
                 <a:latin typeface="Times New Roman" panose="02020603050405020304" pitchFamily="18" charset="0"/>
                 <a:cs typeface="Times New Roman" panose="02020603050405020304" pitchFamily="18" charset="0"/>
               </a:endParaRPr>
@@ -7843,111 +7846,111 @@
             <a:p>
               <a:pPr algn="ctr"/>
               <a:r>
-                <a:rPr lang="en-US" sz="1200" dirty="0" err="1">
+                <a:rPr lang="en-US" sz="1200" err="1">
                   <a:latin typeface="Times New Roman" panose="02020603050405020304" pitchFamily="18" charset="0"/>
                   <a:cs typeface="Times New Roman" panose="02020603050405020304" pitchFamily="18" charset="0"/>
                 </a:rPr>
                 <a:t>Giá</a:t>
               </a:r>
               <a:r>
-                <a:rPr lang="en-US" sz="1200" dirty="0">
+                <a:rPr lang="en-US" sz="1200">
                   <a:latin typeface="Times New Roman" panose="02020603050405020304" pitchFamily="18" charset="0"/>
                   <a:cs typeface="Times New Roman" panose="02020603050405020304" pitchFamily="18" charset="0"/>
                 </a:rPr>
                 <a:t> </a:t>
               </a:r>
               <a:r>
-                <a:rPr lang="en-US" sz="1200" dirty="0" err="1">
+                <a:rPr lang="en-US" sz="1200" err="1">
                   <a:latin typeface="Times New Roman" panose="02020603050405020304" pitchFamily="18" charset="0"/>
                   <a:cs typeface="Times New Roman" panose="02020603050405020304" pitchFamily="18" charset="0"/>
                 </a:rPr>
                 <a:t>trị</a:t>
               </a:r>
               <a:r>
-                <a:rPr lang="en-US" sz="1200" dirty="0">
+                <a:rPr lang="en-US" sz="1200">
                   <a:latin typeface="Times New Roman" panose="02020603050405020304" pitchFamily="18" charset="0"/>
                   <a:cs typeface="Times New Roman" panose="02020603050405020304" pitchFamily="18" charset="0"/>
                 </a:rPr>
                 <a:t> </a:t>
               </a:r>
               <a:r>
-                <a:rPr lang="en-US" sz="1200" dirty="0" err="1">
+                <a:rPr lang="en-US" sz="1200" err="1">
                   <a:latin typeface="Times New Roman" panose="02020603050405020304" pitchFamily="18" charset="0"/>
                   <a:cs typeface="Times New Roman" panose="02020603050405020304" pitchFamily="18" charset="0"/>
                 </a:rPr>
                 <a:t>phần</a:t>
               </a:r>
               <a:r>
-                <a:rPr lang="en-US" sz="1200" dirty="0">
+                <a:rPr lang="en-US" sz="1200">
                   <a:latin typeface="Times New Roman" panose="02020603050405020304" pitchFamily="18" charset="0"/>
                   <a:cs typeface="Times New Roman" panose="02020603050405020304" pitchFamily="18" charset="0"/>
                 </a:rPr>
                 <a:t> </a:t>
               </a:r>
               <a:r>
-                <a:rPr lang="en-US" sz="1200" dirty="0" err="1">
+                <a:rPr lang="en-US" sz="1200" err="1">
                   <a:latin typeface="Times New Roman" panose="02020603050405020304" pitchFamily="18" charset="0"/>
                   <a:cs typeface="Times New Roman" panose="02020603050405020304" pitchFamily="18" charset="0"/>
                 </a:rPr>
                 <a:t>thập</a:t>
               </a:r>
               <a:r>
-                <a:rPr lang="en-US" sz="1200" dirty="0">
+                <a:rPr lang="en-US" sz="1200">
                   <a:latin typeface="Times New Roman" panose="02020603050405020304" pitchFamily="18" charset="0"/>
                   <a:cs typeface="Times New Roman" panose="02020603050405020304" pitchFamily="18" charset="0"/>
                 </a:rPr>
                 <a:t> </a:t>
               </a:r>
               <a:r>
-                <a:rPr lang="en-US" sz="1200" dirty="0" err="1">
+                <a:rPr lang="en-US" sz="1200" err="1">
                   <a:latin typeface="Times New Roman" panose="02020603050405020304" pitchFamily="18" charset="0"/>
                   <a:cs typeface="Times New Roman" panose="02020603050405020304" pitchFamily="18" charset="0"/>
                 </a:rPr>
                 <a:t>phân</a:t>
               </a:r>
               <a:r>
-                <a:rPr lang="en-US" sz="1200" dirty="0">
+                <a:rPr lang="en-US" sz="1200">
                   <a:latin typeface="Times New Roman" panose="02020603050405020304" pitchFamily="18" charset="0"/>
                   <a:cs typeface="Times New Roman" panose="02020603050405020304" pitchFamily="18" charset="0"/>
                 </a:rPr>
                 <a:t> </a:t>
               </a:r>
               <a:r>
-                <a:rPr lang="en-US" sz="1200" dirty="0" err="1">
+                <a:rPr lang="en-US" sz="1200" err="1">
                   <a:latin typeface="Times New Roman" panose="02020603050405020304" pitchFamily="18" charset="0"/>
                   <a:cs typeface="Times New Roman" panose="02020603050405020304" pitchFamily="18" charset="0"/>
                 </a:rPr>
                 <a:t>của</a:t>
               </a:r>
               <a:r>
-                <a:rPr lang="en-US" sz="1200" dirty="0">
+                <a:rPr lang="en-US" sz="1200">
                   <a:latin typeface="Times New Roman" panose="02020603050405020304" pitchFamily="18" charset="0"/>
                   <a:cs typeface="Times New Roman" panose="02020603050405020304" pitchFamily="18" charset="0"/>
                 </a:rPr>
                 <a:t> </a:t>
               </a:r>
               <a:r>
-                <a:rPr lang="en-US" sz="1200" dirty="0" err="1">
+                <a:rPr lang="en-US" sz="1200" err="1">
                   <a:latin typeface="Times New Roman" panose="02020603050405020304" pitchFamily="18" charset="0"/>
                   <a:cs typeface="Times New Roman" panose="02020603050405020304" pitchFamily="18" charset="0"/>
                 </a:rPr>
                 <a:t>nhiệt</a:t>
               </a:r>
               <a:r>
-                <a:rPr lang="en-US" sz="1200" dirty="0">
+                <a:rPr lang="en-US" sz="1200">
                   <a:latin typeface="Times New Roman" panose="02020603050405020304" pitchFamily="18" charset="0"/>
                   <a:cs typeface="Times New Roman" panose="02020603050405020304" pitchFamily="18" charset="0"/>
                 </a:rPr>
                 <a:t> </a:t>
               </a:r>
               <a:r>
-                <a:rPr lang="en-US" sz="1200" dirty="0" err="1">
+                <a:rPr lang="en-US" sz="1200" err="1">
                   <a:latin typeface="Times New Roman" panose="02020603050405020304" pitchFamily="18" charset="0"/>
                   <a:cs typeface="Times New Roman" panose="02020603050405020304" pitchFamily="18" charset="0"/>
                 </a:rPr>
                 <a:t>độ</a:t>
               </a:r>
-              <a:endParaRPr lang="en-US" sz="1200" dirty="0">
+              <a:endParaRPr lang="en-US" sz="1200">
                 <a:latin typeface="Times New Roman" panose="02020603050405020304" pitchFamily="18" charset="0"/>
                 <a:cs typeface="Times New Roman" panose="02020603050405020304" pitchFamily="18" charset="0"/>
               </a:endParaRPr>
@@ -7995,41 +7998,41 @@
             <a:p>
               <a:pPr algn="ctr"/>
               <a:r>
-                <a:rPr lang="en-US" sz="1200" dirty="0" err="1">
+                <a:rPr lang="en-US" sz="1200" err="1">
                   <a:latin typeface="Times New Roman" panose="02020603050405020304" pitchFamily="18" charset="0"/>
                   <a:cs typeface="Times New Roman" panose="02020603050405020304" pitchFamily="18" charset="0"/>
                 </a:rPr>
                 <a:t>Kiểm</a:t>
               </a:r>
               <a:r>
-                <a:rPr lang="en-US" sz="1200" dirty="0">
+                <a:rPr lang="en-US" sz="1200">
                   <a:latin typeface="Times New Roman" panose="02020603050405020304" pitchFamily="18" charset="0"/>
                   <a:cs typeface="Times New Roman" panose="02020603050405020304" pitchFamily="18" charset="0"/>
                 </a:rPr>
                 <a:t> </a:t>
               </a:r>
               <a:r>
-                <a:rPr lang="en-US" sz="1200" dirty="0" err="1">
+                <a:rPr lang="en-US" sz="1200" err="1">
                   <a:latin typeface="Times New Roman" panose="02020603050405020304" pitchFamily="18" charset="0"/>
                   <a:cs typeface="Times New Roman" panose="02020603050405020304" pitchFamily="18" charset="0"/>
                 </a:rPr>
                 <a:t>tra</a:t>
               </a:r>
               <a:r>
-                <a:rPr lang="en-US" sz="1200" dirty="0">
+                <a:rPr lang="en-US" sz="1200">
                   <a:latin typeface="Times New Roman" panose="02020603050405020304" pitchFamily="18" charset="0"/>
                   <a:cs typeface="Times New Roman" panose="02020603050405020304" pitchFamily="18" charset="0"/>
                 </a:rPr>
                 <a:t> </a:t>
               </a:r>
               <a:r>
-                <a:rPr lang="en-US" sz="1200" dirty="0" err="1">
+                <a:rPr lang="en-US" sz="1200" err="1">
                   <a:latin typeface="Times New Roman" panose="02020603050405020304" pitchFamily="18" charset="0"/>
                   <a:cs typeface="Times New Roman" panose="02020603050405020304" pitchFamily="18" charset="0"/>
                 </a:rPr>
                 <a:t>tổng</a:t>
               </a:r>
-              <a:endParaRPr lang="en-US" sz="1200" dirty="0">
+              <a:endParaRPr lang="en-US" sz="1200">
                 <a:latin typeface="Times New Roman" panose="02020603050405020304" pitchFamily="18" charset="0"/>
                 <a:cs typeface="Times New Roman" panose="02020603050405020304" pitchFamily="18" charset="0"/>
               </a:endParaRPr>
@@ -8275,7 +8278,7 @@
             <a:lstStyle/>
             <a:p>
               <a:r>
-                <a:rPr lang="en-US" sz="1200" dirty="0">
+                <a:rPr lang="en-US" sz="1200">
                   <a:latin typeface="Times New Roman" panose="02020603050405020304" pitchFamily="18" charset="0"/>
                   <a:cs typeface="Times New Roman" panose="02020603050405020304" pitchFamily="18" charset="0"/>
                 </a:rPr>
@@ -8313,7 +8316,7 @@
             <a:lstStyle/>
             <a:p>
               <a:r>
-                <a:rPr lang="en-US" sz="1200" dirty="0">
+                <a:rPr lang="en-US" sz="1200">
                   <a:latin typeface="Times New Roman" panose="02020603050405020304" pitchFamily="18" charset="0"/>
                   <a:cs typeface="Times New Roman" panose="02020603050405020304" pitchFamily="18" charset="0"/>
                 </a:rPr>
@@ -8351,7 +8354,7 @@
             <a:lstStyle/>
             <a:p>
               <a:r>
-                <a:rPr lang="en-US" sz="1200" dirty="0">
+                <a:rPr lang="en-US" sz="1200">
                   <a:latin typeface="Times New Roman" panose="02020603050405020304" pitchFamily="18" charset="0"/>
                   <a:cs typeface="Times New Roman" panose="02020603050405020304" pitchFamily="18" charset="0"/>
                 </a:rPr>
@@ -8389,7 +8392,7 @@
             <a:lstStyle/>
             <a:p>
               <a:r>
-                <a:rPr lang="en-US" sz="1200" dirty="0">
+                <a:rPr lang="en-US" sz="1200">
                   <a:latin typeface="Times New Roman" panose="02020603050405020304" pitchFamily="18" charset="0"/>
                   <a:cs typeface="Times New Roman" panose="02020603050405020304" pitchFamily="18" charset="0"/>
                 </a:rPr>
@@ -8427,7 +8430,7 @@
             <a:lstStyle/>
             <a:p>
               <a:r>
-                <a:rPr lang="en-US" sz="1200" dirty="0">
+                <a:rPr lang="en-US" sz="1200">
                   <a:latin typeface="Times New Roman" panose="02020603050405020304" pitchFamily="18" charset="0"/>
                   <a:cs typeface="Times New Roman" panose="02020603050405020304" pitchFamily="18" charset="0"/>
                 </a:rPr>
@@ -8498,132 +8501,132 @@
             <a:p>
               <a:pPr algn="ctr"/>
               <a:r>
-                <a:rPr lang="en-US" dirty="0" err="1">
+                <a:rPr lang="en-US" err="1">
                   <a:latin typeface="Times New Roman" panose="02020603050405020304" pitchFamily="18" charset="0"/>
                   <a:cs typeface="Times New Roman" panose="02020603050405020304" pitchFamily="18" charset="0"/>
                 </a:rPr>
                 <a:t>Môi</a:t>
               </a:r>
               <a:r>
-                <a:rPr lang="en-US" dirty="0">
+                <a:rPr lang="en-US">
                   <a:latin typeface="Times New Roman" panose="02020603050405020304" pitchFamily="18" charset="0"/>
                   <a:cs typeface="Times New Roman" panose="02020603050405020304" pitchFamily="18" charset="0"/>
                 </a:rPr>
                 <a:t> tr</a:t>
               </a:r>
               <a:r>
-                <a:rPr lang="vi-VN" dirty="0">
+                <a:rPr lang="vi-VN">
                   <a:latin typeface="Times New Roman" panose="02020603050405020304" pitchFamily="18" charset="0"/>
                   <a:cs typeface="Times New Roman" panose="02020603050405020304" pitchFamily="18" charset="0"/>
                 </a:rPr>
                 <a:t>ư</a:t>
               </a:r>
               <a:r>
-                <a:rPr lang="en-US" dirty="0" err="1">
+                <a:rPr lang="en-US" err="1">
                   <a:latin typeface="Times New Roman" panose="02020603050405020304" pitchFamily="18" charset="0"/>
                   <a:cs typeface="Times New Roman" panose="02020603050405020304" pitchFamily="18" charset="0"/>
                 </a:rPr>
                 <a:t>ờng</a:t>
               </a:r>
               <a:r>
-                <a:rPr lang="en-US" dirty="0">
+                <a:rPr lang="en-US">
                   <a:latin typeface="Times New Roman" panose="02020603050405020304" pitchFamily="18" charset="0"/>
                   <a:cs typeface="Times New Roman" panose="02020603050405020304" pitchFamily="18" charset="0"/>
                 </a:rPr>
                 <a:t> </a:t>
               </a:r>
               <a:r>
-                <a:rPr lang="en-US" dirty="0" err="1">
+                <a:rPr lang="en-US" err="1">
                   <a:latin typeface="Times New Roman" panose="02020603050405020304" pitchFamily="18" charset="0"/>
                   <a:cs typeface="Times New Roman" panose="02020603050405020304" pitchFamily="18" charset="0"/>
                 </a:rPr>
                 <a:t>có</a:t>
               </a:r>
               <a:r>
-                <a:rPr lang="en-US" dirty="0">
+                <a:rPr lang="en-US">
                   <a:latin typeface="Times New Roman" panose="02020603050405020304" pitchFamily="18" charset="0"/>
                   <a:cs typeface="Times New Roman" panose="02020603050405020304" pitchFamily="18" charset="0"/>
                 </a:rPr>
                 <a:t> </a:t>
               </a:r>
               <a:r>
-                <a:rPr lang="en-US" dirty="0" err="1">
+                <a:rPr lang="en-US" err="1">
                   <a:latin typeface="Times New Roman" panose="02020603050405020304" pitchFamily="18" charset="0"/>
                   <a:cs typeface="Times New Roman" panose="02020603050405020304" pitchFamily="18" charset="0"/>
                 </a:rPr>
                 <a:t>nhiệt</a:t>
               </a:r>
               <a:r>
-                <a:rPr lang="en-US" dirty="0">
+                <a:rPr lang="en-US">
                   <a:latin typeface="Times New Roman" panose="02020603050405020304" pitchFamily="18" charset="0"/>
                   <a:cs typeface="Times New Roman" panose="02020603050405020304" pitchFamily="18" charset="0"/>
                 </a:rPr>
                 <a:t> </a:t>
               </a:r>
               <a:r>
-                <a:rPr lang="en-US" dirty="0" err="1">
+                <a:rPr lang="en-US" err="1">
                   <a:latin typeface="Times New Roman" panose="02020603050405020304" pitchFamily="18" charset="0"/>
                   <a:cs typeface="Times New Roman" panose="02020603050405020304" pitchFamily="18" charset="0"/>
                 </a:rPr>
                 <a:t>độ</a:t>
               </a:r>
               <a:r>
-                <a:rPr lang="en-US" dirty="0">
+                <a:rPr lang="en-US">
                   <a:latin typeface="Times New Roman" panose="02020603050405020304" pitchFamily="18" charset="0"/>
                   <a:cs typeface="Times New Roman" panose="02020603050405020304" pitchFamily="18" charset="0"/>
                 </a:rPr>
                 <a:t>, </a:t>
               </a:r>
               <a:r>
-                <a:rPr lang="en-US" dirty="0" err="1">
+                <a:rPr lang="en-US" err="1">
                   <a:latin typeface="Times New Roman" panose="02020603050405020304" pitchFamily="18" charset="0"/>
                   <a:cs typeface="Times New Roman" panose="02020603050405020304" pitchFamily="18" charset="0"/>
                 </a:rPr>
                 <a:t>độ</a:t>
               </a:r>
               <a:r>
-                <a:rPr lang="en-US" dirty="0">
+                <a:rPr lang="en-US">
                   <a:latin typeface="Times New Roman" panose="02020603050405020304" pitchFamily="18" charset="0"/>
                   <a:cs typeface="Times New Roman" panose="02020603050405020304" pitchFamily="18" charset="0"/>
                 </a:rPr>
                 <a:t> </a:t>
               </a:r>
               <a:r>
-                <a:rPr lang="en-US" dirty="0" err="1">
+                <a:rPr lang="en-US" err="1">
                   <a:latin typeface="Times New Roman" panose="02020603050405020304" pitchFamily="18" charset="0"/>
                   <a:cs typeface="Times New Roman" panose="02020603050405020304" pitchFamily="18" charset="0"/>
                 </a:rPr>
                 <a:t>ẩm</a:t>
               </a:r>
               <a:r>
-                <a:rPr lang="en-US" dirty="0">
+                <a:rPr lang="en-US">
                   <a:latin typeface="Times New Roman" panose="02020603050405020304" pitchFamily="18" charset="0"/>
                   <a:cs typeface="Times New Roman" panose="02020603050405020304" pitchFamily="18" charset="0"/>
                 </a:rPr>
                 <a:t> </a:t>
               </a:r>
               <a:r>
-                <a:rPr lang="en-US" dirty="0" err="1">
+                <a:rPr lang="en-US" err="1">
                   <a:latin typeface="Times New Roman" panose="02020603050405020304" pitchFamily="18" charset="0"/>
                   <a:cs typeface="Times New Roman" panose="02020603050405020304" pitchFamily="18" charset="0"/>
                 </a:rPr>
                 <a:t>thay</a:t>
               </a:r>
               <a:r>
-                <a:rPr lang="en-US" dirty="0">
+                <a:rPr lang="en-US">
                   <a:latin typeface="Times New Roman" panose="02020603050405020304" pitchFamily="18" charset="0"/>
                   <a:cs typeface="Times New Roman" panose="02020603050405020304" pitchFamily="18" charset="0"/>
                 </a:rPr>
                 <a:t> </a:t>
               </a:r>
               <a:r>
-                <a:rPr lang="en-US" dirty="0" err="1">
+                <a:rPr lang="en-US" err="1">
                   <a:latin typeface="Times New Roman" panose="02020603050405020304" pitchFamily="18" charset="0"/>
                   <a:cs typeface="Times New Roman" panose="02020603050405020304" pitchFamily="18" charset="0"/>
                 </a:rPr>
                 <a:t>đổi</a:t>
               </a:r>
-              <a:endParaRPr lang="en-US" dirty="0">
+              <a:endParaRPr lang="en-US">
                 <a:latin typeface="Times New Roman" panose="02020603050405020304" pitchFamily="18" charset="0"/>
                 <a:cs typeface="Times New Roman" panose="02020603050405020304" pitchFamily="18" charset="0"/>
               </a:endParaRPr>
@@ -8671,27 +8674,27 @@
             <a:p>
               <a:pPr algn="ctr"/>
               <a:r>
-                <a:rPr lang="en-US" dirty="0" err="1">
+                <a:rPr lang="en-US" err="1">
                   <a:latin typeface="Times New Roman" panose="02020603050405020304" pitchFamily="18" charset="0"/>
                   <a:cs typeface="Times New Roman" panose="02020603050405020304" pitchFamily="18" charset="0"/>
                 </a:rPr>
                 <a:t>Cảm</a:t>
               </a:r>
               <a:r>
-                <a:rPr lang="en-US" dirty="0">
+                <a:rPr lang="en-US">
                   <a:latin typeface="Times New Roman" panose="02020603050405020304" pitchFamily="18" charset="0"/>
                   <a:cs typeface="Times New Roman" panose="02020603050405020304" pitchFamily="18" charset="0"/>
                 </a:rPr>
                 <a:t> </a:t>
               </a:r>
               <a:r>
-                <a:rPr lang="en-US" dirty="0" err="1">
+                <a:rPr lang="en-US" err="1">
                   <a:latin typeface="Times New Roman" panose="02020603050405020304" pitchFamily="18" charset="0"/>
                   <a:cs typeface="Times New Roman" panose="02020603050405020304" pitchFamily="18" charset="0"/>
                 </a:rPr>
                 <a:t>biến</a:t>
               </a:r>
-              <a:endParaRPr lang="en-US" dirty="0">
+              <a:endParaRPr lang="en-US">
                 <a:latin typeface="Times New Roman" panose="02020603050405020304" pitchFamily="18" charset="0"/>
                 <a:cs typeface="Times New Roman" panose="02020603050405020304" pitchFamily="18" charset="0"/>
               </a:endParaRPr>
@@ -8739,56 +8742,56 @@
             <a:p>
               <a:pPr algn="ctr"/>
               <a:r>
-                <a:rPr lang="en-US" dirty="0" err="1">
+                <a:rPr lang="en-US" err="1">
                   <a:latin typeface="Times New Roman" panose="02020603050405020304" pitchFamily="18" charset="0"/>
                   <a:cs typeface="Times New Roman" panose="02020603050405020304" pitchFamily="18" charset="0"/>
                 </a:rPr>
                 <a:t>Truyền</a:t>
               </a:r>
               <a:r>
-                <a:rPr lang="en-US" dirty="0">
+                <a:rPr lang="en-US">
                   <a:latin typeface="Times New Roman" panose="02020603050405020304" pitchFamily="18" charset="0"/>
                   <a:cs typeface="Times New Roman" panose="02020603050405020304" pitchFamily="18" charset="0"/>
                 </a:rPr>
                 <a:t> </a:t>
               </a:r>
               <a:r>
-                <a:rPr lang="en-US" dirty="0" err="1">
+                <a:rPr lang="en-US" err="1">
                   <a:latin typeface="Times New Roman" panose="02020603050405020304" pitchFamily="18" charset="0"/>
                   <a:cs typeface="Times New Roman" panose="02020603050405020304" pitchFamily="18" charset="0"/>
                 </a:rPr>
                 <a:t>dữ</a:t>
               </a:r>
               <a:r>
-                <a:rPr lang="en-US" dirty="0">
+                <a:rPr lang="en-US">
                   <a:latin typeface="Times New Roman" panose="02020603050405020304" pitchFamily="18" charset="0"/>
                   <a:cs typeface="Times New Roman" panose="02020603050405020304" pitchFamily="18" charset="0"/>
                 </a:rPr>
                 <a:t> </a:t>
               </a:r>
               <a:r>
-                <a:rPr lang="en-US" dirty="0" err="1">
+                <a:rPr lang="en-US" err="1">
                   <a:latin typeface="Times New Roman" panose="02020603050405020304" pitchFamily="18" charset="0"/>
                   <a:cs typeface="Times New Roman" panose="02020603050405020304" pitchFamily="18" charset="0"/>
                 </a:rPr>
                 <a:t>liệu</a:t>
               </a:r>
               <a:r>
-                <a:rPr lang="en-US" dirty="0">
+                <a:rPr lang="en-US">
                   <a:latin typeface="Times New Roman" panose="02020603050405020304" pitchFamily="18" charset="0"/>
                   <a:cs typeface="Times New Roman" panose="02020603050405020304" pitchFamily="18" charset="0"/>
                 </a:rPr>
                 <a:t> </a:t>
               </a:r>
               <a:r>
-                <a:rPr lang="en-US" dirty="0" err="1">
+                <a:rPr lang="en-US" err="1">
                   <a:latin typeface="Times New Roman" panose="02020603050405020304" pitchFamily="18" charset="0"/>
                   <a:cs typeface="Times New Roman" panose="02020603050405020304" pitchFamily="18" charset="0"/>
                 </a:rPr>
                 <a:t>lên</a:t>
               </a:r>
               <a:r>
-                <a:rPr lang="en-US" dirty="0">
+                <a:rPr lang="en-US">
                   <a:latin typeface="Times New Roman" panose="02020603050405020304" pitchFamily="18" charset="0"/>
                   <a:cs typeface="Times New Roman" panose="02020603050405020304" pitchFamily="18" charset="0"/>
                 </a:rPr>
@@ -8838,104 +8841,104 @@
             <a:p>
               <a:pPr algn="ctr"/>
               <a:r>
-                <a:rPr lang="en-US" dirty="0" err="1">
+                <a:rPr lang="en-US" err="1">
                   <a:latin typeface="Times New Roman" panose="02020603050405020304" pitchFamily="18" charset="0"/>
                   <a:cs typeface="Times New Roman" panose="02020603050405020304" pitchFamily="18" charset="0"/>
                 </a:rPr>
                 <a:t>Hiển</a:t>
               </a:r>
               <a:r>
-                <a:rPr lang="en-US" dirty="0">
+                <a:rPr lang="en-US">
                   <a:latin typeface="Times New Roman" panose="02020603050405020304" pitchFamily="18" charset="0"/>
                   <a:cs typeface="Times New Roman" panose="02020603050405020304" pitchFamily="18" charset="0"/>
                 </a:rPr>
                 <a:t> </a:t>
               </a:r>
               <a:r>
-                <a:rPr lang="en-US" dirty="0" err="1">
+                <a:rPr lang="en-US" err="1">
                   <a:latin typeface="Times New Roman" panose="02020603050405020304" pitchFamily="18" charset="0"/>
                   <a:cs typeface="Times New Roman" panose="02020603050405020304" pitchFamily="18" charset="0"/>
                 </a:rPr>
                 <a:t>thị</a:t>
               </a:r>
               <a:r>
-                <a:rPr lang="en-US" dirty="0">
+                <a:rPr lang="en-US">
                   <a:latin typeface="Times New Roman" panose="02020603050405020304" pitchFamily="18" charset="0"/>
                   <a:cs typeface="Times New Roman" panose="02020603050405020304" pitchFamily="18" charset="0"/>
                 </a:rPr>
                 <a:t> </a:t>
               </a:r>
               <a:r>
-                <a:rPr lang="en-US" dirty="0" err="1">
+                <a:rPr lang="en-US" err="1">
                   <a:latin typeface="Times New Roman" panose="02020603050405020304" pitchFamily="18" charset="0"/>
                   <a:cs typeface="Times New Roman" panose="02020603050405020304" pitchFamily="18" charset="0"/>
                 </a:rPr>
                 <a:t>dữ</a:t>
               </a:r>
               <a:r>
-                <a:rPr lang="en-US" dirty="0">
+                <a:rPr lang="en-US">
                   <a:latin typeface="Times New Roman" panose="02020603050405020304" pitchFamily="18" charset="0"/>
                   <a:cs typeface="Times New Roman" panose="02020603050405020304" pitchFamily="18" charset="0"/>
                 </a:rPr>
                 <a:t> </a:t>
               </a:r>
               <a:r>
-                <a:rPr lang="en-US" dirty="0" err="1">
+                <a:rPr lang="en-US" err="1">
                   <a:latin typeface="Times New Roman" panose="02020603050405020304" pitchFamily="18" charset="0"/>
                   <a:cs typeface="Times New Roman" panose="02020603050405020304" pitchFamily="18" charset="0"/>
                 </a:rPr>
                 <a:t>liệu</a:t>
               </a:r>
               <a:r>
-                <a:rPr lang="en-US" dirty="0">
+                <a:rPr lang="en-US">
                   <a:latin typeface="Times New Roman" panose="02020603050405020304" pitchFamily="18" charset="0"/>
                   <a:cs typeface="Times New Roman" panose="02020603050405020304" pitchFamily="18" charset="0"/>
                 </a:rPr>
                 <a:t> </a:t>
               </a:r>
               <a:r>
-                <a:rPr lang="en-US" dirty="0" err="1">
+                <a:rPr lang="en-US" err="1">
                   <a:latin typeface="Times New Roman" panose="02020603050405020304" pitchFamily="18" charset="0"/>
                   <a:cs typeface="Times New Roman" panose="02020603050405020304" pitchFamily="18" charset="0"/>
                 </a:rPr>
                 <a:t>cho</a:t>
               </a:r>
               <a:r>
-                <a:rPr lang="en-US" dirty="0">
+                <a:rPr lang="en-US">
                   <a:latin typeface="Times New Roman" panose="02020603050405020304" pitchFamily="18" charset="0"/>
                   <a:cs typeface="Times New Roman" panose="02020603050405020304" pitchFamily="18" charset="0"/>
                 </a:rPr>
                 <a:t> ng</a:t>
               </a:r>
               <a:r>
-                <a:rPr lang="vi-VN" dirty="0">
+                <a:rPr lang="vi-VN">
                   <a:latin typeface="Times New Roman" panose="02020603050405020304" pitchFamily="18" charset="0"/>
                   <a:cs typeface="Times New Roman" panose="02020603050405020304" pitchFamily="18" charset="0"/>
                 </a:rPr>
                 <a:t>ư</a:t>
               </a:r>
               <a:r>
-                <a:rPr lang="en-US" dirty="0" err="1">
+                <a:rPr lang="en-US" err="1">
                   <a:latin typeface="Times New Roman" panose="02020603050405020304" pitchFamily="18" charset="0"/>
                   <a:cs typeface="Times New Roman" panose="02020603050405020304" pitchFamily="18" charset="0"/>
                 </a:rPr>
                 <a:t>ời</a:t>
               </a:r>
               <a:r>
-                <a:rPr lang="en-US" dirty="0">
+                <a:rPr lang="en-US">
                   <a:latin typeface="Times New Roman" panose="02020603050405020304" pitchFamily="18" charset="0"/>
                   <a:cs typeface="Times New Roman" panose="02020603050405020304" pitchFamily="18" charset="0"/>
                 </a:rPr>
                 <a:t> </a:t>
               </a:r>
               <a:r>
-                <a:rPr lang="en-US" dirty="0" err="1">
+                <a:rPr lang="en-US" err="1">
                   <a:latin typeface="Times New Roman" panose="02020603050405020304" pitchFamily="18" charset="0"/>
                   <a:cs typeface="Times New Roman" panose="02020603050405020304" pitchFamily="18" charset="0"/>
                 </a:rPr>
                 <a:t>dùng</a:t>
               </a:r>
-              <a:endParaRPr lang="en-US" dirty="0">
+              <a:endParaRPr lang="en-US">
                 <a:latin typeface="Times New Roman" panose="02020603050405020304" pitchFamily="18" charset="0"/>
                 <a:cs typeface="Times New Roman" panose="02020603050405020304" pitchFamily="18" charset="0"/>
               </a:endParaRPr>
@@ -9073,6 +9076,2995 @@
     <p:extLst>
       <p:ext uri="{BB962C8B-B14F-4D97-AF65-F5344CB8AC3E}">
         <p14:creationId xmlns:p14="http://schemas.microsoft.com/office/powerpoint/2010/main" val="1312706061"/>
+      </p:ext>
+    </p:extLst>
+  </p:cSld>
+  <p:clrMapOvr>
+    <a:masterClrMapping/>
+  </p:clrMapOvr>
+</p:sld>
+</file>
+
+<file path=ppt/slides/slide6.xml><?xml version="1.0" encoding="utf-8"?>
+<p:sld xmlns:a="http://schemas.openxmlformats.org/drawingml/2006/main" xmlns:r="http://schemas.openxmlformats.org/officeDocument/2006/relationships" xmlns:p="http://schemas.openxmlformats.org/presentationml/2006/main">
+  <p:cSld>
+    <p:spTree>
+      <p:nvGrpSpPr>
+        <p:cNvPr id="1" name=""/>
+        <p:cNvGrpSpPr/>
+        <p:nvPr/>
+      </p:nvGrpSpPr>
+      <p:grpSpPr>
+        <a:xfrm>
+          <a:off x="0" y="0"/>
+          <a:ext cx="0" cy="0"/>
+          <a:chOff x="0" y="0"/>
+          <a:chExt cx="0" cy="0"/>
+        </a:xfrm>
+      </p:grpSpPr>
+      <p:grpSp>
+        <p:nvGrpSpPr>
+          <p:cNvPr id="44" name="Group 43">
+            <a:extLst>
+              <a:ext uri="{FF2B5EF4-FFF2-40B4-BE49-F238E27FC236}">
+                <a16:creationId xmlns:a16="http://schemas.microsoft.com/office/drawing/2014/main" id="{C9914915-C8E1-4AAC-A239-7B0FAAC0339D}"/>
+              </a:ext>
+            </a:extLst>
+          </p:cNvPr>
+          <p:cNvGrpSpPr/>
+          <p:nvPr/>
+        </p:nvGrpSpPr>
+        <p:grpSpPr>
+          <a:xfrm>
+            <a:off x="92452" y="684064"/>
+            <a:ext cx="6758290" cy="5135978"/>
+            <a:chOff x="92452" y="684064"/>
+            <a:chExt cx="6758290" cy="5135978"/>
+          </a:xfrm>
+        </p:grpSpPr>
+        <p:grpSp>
+          <p:nvGrpSpPr>
+            <p:cNvPr id="22" name="Group 21">
+              <a:extLst>
+                <a:ext uri="{FF2B5EF4-FFF2-40B4-BE49-F238E27FC236}">
+                  <a16:creationId xmlns:a16="http://schemas.microsoft.com/office/drawing/2014/main" id="{9CEDBC95-5BFE-4961-A7F5-8BD9CBD1B0E7}"/>
+                </a:ext>
+              </a:extLst>
+            </p:cNvPr>
+            <p:cNvGrpSpPr/>
+            <p:nvPr/>
+          </p:nvGrpSpPr>
+          <p:grpSpPr>
+            <a:xfrm>
+              <a:off x="92452" y="684064"/>
+              <a:ext cx="6758290" cy="3314464"/>
+              <a:chOff x="-38176" y="2701550"/>
+              <a:chExt cx="6758290" cy="3314464"/>
+            </a:xfrm>
+          </p:grpSpPr>
+          <p:sp>
+            <p:nvSpPr>
+              <p:cNvPr id="4" name="Rectangle 3">
+                <a:extLst>
+                  <a:ext uri="{FF2B5EF4-FFF2-40B4-BE49-F238E27FC236}">
+                    <a16:creationId xmlns:a16="http://schemas.microsoft.com/office/drawing/2014/main" id="{D8E34A4C-B59C-403A-8F9E-E6D15C58790C}"/>
+                  </a:ext>
+                </a:extLst>
+              </p:cNvPr>
+              <p:cNvSpPr/>
+              <p:nvPr/>
+            </p:nvSpPr>
+            <p:spPr>
+              <a:xfrm>
+                <a:off x="-38176" y="2701550"/>
+                <a:ext cx="2611940" cy="967408"/>
+              </a:xfrm>
+              <a:prstGeom prst="rect">
+                <a:avLst/>
+              </a:prstGeom>
+            </p:spPr>
+            <p:style>
+              <a:lnRef idx="2">
+                <a:schemeClr val="dk1"/>
+              </a:lnRef>
+              <a:fillRef idx="1">
+                <a:schemeClr val="lt1"/>
+              </a:fillRef>
+              <a:effectRef idx="0">
+                <a:schemeClr val="dk1"/>
+              </a:effectRef>
+              <a:fontRef idx="minor">
+                <a:schemeClr val="dk1"/>
+              </a:fontRef>
+            </p:style>
+            <p:txBody>
+              <a:bodyPr rtlCol="0" anchor="ctr"/>
+              <a:lstStyle/>
+              <a:p>
+                <a:pPr algn="ctr"/>
+                <a:r>
+                  <a:rPr lang="en-US" err="1"/>
+                  <a:t>Oxit</a:t>
+                </a:r>
+                <a:r>
+                  <a:rPr lang="en-US"/>
+                  <a:t> </a:t>
+                </a:r>
+                <a:r>
+                  <a:rPr lang="en-US" err="1"/>
+                  <a:t>bán</a:t>
+                </a:r>
+                <a:r>
+                  <a:rPr lang="en-US"/>
+                  <a:t> </a:t>
+                </a:r>
+                <a:r>
+                  <a:rPr lang="en-US" err="1"/>
+                  <a:t>dẫn</a:t>
+                </a:r>
+                <a:r>
+                  <a:rPr lang="en-US"/>
+                  <a:t> (</a:t>
+                </a:r>
+                <a:r>
+                  <a:rPr lang="en-US" err="1"/>
+                  <a:t>ZnO</a:t>
+                </a:r>
+                <a:r>
+                  <a:rPr lang="en-US"/>
+                  <a:t>, SnO</a:t>
+                </a:r>
+                <a:r>
+                  <a:rPr lang="en-US" sz="1600"/>
+                  <a:t>2,</a:t>
+                </a:r>
+                <a:r>
+                  <a:rPr lang="en-US"/>
+                  <a:t> WO</a:t>
+                </a:r>
+                <a:r>
+                  <a:rPr lang="en-US" sz="1600"/>
+                  <a:t>3</a:t>
+                </a:r>
+                <a:r>
+                  <a:rPr lang="en-US"/>
+                  <a:t>,…)</a:t>
+                </a:r>
+              </a:p>
+            </p:txBody>
+          </p:sp>
+          <p:cxnSp>
+            <p:nvCxnSpPr>
+              <p:cNvPr id="6" name="Straight Arrow Connector 5">
+                <a:extLst>
+                  <a:ext uri="{FF2B5EF4-FFF2-40B4-BE49-F238E27FC236}">
+                    <a16:creationId xmlns:a16="http://schemas.microsoft.com/office/drawing/2014/main" id="{BED3240E-F1EA-4471-B9A6-FF754091A6C3}"/>
+                  </a:ext>
+                </a:extLst>
+              </p:cNvPr>
+              <p:cNvCxnSpPr>
+                <a:cxnSpLocks/>
+                <a:stCxn id="4" idx="3"/>
+                <a:endCxn id="7" idx="1"/>
+              </p:cNvCxnSpPr>
+              <p:nvPr/>
+            </p:nvCxnSpPr>
+            <p:spPr>
+              <a:xfrm>
+                <a:off x="2573764" y="3185254"/>
+                <a:ext cx="1534410" cy="0"/>
+              </a:xfrm>
+              <a:prstGeom prst="straightConnector1">
+                <a:avLst/>
+              </a:prstGeom>
+              <a:ln>
+                <a:tailEnd type="triangle"/>
+              </a:ln>
+            </p:spPr>
+            <p:style>
+              <a:lnRef idx="1">
+                <a:schemeClr val="dk1"/>
+              </a:lnRef>
+              <a:fillRef idx="0">
+                <a:schemeClr val="dk1"/>
+              </a:fillRef>
+              <a:effectRef idx="0">
+                <a:schemeClr val="dk1"/>
+              </a:effectRef>
+              <a:fontRef idx="minor">
+                <a:schemeClr val="tx1"/>
+              </a:fontRef>
+            </p:style>
+          </p:cxnSp>
+          <p:sp>
+            <p:nvSpPr>
+              <p:cNvPr id="7" name="Rectangle 6">
+                <a:extLst>
+                  <a:ext uri="{FF2B5EF4-FFF2-40B4-BE49-F238E27FC236}">
+                    <a16:creationId xmlns:a16="http://schemas.microsoft.com/office/drawing/2014/main" id="{0CB065D9-17D3-4765-B5BE-F88B9727D35B}"/>
+                  </a:ext>
+                </a:extLst>
+              </p:cNvPr>
+              <p:cNvSpPr/>
+              <p:nvPr/>
+            </p:nvSpPr>
+            <p:spPr>
+              <a:xfrm>
+                <a:off x="4108174" y="2701550"/>
+                <a:ext cx="2611940" cy="967407"/>
+              </a:xfrm>
+              <a:prstGeom prst="rect">
+                <a:avLst/>
+              </a:prstGeom>
+            </p:spPr>
+            <p:style>
+              <a:lnRef idx="2">
+                <a:schemeClr val="dk1"/>
+              </a:lnRef>
+              <a:fillRef idx="1">
+                <a:schemeClr val="lt1"/>
+              </a:fillRef>
+              <a:effectRef idx="0">
+                <a:schemeClr val="dk1"/>
+              </a:effectRef>
+              <a:fontRef idx="minor">
+                <a:schemeClr val="dk1"/>
+              </a:fontRef>
+            </p:style>
+            <p:txBody>
+              <a:bodyPr rtlCol="0" anchor="ctr"/>
+              <a:lstStyle/>
+              <a:p>
+                <a:pPr algn="ctr"/>
+                <a:r>
+                  <a:rPr lang="en-US" err="1"/>
+                  <a:t>Hấp</a:t>
+                </a:r>
+                <a:r>
+                  <a:rPr lang="en-US"/>
+                  <a:t> </a:t>
+                </a:r>
+                <a:r>
+                  <a:rPr lang="en-US" err="1"/>
+                  <a:t>thụ</a:t>
+                </a:r>
+                <a:r>
+                  <a:rPr lang="en-US"/>
+                  <a:t> </a:t>
+                </a:r>
+                <a:r>
+                  <a:rPr lang="en-US" err="1"/>
+                  <a:t>và</a:t>
+                </a:r>
+                <a:r>
+                  <a:rPr lang="en-US"/>
+                  <a:t> </a:t>
+                </a:r>
+                <a:r>
+                  <a:rPr lang="en-US" err="1"/>
+                  <a:t>khuếch</a:t>
+                </a:r>
+                <a:r>
+                  <a:rPr lang="en-US"/>
+                  <a:t> </a:t>
+                </a:r>
+                <a:r>
+                  <a:rPr lang="en-US" err="1"/>
+                  <a:t>tán</a:t>
+                </a:r>
+                <a:r>
+                  <a:rPr lang="en-US"/>
+                  <a:t> </a:t>
+                </a:r>
+                <a:r>
+                  <a:rPr lang="en-US" err="1"/>
+                  <a:t>phân</a:t>
+                </a:r>
+                <a:r>
+                  <a:rPr lang="en-US"/>
+                  <a:t> </a:t>
+                </a:r>
+                <a:r>
+                  <a:rPr lang="en-US" err="1"/>
+                  <a:t>tử</a:t>
+                </a:r>
+                <a:r>
+                  <a:rPr lang="en-US"/>
+                  <a:t> </a:t>
+                </a:r>
+                <a:r>
+                  <a:rPr lang="en-US" err="1"/>
+                  <a:t>khí</a:t>
+                </a:r>
+                <a:endParaRPr lang="en-US"/>
+              </a:p>
+            </p:txBody>
+          </p:sp>
+          <p:sp>
+            <p:nvSpPr>
+              <p:cNvPr id="10" name="TextBox 9">
+                <a:extLst>
+                  <a:ext uri="{FF2B5EF4-FFF2-40B4-BE49-F238E27FC236}">
+                    <a16:creationId xmlns:a16="http://schemas.microsoft.com/office/drawing/2014/main" id="{A843D010-63E2-4094-8FFA-57EF02D9B6C5}"/>
+                  </a:ext>
+                </a:extLst>
+              </p:cNvPr>
+              <p:cNvSpPr txBox="1"/>
+              <p:nvPr/>
+            </p:nvSpPr>
+            <p:spPr>
+              <a:xfrm>
+                <a:off x="2777248" y="2862088"/>
+                <a:ext cx="1317990" cy="646331"/>
+              </a:xfrm>
+              <a:prstGeom prst="rect">
+                <a:avLst/>
+              </a:prstGeom>
+              <a:noFill/>
+            </p:spPr>
+            <p:txBody>
+              <a:bodyPr wrap="none" rtlCol="0">
+                <a:spAutoFit/>
+              </a:bodyPr>
+              <a:lstStyle/>
+              <a:p>
+                <a:pPr algn="ctr"/>
+                <a:r>
+                  <a:rPr lang="en-US"/>
+                  <a:t>Gia </a:t>
+                </a:r>
+                <a:r>
+                  <a:rPr lang="en-US" err="1"/>
+                  <a:t>nhiệt</a:t>
+                </a:r>
+                <a:endParaRPr lang="en-US"/>
+              </a:p>
+              <a:p>
+                <a:pPr algn="ctr"/>
+                <a:r>
+                  <a:rPr lang="en-US"/>
+                  <a:t>200 - 300°C </a:t>
+                </a:r>
+              </a:p>
+            </p:txBody>
+          </p:sp>
+          <p:sp>
+            <p:nvSpPr>
+              <p:cNvPr id="11" name="Rectangle 10">
+                <a:extLst>
+                  <a:ext uri="{FF2B5EF4-FFF2-40B4-BE49-F238E27FC236}">
+                    <a16:creationId xmlns:a16="http://schemas.microsoft.com/office/drawing/2014/main" id="{217FA626-8F15-4C05-8541-375D53A63EA6}"/>
+                  </a:ext>
+                </a:extLst>
+              </p:cNvPr>
+              <p:cNvSpPr/>
+              <p:nvPr/>
+            </p:nvSpPr>
+            <p:spPr>
+              <a:xfrm>
+                <a:off x="-38175" y="5035163"/>
+                <a:ext cx="2611939" cy="967408"/>
+              </a:xfrm>
+              <a:prstGeom prst="rect">
+                <a:avLst/>
+              </a:prstGeom>
+            </p:spPr>
+            <p:style>
+              <a:lnRef idx="2">
+                <a:schemeClr val="dk1"/>
+              </a:lnRef>
+              <a:fillRef idx="1">
+                <a:schemeClr val="lt1"/>
+              </a:fillRef>
+              <a:effectRef idx="0">
+                <a:schemeClr val="dk1"/>
+              </a:effectRef>
+              <a:fontRef idx="minor">
+                <a:schemeClr val="dk1"/>
+              </a:fontRef>
+            </p:style>
+            <p:txBody>
+              <a:bodyPr rtlCol="0" anchor="ctr"/>
+              <a:lstStyle/>
+              <a:p>
+                <a:pPr algn="ctr"/>
+                <a:r>
+                  <a:rPr lang="en-US" err="1"/>
+                  <a:t>Tính</a:t>
+                </a:r>
+                <a:r>
+                  <a:rPr lang="en-US"/>
+                  <a:t> </a:t>
+                </a:r>
+                <a:r>
+                  <a:rPr lang="en-US" err="1"/>
+                  <a:t>chất</a:t>
+                </a:r>
+                <a:r>
+                  <a:rPr lang="en-US"/>
+                  <a:t> </a:t>
+                </a:r>
+                <a:r>
+                  <a:rPr lang="en-US" err="1"/>
+                  <a:t>điện</a:t>
+                </a:r>
+                <a:r>
+                  <a:rPr lang="en-US"/>
+                  <a:t> </a:t>
+                </a:r>
+                <a:r>
+                  <a:rPr lang="en-US" err="1"/>
+                  <a:t>của</a:t>
+                </a:r>
+                <a:r>
+                  <a:rPr lang="en-US"/>
+                  <a:t> </a:t>
+                </a:r>
+                <a:r>
+                  <a:rPr lang="en-US" err="1"/>
+                  <a:t>cảm</a:t>
+                </a:r>
+                <a:r>
+                  <a:rPr lang="en-US"/>
+                  <a:t> </a:t>
+                </a:r>
+                <a:r>
+                  <a:rPr lang="en-US" err="1"/>
+                  <a:t>biến</a:t>
+                </a:r>
+                <a:r>
+                  <a:rPr lang="en-US"/>
+                  <a:t> </a:t>
+                </a:r>
+                <a:r>
+                  <a:rPr lang="en-US" err="1"/>
+                  <a:t>thay</a:t>
+                </a:r>
+                <a:r>
+                  <a:rPr lang="en-US"/>
+                  <a:t> </a:t>
+                </a:r>
+                <a:r>
+                  <a:rPr lang="en-US" err="1"/>
+                  <a:t>đổi</a:t>
+                </a:r>
+                <a:endParaRPr lang="en-US"/>
+              </a:p>
+            </p:txBody>
+          </p:sp>
+          <p:sp>
+            <p:nvSpPr>
+              <p:cNvPr id="13" name="Rectangle 12">
+                <a:extLst>
+                  <a:ext uri="{FF2B5EF4-FFF2-40B4-BE49-F238E27FC236}">
+                    <a16:creationId xmlns:a16="http://schemas.microsoft.com/office/drawing/2014/main" id="{8A477B21-CE8E-4DFC-A7AB-5BC822FC1002}"/>
+                  </a:ext>
+                </a:extLst>
+              </p:cNvPr>
+              <p:cNvSpPr/>
+              <p:nvPr/>
+            </p:nvSpPr>
+            <p:spPr>
+              <a:xfrm>
+                <a:off x="4095238" y="5048612"/>
+                <a:ext cx="2611940" cy="967402"/>
+              </a:xfrm>
+              <a:prstGeom prst="rect">
+                <a:avLst/>
+              </a:prstGeom>
+            </p:spPr>
+            <p:style>
+              <a:lnRef idx="2">
+                <a:schemeClr val="dk1"/>
+              </a:lnRef>
+              <a:fillRef idx="1">
+                <a:schemeClr val="lt1"/>
+              </a:fillRef>
+              <a:effectRef idx="0">
+                <a:schemeClr val="dk1"/>
+              </a:effectRef>
+              <a:fontRef idx="minor">
+                <a:schemeClr val="dk1"/>
+              </a:fontRef>
+            </p:style>
+            <p:txBody>
+              <a:bodyPr rtlCol="0" anchor="ctr"/>
+              <a:lstStyle/>
+              <a:p>
+                <a:pPr algn="ctr"/>
+                <a:r>
+                  <a:rPr lang="en-US" err="1"/>
+                  <a:t>Phản</a:t>
+                </a:r>
+                <a:r>
+                  <a:rPr lang="en-US"/>
+                  <a:t> </a:t>
+                </a:r>
+                <a:r>
+                  <a:rPr lang="en-US" err="1"/>
+                  <a:t>ứng</a:t>
+                </a:r>
+                <a:r>
+                  <a:rPr lang="en-US"/>
+                  <a:t> </a:t>
+                </a:r>
+                <a:r>
+                  <a:rPr lang="en-US" err="1"/>
+                  <a:t>của</a:t>
+                </a:r>
+                <a:r>
+                  <a:rPr lang="en-US"/>
+                  <a:t> </a:t>
+                </a:r>
+                <a:r>
+                  <a:rPr lang="en-US" err="1"/>
+                  <a:t>các</a:t>
+                </a:r>
+                <a:r>
+                  <a:rPr lang="en-US"/>
+                  <a:t> </a:t>
+                </a:r>
+                <a:r>
+                  <a:rPr lang="en-US" err="1"/>
+                  <a:t>phân</a:t>
+                </a:r>
+                <a:r>
+                  <a:rPr lang="en-US"/>
+                  <a:t> </a:t>
+                </a:r>
+                <a:r>
+                  <a:rPr lang="en-US" err="1"/>
+                  <a:t>tử</a:t>
+                </a:r>
+                <a:r>
+                  <a:rPr lang="en-US"/>
+                  <a:t> </a:t>
+                </a:r>
+                <a:r>
+                  <a:rPr lang="en-US" err="1"/>
+                  <a:t>khí</a:t>
+                </a:r>
+                <a:r>
+                  <a:rPr lang="en-US"/>
+                  <a:t> </a:t>
+                </a:r>
+                <a:r>
+                  <a:rPr lang="en-US" err="1"/>
+                  <a:t>dò</a:t>
+                </a:r>
+                <a:r>
+                  <a:rPr lang="en-US"/>
+                  <a:t> </a:t>
+                </a:r>
+                <a:r>
+                  <a:rPr lang="en-US" err="1"/>
+                  <a:t>và</a:t>
+                </a:r>
+                <a:r>
+                  <a:rPr lang="en-US"/>
+                  <a:t> </a:t>
+                </a:r>
+                <a:r>
+                  <a:rPr lang="en-US" err="1"/>
+                  <a:t>các</a:t>
+                </a:r>
+                <a:r>
+                  <a:rPr lang="en-US"/>
+                  <a:t> </a:t>
+                </a:r>
+                <a:r>
+                  <a:rPr lang="en-US" err="1"/>
+                  <a:t>phân</a:t>
+                </a:r>
+                <a:r>
+                  <a:rPr lang="en-US"/>
+                  <a:t> </a:t>
+                </a:r>
+                <a:r>
+                  <a:rPr lang="en-US" err="1"/>
+                  <a:t>tử</a:t>
+                </a:r>
+                <a:r>
+                  <a:rPr lang="en-US"/>
+                  <a:t> </a:t>
+                </a:r>
+                <a:r>
+                  <a:rPr lang="en-US" err="1"/>
+                  <a:t>bị</a:t>
+                </a:r>
+                <a:r>
+                  <a:rPr lang="en-US"/>
+                  <a:t> </a:t>
+                </a:r>
+                <a:r>
+                  <a:rPr lang="en-US" err="1"/>
+                  <a:t>hấp</a:t>
+                </a:r>
+                <a:r>
+                  <a:rPr lang="en-US"/>
+                  <a:t> </a:t>
+                </a:r>
+                <a:r>
+                  <a:rPr lang="en-US" err="1"/>
+                  <a:t>thụ</a:t>
+                </a:r>
+                <a:endParaRPr lang="en-US"/>
+              </a:p>
+            </p:txBody>
+          </p:sp>
+          <p:cxnSp>
+            <p:nvCxnSpPr>
+              <p:cNvPr id="14" name="Straight Arrow Connector 13">
+                <a:extLst>
+                  <a:ext uri="{FF2B5EF4-FFF2-40B4-BE49-F238E27FC236}">
+                    <a16:creationId xmlns:a16="http://schemas.microsoft.com/office/drawing/2014/main" id="{BD124BEA-9A06-4D6C-AC07-12B990C55A09}"/>
+                  </a:ext>
+                </a:extLst>
+              </p:cNvPr>
+              <p:cNvCxnSpPr>
+                <a:cxnSpLocks/>
+                <a:stCxn id="7" idx="2"/>
+                <a:endCxn id="13" idx="0"/>
+              </p:cNvCxnSpPr>
+              <p:nvPr/>
+            </p:nvCxnSpPr>
+            <p:spPr>
+              <a:xfrm flipH="1">
+                <a:off x="5401208" y="3668957"/>
+                <a:ext cx="12936" cy="1379655"/>
+              </a:xfrm>
+              <a:prstGeom prst="straightConnector1">
+                <a:avLst/>
+              </a:prstGeom>
+              <a:ln>
+                <a:tailEnd type="triangle"/>
+              </a:ln>
+            </p:spPr>
+            <p:style>
+              <a:lnRef idx="1">
+                <a:schemeClr val="dk1"/>
+              </a:lnRef>
+              <a:fillRef idx="0">
+                <a:schemeClr val="dk1"/>
+              </a:fillRef>
+              <a:effectRef idx="0">
+                <a:schemeClr val="dk1"/>
+              </a:effectRef>
+              <a:fontRef idx="minor">
+                <a:schemeClr val="tx1"/>
+              </a:fontRef>
+            </p:style>
+          </p:cxnSp>
+          <p:sp>
+            <p:nvSpPr>
+              <p:cNvPr id="18" name="TextBox 17">
+                <a:extLst>
+                  <a:ext uri="{FF2B5EF4-FFF2-40B4-BE49-F238E27FC236}">
+                    <a16:creationId xmlns:a16="http://schemas.microsoft.com/office/drawing/2014/main" id="{EC96ECC3-02EA-4563-A7A1-C910888419B0}"/>
+                  </a:ext>
+                </a:extLst>
+              </p:cNvPr>
+              <p:cNvSpPr txBox="1"/>
+              <p:nvPr/>
+            </p:nvSpPr>
+            <p:spPr>
+              <a:xfrm rot="5400000">
+                <a:off x="4765456" y="4011089"/>
+                <a:ext cx="1271502" cy="646331"/>
+              </a:xfrm>
+              <a:prstGeom prst="rect">
+                <a:avLst/>
+              </a:prstGeom>
+              <a:noFill/>
+            </p:spPr>
+            <p:txBody>
+              <a:bodyPr wrap="none" rtlCol="0">
+                <a:spAutoFit/>
+              </a:bodyPr>
+              <a:lstStyle/>
+              <a:p>
+                <a:pPr algn="ctr"/>
+                <a:r>
+                  <a:rPr lang="en-US" err="1"/>
+                  <a:t>Nhiệt</a:t>
+                </a:r>
+                <a:r>
+                  <a:rPr lang="en-US"/>
+                  <a:t> </a:t>
+                </a:r>
+                <a:r>
+                  <a:rPr lang="en-US" err="1"/>
+                  <a:t>độ</a:t>
+                </a:r>
+                <a:r>
+                  <a:rPr lang="en-US"/>
+                  <a:t> </a:t>
+                </a:r>
+              </a:p>
+              <a:p>
+                <a:pPr algn="ctr"/>
+                <a:r>
+                  <a:rPr lang="en-US" err="1"/>
+                  <a:t>môi</a:t>
+                </a:r>
+                <a:r>
+                  <a:rPr lang="en-US"/>
+                  <a:t> tr</a:t>
+                </a:r>
+                <a:r>
+                  <a:rPr lang="vi-VN"/>
+                  <a:t>ư</a:t>
+                </a:r>
+                <a:r>
+                  <a:rPr lang="en-US" err="1"/>
+                  <a:t>ờng</a:t>
+                </a:r>
+                <a:endParaRPr lang="en-US"/>
+              </a:p>
+            </p:txBody>
+          </p:sp>
+          <p:cxnSp>
+            <p:nvCxnSpPr>
+              <p:cNvPr id="21" name="Straight Arrow Connector 20">
+                <a:extLst>
+                  <a:ext uri="{FF2B5EF4-FFF2-40B4-BE49-F238E27FC236}">
+                    <a16:creationId xmlns:a16="http://schemas.microsoft.com/office/drawing/2014/main" id="{9AFB1EF4-8875-4726-B80C-E02DFCD8050F}"/>
+                  </a:ext>
+                </a:extLst>
+              </p:cNvPr>
+              <p:cNvCxnSpPr>
+                <a:cxnSpLocks/>
+                <a:stCxn id="13" idx="1"/>
+                <a:endCxn id="11" idx="3"/>
+              </p:cNvCxnSpPr>
+              <p:nvPr/>
+            </p:nvCxnSpPr>
+            <p:spPr>
+              <a:xfrm flipH="1" flipV="1">
+                <a:off x="2573764" y="5518867"/>
+                <a:ext cx="1521474" cy="13446"/>
+              </a:xfrm>
+              <a:prstGeom prst="straightConnector1">
+                <a:avLst/>
+              </a:prstGeom>
+              <a:ln>
+                <a:tailEnd type="triangle"/>
+              </a:ln>
+            </p:spPr>
+            <p:style>
+              <a:lnRef idx="1">
+                <a:schemeClr val="dk1"/>
+              </a:lnRef>
+              <a:fillRef idx="0">
+                <a:schemeClr val="dk1"/>
+              </a:fillRef>
+              <a:effectRef idx="0">
+                <a:schemeClr val="dk1"/>
+              </a:effectRef>
+              <a:fontRef idx="minor">
+                <a:schemeClr val="tx1"/>
+              </a:fontRef>
+            </p:style>
+          </p:cxnSp>
+        </p:grpSp>
+        <p:sp>
+          <p:nvSpPr>
+            <p:cNvPr id="23" name="Rectangle 22">
+              <a:extLst>
+                <a:ext uri="{FF2B5EF4-FFF2-40B4-BE49-F238E27FC236}">
+                  <a16:creationId xmlns:a16="http://schemas.microsoft.com/office/drawing/2014/main" id="{EB2A7AC7-CB6E-4E16-8BCF-E485C2F02647}"/>
+                </a:ext>
+              </a:extLst>
+            </p:cNvPr>
+            <p:cNvSpPr/>
+            <p:nvPr/>
+          </p:nvSpPr>
+          <p:spPr>
+            <a:xfrm>
+              <a:off x="97817" y="4852634"/>
+              <a:ext cx="2611940" cy="967408"/>
+            </a:xfrm>
+            <a:prstGeom prst="rect">
+              <a:avLst/>
+            </a:prstGeom>
+          </p:spPr>
+          <p:style>
+            <a:lnRef idx="2">
+              <a:schemeClr val="dk1"/>
+            </a:lnRef>
+            <a:fillRef idx="1">
+              <a:schemeClr val="lt1"/>
+            </a:fillRef>
+            <a:effectRef idx="0">
+              <a:schemeClr val="dk1"/>
+            </a:effectRef>
+            <a:fontRef idx="minor">
+              <a:schemeClr val="dk1"/>
+            </a:fontRef>
+          </p:style>
+          <p:txBody>
+            <a:bodyPr rtlCol="0" anchor="ctr"/>
+            <a:lstStyle/>
+            <a:p>
+              <a:pPr algn="ctr"/>
+              <a:r>
+                <a:rPr lang="en-US" err="1"/>
+                <a:t>Thay</a:t>
+              </a:r>
+              <a:r>
+                <a:rPr lang="en-US"/>
+                <a:t> </a:t>
+              </a:r>
+              <a:r>
+                <a:rPr lang="en-US" err="1"/>
+                <a:t>đổi</a:t>
+              </a:r>
+              <a:r>
+                <a:rPr lang="en-US"/>
+                <a:t> </a:t>
+              </a:r>
+              <a:r>
+                <a:rPr lang="en-US" err="1"/>
+                <a:t>tín</a:t>
+              </a:r>
+              <a:r>
+                <a:rPr lang="en-US"/>
+                <a:t> </a:t>
+              </a:r>
+              <a:r>
+                <a:rPr lang="en-US" err="1"/>
+                <a:t>hiệu</a:t>
+              </a:r>
+              <a:r>
+                <a:rPr lang="en-US"/>
+                <a:t> </a:t>
+              </a:r>
+              <a:r>
+                <a:rPr lang="en-US" err="1"/>
+                <a:t>nhận</a:t>
+              </a:r>
+              <a:r>
+                <a:rPr lang="en-US"/>
+                <a:t> </a:t>
+              </a:r>
+              <a:r>
+                <a:rPr lang="en-US" err="1"/>
+                <a:t>của</a:t>
+              </a:r>
+              <a:r>
+                <a:rPr lang="en-US"/>
+                <a:t> </a:t>
+              </a:r>
+              <a:r>
+                <a:rPr lang="en-US" err="1"/>
+                <a:t>cảm</a:t>
+              </a:r>
+              <a:r>
+                <a:rPr lang="en-US"/>
+                <a:t> </a:t>
+              </a:r>
+              <a:r>
+                <a:rPr lang="en-US" err="1"/>
+                <a:t>biến</a:t>
+              </a:r>
+              <a:endParaRPr lang="en-US"/>
+            </a:p>
+          </p:txBody>
+        </p:sp>
+        <p:sp>
+          <p:nvSpPr>
+            <p:cNvPr id="24" name="Rectangle 23">
+              <a:extLst>
+                <a:ext uri="{FF2B5EF4-FFF2-40B4-BE49-F238E27FC236}">
+                  <a16:creationId xmlns:a16="http://schemas.microsoft.com/office/drawing/2014/main" id="{187D5362-4FC5-4DEF-BD4E-D421487A94BA}"/>
+                </a:ext>
+              </a:extLst>
+            </p:cNvPr>
+            <p:cNvSpPr/>
+            <p:nvPr/>
+          </p:nvSpPr>
+          <p:spPr>
+            <a:xfrm>
+              <a:off x="4238802" y="4850748"/>
+              <a:ext cx="2611940" cy="967408"/>
+            </a:xfrm>
+            <a:prstGeom prst="rect">
+              <a:avLst/>
+            </a:prstGeom>
+          </p:spPr>
+          <p:style>
+            <a:lnRef idx="2">
+              <a:schemeClr val="dk1"/>
+            </a:lnRef>
+            <a:fillRef idx="1">
+              <a:schemeClr val="lt1"/>
+            </a:fillRef>
+            <a:effectRef idx="0">
+              <a:schemeClr val="dk1"/>
+            </a:effectRef>
+            <a:fontRef idx="minor">
+              <a:schemeClr val="dk1"/>
+            </a:fontRef>
+          </p:style>
+          <p:txBody>
+            <a:bodyPr rtlCol="0" anchor="ctr"/>
+            <a:lstStyle/>
+            <a:p>
+              <a:pPr algn="ctr"/>
+              <a:r>
+                <a:rPr lang="en-US" err="1"/>
+                <a:t>Thiết</a:t>
+              </a:r>
+              <a:r>
+                <a:rPr lang="en-US"/>
+                <a:t> </a:t>
+              </a:r>
+              <a:r>
+                <a:rPr lang="en-US" err="1"/>
+                <a:t>bị</a:t>
+              </a:r>
+              <a:r>
+                <a:rPr lang="en-US"/>
+                <a:t> </a:t>
+              </a:r>
+              <a:r>
+                <a:rPr lang="en-US" err="1"/>
+                <a:t>ngoại</a:t>
+              </a:r>
+              <a:r>
+                <a:rPr lang="en-US"/>
+                <a:t> vi</a:t>
+              </a:r>
+            </a:p>
+          </p:txBody>
+        </p:sp>
+        <p:cxnSp>
+          <p:nvCxnSpPr>
+            <p:cNvPr id="26" name="Straight Arrow Connector 25">
+              <a:extLst>
+                <a:ext uri="{FF2B5EF4-FFF2-40B4-BE49-F238E27FC236}">
+                  <a16:creationId xmlns:a16="http://schemas.microsoft.com/office/drawing/2014/main" id="{7EC4EE51-FF96-4863-9D38-742BE33C79B7}"/>
+                </a:ext>
+              </a:extLst>
+            </p:cNvPr>
+            <p:cNvCxnSpPr>
+              <a:cxnSpLocks/>
+              <a:stCxn id="11" idx="2"/>
+              <a:endCxn id="23" idx="0"/>
+            </p:cNvCxnSpPr>
+            <p:nvPr/>
+          </p:nvCxnSpPr>
+          <p:spPr>
+            <a:xfrm>
+              <a:off x="1398423" y="3985085"/>
+              <a:ext cx="5364" cy="867549"/>
+            </a:xfrm>
+            <a:prstGeom prst="straightConnector1">
+              <a:avLst/>
+            </a:prstGeom>
+            <a:ln>
+              <a:tailEnd type="triangle"/>
+            </a:ln>
+          </p:spPr>
+          <p:style>
+            <a:lnRef idx="1">
+              <a:schemeClr val="dk1"/>
+            </a:lnRef>
+            <a:fillRef idx="0">
+              <a:schemeClr val="dk1"/>
+            </a:fillRef>
+            <a:effectRef idx="0">
+              <a:schemeClr val="dk1"/>
+            </a:effectRef>
+            <a:fontRef idx="minor">
+              <a:schemeClr val="tx1"/>
+            </a:fontRef>
+          </p:style>
+        </p:cxnSp>
+        <p:cxnSp>
+          <p:nvCxnSpPr>
+            <p:cNvPr id="27" name="Straight Arrow Connector 26">
+              <a:extLst>
+                <a:ext uri="{FF2B5EF4-FFF2-40B4-BE49-F238E27FC236}">
+                  <a16:creationId xmlns:a16="http://schemas.microsoft.com/office/drawing/2014/main" id="{82417517-2A6C-4C27-94F5-AE535EE6C6A0}"/>
+                </a:ext>
+              </a:extLst>
+            </p:cNvPr>
+            <p:cNvCxnSpPr>
+              <a:cxnSpLocks/>
+              <a:stCxn id="23" idx="3"/>
+              <a:endCxn id="24" idx="1"/>
+            </p:cNvCxnSpPr>
+            <p:nvPr/>
+          </p:nvCxnSpPr>
+          <p:spPr>
+            <a:xfrm flipV="1">
+              <a:off x="2709757" y="5334452"/>
+              <a:ext cx="1529045" cy="1886"/>
+            </a:xfrm>
+            <a:prstGeom prst="straightConnector1">
+              <a:avLst/>
+            </a:prstGeom>
+            <a:ln>
+              <a:tailEnd type="triangle"/>
+            </a:ln>
+          </p:spPr>
+          <p:style>
+            <a:lnRef idx="1">
+              <a:schemeClr val="dk1"/>
+            </a:lnRef>
+            <a:fillRef idx="0">
+              <a:schemeClr val="dk1"/>
+            </a:fillRef>
+            <a:effectRef idx="0">
+              <a:schemeClr val="dk1"/>
+            </a:effectRef>
+            <a:fontRef idx="minor">
+              <a:schemeClr val="tx1"/>
+            </a:fontRef>
+          </p:style>
+        </p:cxnSp>
+      </p:grpSp>
+    </p:spTree>
+    <p:extLst>
+      <p:ext uri="{BB962C8B-B14F-4D97-AF65-F5344CB8AC3E}">
+        <p14:creationId xmlns:p14="http://schemas.microsoft.com/office/powerpoint/2010/main" val="1614774909"/>
+      </p:ext>
+    </p:extLst>
+  </p:cSld>
+  <p:clrMapOvr>
+    <a:masterClrMapping/>
+  </p:clrMapOvr>
+</p:sld>
+</file>
+
+<file path=ppt/slides/slide7.xml><?xml version="1.0" encoding="utf-8"?>
+<p:sld xmlns:a="http://schemas.openxmlformats.org/drawingml/2006/main" xmlns:r="http://schemas.openxmlformats.org/officeDocument/2006/relationships" xmlns:p="http://schemas.openxmlformats.org/presentationml/2006/main">
+  <p:cSld>
+    <p:spTree>
+      <p:nvGrpSpPr>
+        <p:cNvPr id="1" name=""/>
+        <p:cNvGrpSpPr/>
+        <p:nvPr/>
+      </p:nvGrpSpPr>
+      <p:grpSpPr>
+        <a:xfrm>
+          <a:off x="0" y="0"/>
+          <a:ext cx="0" cy="0"/>
+          <a:chOff x="0" y="0"/>
+          <a:chExt cx="0" cy="0"/>
+        </a:xfrm>
+      </p:grpSpPr>
+      <p:grpSp>
+        <p:nvGrpSpPr>
+          <p:cNvPr id="6" name="Group 5">
+            <a:extLst>
+              <a:ext uri="{FF2B5EF4-FFF2-40B4-BE49-F238E27FC236}">
+                <a16:creationId xmlns:a16="http://schemas.microsoft.com/office/drawing/2014/main" id="{3EFB9DA2-5852-440D-8D01-2D8DF0FF7BBE}"/>
+              </a:ext>
+            </a:extLst>
+          </p:cNvPr>
+          <p:cNvGrpSpPr/>
+          <p:nvPr/>
+        </p:nvGrpSpPr>
+        <p:grpSpPr>
+          <a:xfrm>
+            <a:off x="174172" y="857794"/>
+            <a:ext cx="10806112" cy="4670697"/>
+            <a:chOff x="174172" y="857794"/>
+            <a:chExt cx="10806112" cy="4670697"/>
+          </a:xfrm>
+        </p:grpSpPr>
+        <p:sp>
+          <p:nvSpPr>
+            <p:cNvPr id="2" name="Cloud 1">
+              <a:extLst>
+                <a:ext uri="{FF2B5EF4-FFF2-40B4-BE49-F238E27FC236}">
+                  <a16:creationId xmlns:a16="http://schemas.microsoft.com/office/drawing/2014/main" id="{B4E68A36-4025-457B-B878-164D94EF19D8}"/>
+                </a:ext>
+              </a:extLst>
+            </p:cNvPr>
+            <p:cNvSpPr/>
+            <p:nvPr/>
+          </p:nvSpPr>
+          <p:spPr>
+            <a:xfrm rot="1017833">
+              <a:off x="3535812" y="857794"/>
+              <a:ext cx="5378163" cy="4670697"/>
+            </a:xfrm>
+            <a:prstGeom prst="cloud">
+              <a:avLst/>
+            </a:prstGeom>
+            <a:ln/>
+          </p:spPr>
+          <p:style>
+            <a:lnRef idx="1">
+              <a:schemeClr val="accent5"/>
+            </a:lnRef>
+            <a:fillRef idx="2">
+              <a:schemeClr val="accent5"/>
+            </a:fillRef>
+            <a:effectRef idx="1">
+              <a:schemeClr val="accent5"/>
+            </a:effectRef>
+            <a:fontRef idx="minor">
+              <a:schemeClr val="dk1"/>
+            </a:fontRef>
+          </p:style>
+          <p:txBody>
+            <a:bodyPr rtlCol="0" anchor="ctr"/>
+            <a:lstStyle/>
+            <a:p>
+              <a:pPr algn="ctr"/>
+              <a:endParaRPr lang="en-US"/>
+            </a:p>
+          </p:txBody>
+        </p:sp>
+        <p:sp>
+          <p:nvSpPr>
+            <p:cNvPr id="4" name="Arrow: Right 3">
+              <a:extLst>
+                <a:ext uri="{FF2B5EF4-FFF2-40B4-BE49-F238E27FC236}">
+                  <a16:creationId xmlns:a16="http://schemas.microsoft.com/office/drawing/2014/main" id="{A89DC20E-2E99-4D54-8B8C-2F5D787E08E3}"/>
+                </a:ext>
+              </a:extLst>
+            </p:cNvPr>
+            <p:cNvSpPr/>
+            <p:nvPr/>
+          </p:nvSpPr>
+          <p:spPr>
+            <a:xfrm>
+              <a:off x="362857" y="1567543"/>
+              <a:ext cx="2061029" cy="928914"/>
+            </a:xfrm>
+            <a:prstGeom prst="rightArrow">
+              <a:avLst/>
+            </a:prstGeom>
+          </p:spPr>
+          <p:style>
+            <a:lnRef idx="1">
+              <a:schemeClr val="accent1"/>
+            </a:lnRef>
+            <a:fillRef idx="3">
+              <a:schemeClr val="accent1"/>
+            </a:fillRef>
+            <a:effectRef idx="2">
+              <a:schemeClr val="accent1"/>
+            </a:effectRef>
+            <a:fontRef idx="minor">
+              <a:schemeClr val="lt1"/>
+            </a:fontRef>
+          </p:style>
+          <p:txBody>
+            <a:bodyPr rtlCol="0" anchor="ctr"/>
+            <a:lstStyle/>
+            <a:p>
+              <a:pPr algn="ctr"/>
+              <a:r>
+                <a:rPr lang="en-US" err="1"/>
+                <a:t>Dữ</a:t>
+              </a:r>
+              <a:r>
+                <a:rPr lang="en-US"/>
+                <a:t> </a:t>
+              </a:r>
+              <a:r>
+                <a:rPr lang="en-US" err="1"/>
+                <a:t>liệu</a:t>
+              </a:r>
+              <a:r>
+                <a:rPr lang="en-US"/>
+                <a:t> </a:t>
+              </a:r>
+              <a:r>
+                <a:rPr lang="en-US" err="1"/>
+                <a:t>cảm</a:t>
+              </a:r>
+              <a:r>
+                <a:rPr lang="en-US"/>
+                <a:t> </a:t>
+              </a:r>
+              <a:r>
+                <a:rPr lang="en-US" err="1"/>
+                <a:t>biến</a:t>
+              </a:r>
+              <a:endParaRPr lang="en-US"/>
+            </a:p>
+          </p:txBody>
+        </p:sp>
+        <p:sp>
+          <p:nvSpPr>
+            <p:cNvPr id="5" name="Arrow: Right 4">
+              <a:extLst>
+                <a:ext uri="{FF2B5EF4-FFF2-40B4-BE49-F238E27FC236}">
+                  <a16:creationId xmlns:a16="http://schemas.microsoft.com/office/drawing/2014/main" id="{35462D81-C94F-4FA2-847D-21BCDCC675FB}"/>
+                </a:ext>
+              </a:extLst>
+            </p:cNvPr>
+            <p:cNvSpPr/>
+            <p:nvPr/>
+          </p:nvSpPr>
+          <p:spPr>
+            <a:xfrm>
+              <a:off x="362857" y="2801257"/>
+              <a:ext cx="2061029" cy="928914"/>
+            </a:xfrm>
+            <a:prstGeom prst="rightArrow">
+              <a:avLst/>
+            </a:prstGeom>
+          </p:spPr>
+          <p:style>
+            <a:lnRef idx="1">
+              <a:schemeClr val="accent1"/>
+            </a:lnRef>
+            <a:fillRef idx="3">
+              <a:schemeClr val="accent1"/>
+            </a:fillRef>
+            <a:effectRef idx="2">
+              <a:schemeClr val="accent1"/>
+            </a:effectRef>
+            <a:fontRef idx="minor">
+              <a:schemeClr val="lt1"/>
+            </a:fontRef>
+          </p:style>
+          <p:txBody>
+            <a:bodyPr rtlCol="0" anchor="ctr"/>
+            <a:lstStyle/>
+            <a:p>
+              <a:pPr algn="ctr"/>
+              <a:r>
+                <a:rPr lang="en-US" err="1"/>
+                <a:t>Trạng</a:t>
+              </a:r>
+              <a:r>
+                <a:rPr lang="en-US"/>
+                <a:t> </a:t>
+              </a:r>
+              <a:r>
+                <a:rPr lang="en-US" err="1"/>
+                <a:t>thái</a:t>
+              </a:r>
+              <a:r>
+                <a:rPr lang="en-US"/>
+                <a:t> </a:t>
+              </a:r>
+              <a:r>
+                <a:rPr lang="en-US" err="1"/>
+                <a:t>truyền</a:t>
+              </a:r>
+              <a:endParaRPr lang="en-US"/>
+            </a:p>
+          </p:txBody>
+        </p:sp>
+        <p:sp>
+          <p:nvSpPr>
+            <p:cNvPr id="8" name="Arrow: Right 7">
+              <a:extLst>
+                <a:ext uri="{FF2B5EF4-FFF2-40B4-BE49-F238E27FC236}">
+                  <a16:creationId xmlns:a16="http://schemas.microsoft.com/office/drawing/2014/main" id="{A5617D0C-4760-4CE1-9FDE-05A5CDB9073A}"/>
+                </a:ext>
+              </a:extLst>
+            </p:cNvPr>
+            <p:cNvSpPr/>
+            <p:nvPr/>
+          </p:nvSpPr>
+          <p:spPr>
+            <a:xfrm flipH="1">
+              <a:off x="3705101" y="3362772"/>
+              <a:ext cx="1654629" cy="928914"/>
+            </a:xfrm>
+            <a:prstGeom prst="rightArrow">
+              <a:avLst/>
+            </a:prstGeom>
+          </p:spPr>
+          <p:style>
+            <a:lnRef idx="1">
+              <a:schemeClr val="accent4"/>
+            </a:lnRef>
+            <a:fillRef idx="2">
+              <a:schemeClr val="accent4"/>
+            </a:fillRef>
+            <a:effectRef idx="1">
+              <a:schemeClr val="accent4"/>
+            </a:effectRef>
+            <a:fontRef idx="minor">
+              <a:schemeClr val="dk1"/>
+            </a:fontRef>
+          </p:style>
+          <p:txBody>
+            <a:bodyPr rtlCol="0" anchor="ctr"/>
+            <a:lstStyle/>
+            <a:p>
+              <a:pPr algn="ctr"/>
+              <a:r>
+                <a:rPr lang="en-US" err="1"/>
+                <a:t>Đọc</a:t>
+              </a:r>
+              <a:r>
+                <a:rPr lang="en-US"/>
+                <a:t> </a:t>
+              </a:r>
+              <a:r>
+                <a:rPr lang="en-US" err="1"/>
+                <a:t>dữ</a:t>
+              </a:r>
+              <a:r>
+                <a:rPr lang="en-US"/>
+                <a:t> </a:t>
+              </a:r>
+              <a:r>
+                <a:rPr lang="en-US" err="1"/>
+                <a:t>liệu</a:t>
+              </a:r>
+              <a:endParaRPr lang="en-US"/>
+            </a:p>
+          </p:txBody>
+        </p:sp>
+        <p:sp>
+          <p:nvSpPr>
+            <p:cNvPr id="9" name="Rectangle: Rounded Corners 8">
+              <a:extLst>
+                <a:ext uri="{FF2B5EF4-FFF2-40B4-BE49-F238E27FC236}">
+                  <a16:creationId xmlns:a16="http://schemas.microsoft.com/office/drawing/2014/main" id="{1223A08F-A86F-48B7-B55E-2E7FEBD9FC70}"/>
+                </a:ext>
+              </a:extLst>
+            </p:cNvPr>
+            <p:cNvSpPr/>
+            <p:nvPr/>
+          </p:nvSpPr>
+          <p:spPr>
+            <a:xfrm rot="16200000">
+              <a:off x="1394004" y="2669876"/>
+              <a:ext cx="3251201" cy="1046533"/>
+            </a:xfrm>
+            <a:prstGeom prst="roundRect">
+              <a:avLst/>
+            </a:prstGeom>
+          </p:spPr>
+          <p:style>
+            <a:lnRef idx="2">
+              <a:schemeClr val="dk1"/>
+            </a:lnRef>
+            <a:fillRef idx="1">
+              <a:schemeClr val="lt1"/>
+            </a:fillRef>
+            <a:effectRef idx="0">
+              <a:schemeClr val="dk1"/>
+            </a:effectRef>
+            <a:fontRef idx="minor">
+              <a:schemeClr val="dk1"/>
+            </a:fontRef>
+          </p:style>
+          <p:txBody>
+            <a:bodyPr rtlCol="0" anchor="ctr"/>
+            <a:lstStyle/>
+            <a:p>
+              <a:pPr algn="ctr"/>
+              <a:r>
+                <a:rPr lang="en-US"/>
+                <a:t>ESP8266 – IOT WIFI UNO </a:t>
+              </a:r>
+            </a:p>
+          </p:txBody>
+        </p:sp>
+        <p:sp>
+          <p:nvSpPr>
+            <p:cNvPr id="10" name="Arrow: Right 9">
+              <a:extLst>
+                <a:ext uri="{FF2B5EF4-FFF2-40B4-BE49-F238E27FC236}">
+                  <a16:creationId xmlns:a16="http://schemas.microsoft.com/office/drawing/2014/main" id="{AD5F565B-7B98-4698-86A5-364D55FD34A5}"/>
+                </a:ext>
+              </a:extLst>
+            </p:cNvPr>
+            <p:cNvSpPr/>
+            <p:nvPr/>
+          </p:nvSpPr>
+          <p:spPr>
+            <a:xfrm>
+              <a:off x="3836893" y="2180045"/>
+              <a:ext cx="1560286" cy="928914"/>
+            </a:xfrm>
+            <a:prstGeom prst="rightArrow">
+              <a:avLst/>
+            </a:prstGeom>
+          </p:spPr>
+          <p:style>
+            <a:lnRef idx="0">
+              <a:schemeClr val="accent1"/>
+            </a:lnRef>
+            <a:fillRef idx="3">
+              <a:schemeClr val="accent1"/>
+            </a:fillRef>
+            <a:effectRef idx="3">
+              <a:schemeClr val="accent1"/>
+            </a:effectRef>
+            <a:fontRef idx="minor">
+              <a:schemeClr val="lt1"/>
+            </a:fontRef>
+          </p:style>
+          <p:txBody>
+            <a:bodyPr rtlCol="0" anchor="ctr"/>
+            <a:lstStyle/>
+            <a:p>
+              <a:pPr algn="ctr"/>
+              <a:r>
+                <a:rPr lang="en-US" err="1"/>
+                <a:t>Viết</a:t>
+              </a:r>
+              <a:r>
+                <a:rPr lang="en-US"/>
+                <a:t> </a:t>
+              </a:r>
+              <a:r>
+                <a:rPr lang="en-US" err="1"/>
+                <a:t>dữ</a:t>
+              </a:r>
+              <a:r>
+                <a:rPr lang="en-US"/>
+                <a:t> </a:t>
+              </a:r>
+              <a:r>
+                <a:rPr lang="en-US" err="1"/>
+                <a:t>liệu</a:t>
+              </a:r>
+              <a:endParaRPr lang="en-US"/>
+            </a:p>
+          </p:txBody>
+        </p:sp>
+        <p:sp>
+          <p:nvSpPr>
+            <p:cNvPr id="11" name="Arrow: Right 10">
+              <a:extLst>
+                <a:ext uri="{FF2B5EF4-FFF2-40B4-BE49-F238E27FC236}">
+                  <a16:creationId xmlns:a16="http://schemas.microsoft.com/office/drawing/2014/main" id="{A120B511-C57F-4CCA-A23A-03D47F43BFEA}"/>
+                </a:ext>
+              </a:extLst>
+            </p:cNvPr>
+            <p:cNvSpPr/>
+            <p:nvPr/>
+          </p:nvSpPr>
+          <p:spPr>
+            <a:xfrm flipH="1">
+              <a:off x="174172" y="4034971"/>
+              <a:ext cx="2249714" cy="928914"/>
+            </a:xfrm>
+            <a:prstGeom prst="rightArrow">
+              <a:avLst/>
+            </a:prstGeom>
+          </p:spPr>
+          <p:style>
+            <a:lnRef idx="1">
+              <a:schemeClr val="accent4"/>
+            </a:lnRef>
+            <a:fillRef idx="2">
+              <a:schemeClr val="accent4"/>
+            </a:fillRef>
+            <a:effectRef idx="1">
+              <a:schemeClr val="accent4"/>
+            </a:effectRef>
+            <a:fontRef idx="minor">
+              <a:schemeClr val="dk1"/>
+            </a:fontRef>
+          </p:style>
+          <p:txBody>
+            <a:bodyPr rtlCol="0" anchor="ctr"/>
+            <a:lstStyle/>
+            <a:p>
+              <a:pPr algn="ctr"/>
+              <a:r>
+                <a:rPr lang="en-US" err="1"/>
+                <a:t>Lệnh</a:t>
+              </a:r>
+              <a:r>
+                <a:rPr lang="en-US"/>
+                <a:t> </a:t>
+              </a:r>
+              <a:r>
+                <a:rPr lang="en-US" err="1"/>
+                <a:t>truyền</a:t>
+              </a:r>
+              <a:r>
+                <a:rPr lang="en-US"/>
+                <a:t> </a:t>
+              </a:r>
+              <a:r>
+                <a:rPr lang="en-US" err="1"/>
+                <a:t>động</a:t>
+              </a:r>
+              <a:endParaRPr lang="en-US"/>
+            </a:p>
+          </p:txBody>
+        </p:sp>
+        <p:sp>
+          <p:nvSpPr>
+            <p:cNvPr id="12" name="Rectangle 11">
+              <a:extLst>
+                <a:ext uri="{FF2B5EF4-FFF2-40B4-BE49-F238E27FC236}">
+                  <a16:creationId xmlns:a16="http://schemas.microsoft.com/office/drawing/2014/main" id="{B3069B90-2A78-4DC8-A1F3-16F01FF67DCC}"/>
+                </a:ext>
+              </a:extLst>
+            </p:cNvPr>
+            <p:cNvSpPr/>
+            <p:nvPr/>
+          </p:nvSpPr>
+          <p:spPr>
+            <a:xfrm>
+              <a:off x="5460410" y="2149988"/>
+              <a:ext cx="1654625" cy="928914"/>
+            </a:xfrm>
+            <a:prstGeom prst="rect">
+              <a:avLst/>
+            </a:prstGeom>
+          </p:spPr>
+          <p:style>
+            <a:lnRef idx="1">
+              <a:schemeClr val="accent2"/>
+            </a:lnRef>
+            <a:fillRef idx="2">
+              <a:schemeClr val="accent2"/>
+            </a:fillRef>
+            <a:effectRef idx="1">
+              <a:schemeClr val="accent2"/>
+            </a:effectRef>
+            <a:fontRef idx="minor">
+              <a:schemeClr val="dk1"/>
+            </a:fontRef>
+          </p:style>
+          <p:txBody>
+            <a:bodyPr rtlCol="0" anchor="ctr"/>
+            <a:lstStyle/>
+            <a:p>
+              <a:pPr algn="ctr"/>
+              <a:r>
+                <a:rPr lang="en-US" err="1"/>
+                <a:t>Kênh</a:t>
+              </a:r>
+              <a:r>
+                <a:rPr lang="en-US"/>
+                <a:t> </a:t>
+              </a:r>
+              <a:r>
+                <a:rPr lang="en-US" err="1"/>
+                <a:t>trạng</a:t>
+              </a:r>
+              <a:r>
+                <a:rPr lang="en-US"/>
+                <a:t> </a:t>
+              </a:r>
+              <a:r>
+                <a:rPr lang="en-US" err="1"/>
+                <a:t>thái</a:t>
+              </a:r>
+              <a:endParaRPr lang="en-US"/>
+            </a:p>
+          </p:txBody>
+        </p:sp>
+        <p:sp>
+          <p:nvSpPr>
+            <p:cNvPr id="13" name="Rectangle 12">
+              <a:extLst>
+                <a:ext uri="{FF2B5EF4-FFF2-40B4-BE49-F238E27FC236}">
+                  <a16:creationId xmlns:a16="http://schemas.microsoft.com/office/drawing/2014/main" id="{CDFCE107-70D3-437A-82C1-C1566317DB2A}"/>
+                </a:ext>
+              </a:extLst>
+            </p:cNvPr>
+            <p:cNvSpPr/>
+            <p:nvPr/>
+          </p:nvSpPr>
+          <p:spPr>
+            <a:xfrm>
+              <a:off x="5512610" y="3351161"/>
+              <a:ext cx="1654625" cy="928914"/>
+            </a:xfrm>
+            <a:prstGeom prst="rect">
+              <a:avLst/>
+            </a:prstGeom>
+          </p:spPr>
+          <p:style>
+            <a:lnRef idx="1">
+              <a:schemeClr val="accent2"/>
+            </a:lnRef>
+            <a:fillRef idx="2">
+              <a:schemeClr val="accent2"/>
+            </a:fillRef>
+            <a:effectRef idx="1">
+              <a:schemeClr val="accent2"/>
+            </a:effectRef>
+            <a:fontRef idx="minor">
+              <a:schemeClr val="dk1"/>
+            </a:fontRef>
+          </p:style>
+          <p:txBody>
+            <a:bodyPr rtlCol="0" anchor="ctr"/>
+            <a:lstStyle/>
+            <a:p>
+              <a:pPr algn="ctr"/>
+              <a:r>
+                <a:rPr lang="en-US" err="1"/>
+                <a:t>Kênh</a:t>
+              </a:r>
+              <a:r>
+                <a:rPr lang="en-US"/>
+                <a:t> </a:t>
+              </a:r>
+              <a:r>
+                <a:rPr lang="en-US" err="1"/>
+                <a:t>truyền</a:t>
+              </a:r>
+              <a:endParaRPr lang="en-US"/>
+            </a:p>
+          </p:txBody>
+        </p:sp>
+        <p:sp>
+          <p:nvSpPr>
+            <p:cNvPr id="19" name="Arrow: Right 18">
+              <a:extLst>
+                <a:ext uri="{FF2B5EF4-FFF2-40B4-BE49-F238E27FC236}">
+                  <a16:creationId xmlns:a16="http://schemas.microsoft.com/office/drawing/2014/main" id="{B84D42CF-AEBB-4089-9794-A0918B820CFD}"/>
+                </a:ext>
+              </a:extLst>
+            </p:cNvPr>
+            <p:cNvSpPr/>
+            <p:nvPr/>
+          </p:nvSpPr>
+          <p:spPr>
+            <a:xfrm flipH="1">
+              <a:off x="7194584" y="3351161"/>
+              <a:ext cx="1654629" cy="928914"/>
+            </a:xfrm>
+            <a:prstGeom prst="rightArrow">
+              <a:avLst/>
+            </a:prstGeom>
+          </p:spPr>
+          <p:style>
+            <a:lnRef idx="1">
+              <a:schemeClr val="accent4"/>
+            </a:lnRef>
+            <a:fillRef idx="2">
+              <a:schemeClr val="accent4"/>
+            </a:fillRef>
+            <a:effectRef idx="1">
+              <a:schemeClr val="accent4"/>
+            </a:effectRef>
+            <a:fontRef idx="minor">
+              <a:schemeClr val="dk1"/>
+            </a:fontRef>
+          </p:style>
+          <p:txBody>
+            <a:bodyPr rtlCol="0" anchor="ctr"/>
+            <a:lstStyle/>
+            <a:p>
+              <a:pPr algn="ctr"/>
+              <a:r>
+                <a:rPr lang="en-US" err="1"/>
+                <a:t>Viết</a:t>
+              </a:r>
+              <a:r>
+                <a:rPr lang="en-US"/>
+                <a:t> </a:t>
+              </a:r>
+              <a:r>
+                <a:rPr lang="en-US" err="1"/>
+                <a:t>dữ</a:t>
+              </a:r>
+              <a:r>
+                <a:rPr lang="en-US"/>
+                <a:t> </a:t>
+              </a:r>
+              <a:r>
+                <a:rPr lang="en-US" err="1"/>
+                <a:t>liệu</a:t>
+              </a:r>
+              <a:endParaRPr lang="en-US"/>
+            </a:p>
+          </p:txBody>
+        </p:sp>
+        <p:sp>
+          <p:nvSpPr>
+            <p:cNvPr id="20" name="Arrow: Right 19">
+              <a:extLst>
+                <a:ext uri="{FF2B5EF4-FFF2-40B4-BE49-F238E27FC236}">
+                  <a16:creationId xmlns:a16="http://schemas.microsoft.com/office/drawing/2014/main" id="{8BACEBBB-E100-4A25-BD05-B9A0778B305F}"/>
+                </a:ext>
+              </a:extLst>
+            </p:cNvPr>
+            <p:cNvSpPr/>
+            <p:nvPr/>
+          </p:nvSpPr>
+          <p:spPr>
+            <a:xfrm>
+              <a:off x="7259819" y="2073905"/>
+              <a:ext cx="1560286" cy="928914"/>
+            </a:xfrm>
+            <a:prstGeom prst="rightArrow">
+              <a:avLst/>
+            </a:prstGeom>
+          </p:spPr>
+          <p:style>
+            <a:lnRef idx="1">
+              <a:schemeClr val="accent1"/>
+            </a:lnRef>
+            <a:fillRef idx="3">
+              <a:schemeClr val="accent1"/>
+            </a:fillRef>
+            <a:effectRef idx="2">
+              <a:schemeClr val="accent1"/>
+            </a:effectRef>
+            <a:fontRef idx="minor">
+              <a:schemeClr val="lt1"/>
+            </a:fontRef>
+          </p:style>
+          <p:txBody>
+            <a:bodyPr rtlCol="0" anchor="ctr"/>
+            <a:lstStyle/>
+            <a:p>
+              <a:pPr algn="ctr"/>
+              <a:r>
+                <a:rPr lang="en-US" err="1"/>
+                <a:t>Đọc</a:t>
+              </a:r>
+              <a:r>
+                <a:rPr lang="en-US"/>
+                <a:t> </a:t>
+              </a:r>
+              <a:r>
+                <a:rPr lang="en-US" err="1"/>
+                <a:t>dữ</a:t>
+              </a:r>
+              <a:r>
+                <a:rPr lang="en-US"/>
+                <a:t> </a:t>
+              </a:r>
+              <a:r>
+                <a:rPr lang="en-US" err="1"/>
+                <a:t>liệu</a:t>
+              </a:r>
+              <a:endParaRPr lang="en-US"/>
+            </a:p>
+          </p:txBody>
+        </p:sp>
+        <p:sp>
+          <p:nvSpPr>
+            <p:cNvPr id="22" name="Arrow: Right 21">
+              <a:extLst>
+                <a:ext uri="{FF2B5EF4-FFF2-40B4-BE49-F238E27FC236}">
+                  <a16:creationId xmlns:a16="http://schemas.microsoft.com/office/drawing/2014/main" id="{5E687832-5AD6-430F-9645-56AAA943A509}"/>
+                </a:ext>
+              </a:extLst>
+            </p:cNvPr>
+            <p:cNvSpPr/>
+            <p:nvPr/>
+          </p:nvSpPr>
+          <p:spPr>
+            <a:xfrm flipH="1">
+              <a:off x="10128200" y="3427244"/>
+              <a:ext cx="757740" cy="928914"/>
+            </a:xfrm>
+            <a:prstGeom prst="rightArrow">
+              <a:avLst/>
+            </a:prstGeom>
+          </p:spPr>
+          <p:style>
+            <a:lnRef idx="1">
+              <a:schemeClr val="accent4"/>
+            </a:lnRef>
+            <a:fillRef idx="2">
+              <a:schemeClr val="accent4"/>
+            </a:fillRef>
+            <a:effectRef idx="1">
+              <a:schemeClr val="accent4"/>
+            </a:effectRef>
+            <a:fontRef idx="minor">
+              <a:schemeClr val="dk1"/>
+            </a:fontRef>
+          </p:style>
+          <p:txBody>
+            <a:bodyPr rtlCol="0" anchor="ctr"/>
+            <a:lstStyle/>
+            <a:p>
+              <a:pPr algn="ctr"/>
+              <a:endParaRPr lang="en-US"/>
+            </a:p>
+          </p:txBody>
+        </p:sp>
+        <p:sp>
+          <p:nvSpPr>
+            <p:cNvPr id="23" name="Arrow: Right 22">
+              <a:extLst>
+                <a:ext uri="{FF2B5EF4-FFF2-40B4-BE49-F238E27FC236}">
+                  <a16:creationId xmlns:a16="http://schemas.microsoft.com/office/drawing/2014/main" id="{76253838-E987-4A22-97F3-2DD58438ECD2}"/>
+                </a:ext>
+              </a:extLst>
+            </p:cNvPr>
+            <p:cNvSpPr/>
+            <p:nvPr/>
+          </p:nvSpPr>
+          <p:spPr>
+            <a:xfrm>
+              <a:off x="10222544" y="2149988"/>
+              <a:ext cx="757740" cy="928914"/>
+            </a:xfrm>
+            <a:prstGeom prst="rightArrow">
+              <a:avLst/>
+            </a:prstGeom>
+          </p:spPr>
+          <p:style>
+            <a:lnRef idx="1">
+              <a:schemeClr val="accent1"/>
+            </a:lnRef>
+            <a:fillRef idx="3">
+              <a:schemeClr val="accent1"/>
+            </a:fillRef>
+            <a:effectRef idx="2">
+              <a:schemeClr val="accent1"/>
+            </a:effectRef>
+            <a:fontRef idx="minor">
+              <a:schemeClr val="lt1"/>
+            </a:fontRef>
+          </p:style>
+          <p:txBody>
+            <a:bodyPr rtlCol="0" anchor="ctr"/>
+            <a:lstStyle/>
+            <a:p>
+              <a:pPr algn="ctr"/>
+              <a:endParaRPr lang="en-US"/>
+            </a:p>
+          </p:txBody>
+        </p:sp>
+        <p:sp>
+          <p:nvSpPr>
+            <p:cNvPr id="24" name="Rectangle: Rounded Corners 23">
+              <a:extLst>
+                <a:ext uri="{FF2B5EF4-FFF2-40B4-BE49-F238E27FC236}">
+                  <a16:creationId xmlns:a16="http://schemas.microsoft.com/office/drawing/2014/main" id="{3E5737CD-B2F1-48B5-8701-1F2A033F4E20}"/>
+                </a:ext>
+              </a:extLst>
+            </p:cNvPr>
+            <p:cNvSpPr/>
+            <p:nvPr/>
+          </p:nvSpPr>
+          <p:spPr>
+            <a:xfrm rot="16200000">
+              <a:off x="7852752" y="2669877"/>
+              <a:ext cx="3251201" cy="1046533"/>
+            </a:xfrm>
+            <a:prstGeom prst="roundRect">
+              <a:avLst/>
+            </a:prstGeom>
+          </p:spPr>
+          <p:style>
+            <a:lnRef idx="2">
+              <a:schemeClr val="dk1"/>
+            </a:lnRef>
+            <a:fillRef idx="1">
+              <a:schemeClr val="lt1"/>
+            </a:fillRef>
+            <a:effectRef idx="0">
+              <a:schemeClr val="dk1"/>
+            </a:effectRef>
+            <a:fontRef idx="minor">
+              <a:schemeClr val="dk1"/>
+            </a:fontRef>
+          </p:style>
+          <p:txBody>
+            <a:bodyPr rtlCol="0" anchor="ctr"/>
+            <a:lstStyle/>
+            <a:p>
+              <a:pPr algn="ctr"/>
+              <a:r>
+                <a:rPr lang="en-US" err="1"/>
+                <a:t>Giao</a:t>
+              </a:r>
+              <a:r>
+                <a:rPr lang="en-US"/>
+                <a:t> </a:t>
+              </a:r>
+              <a:r>
+                <a:rPr lang="en-US" err="1"/>
+                <a:t>diện</a:t>
+              </a:r>
+              <a:r>
+                <a:rPr lang="en-US"/>
+                <a:t> ng</a:t>
+              </a:r>
+              <a:r>
+                <a:rPr lang="vi-VN"/>
+                <a:t>ư</a:t>
+              </a:r>
+              <a:r>
+                <a:rPr lang="en-US" err="1"/>
+                <a:t>ời</a:t>
+              </a:r>
+              <a:r>
+                <a:rPr lang="en-US"/>
+                <a:t> </a:t>
+              </a:r>
+              <a:r>
+                <a:rPr lang="en-US" err="1"/>
+                <a:t>dùng</a:t>
+              </a:r>
+              <a:endParaRPr lang="en-US"/>
+            </a:p>
+          </p:txBody>
+        </p:sp>
+        <p:sp>
+          <p:nvSpPr>
+            <p:cNvPr id="3" name="TextBox 2">
+              <a:extLst>
+                <a:ext uri="{FF2B5EF4-FFF2-40B4-BE49-F238E27FC236}">
+                  <a16:creationId xmlns:a16="http://schemas.microsoft.com/office/drawing/2014/main" id="{9ABDB449-559C-4490-91F8-982BEFDFD392}"/>
+                </a:ext>
+              </a:extLst>
+            </p:cNvPr>
+            <p:cNvSpPr txBox="1"/>
+            <p:nvPr/>
+          </p:nvSpPr>
+          <p:spPr>
+            <a:xfrm>
+              <a:off x="4981923" y="1613505"/>
+              <a:ext cx="2534110" cy="461665"/>
+            </a:xfrm>
+            <a:prstGeom prst="rect">
+              <a:avLst/>
+            </a:prstGeom>
+            <a:noFill/>
+          </p:spPr>
+          <p:txBody>
+            <a:bodyPr wrap="square" rtlCol="0">
+              <a:spAutoFit/>
+            </a:bodyPr>
+            <a:lstStyle/>
+            <a:p>
+              <a:r>
+                <a:rPr lang="en-US" sz="2400" b="1">
+                  <a:solidFill>
+                    <a:schemeClr val="bg1"/>
+                  </a:solidFill>
+                  <a:latin typeface="Times New Roman" panose="02020603050405020304" pitchFamily="18" charset="0"/>
+                  <a:cs typeface="Times New Roman" panose="02020603050405020304" pitchFamily="18" charset="0"/>
+                </a:rPr>
+                <a:t>ThingSpeak.com</a:t>
+              </a:r>
+            </a:p>
+          </p:txBody>
+        </p:sp>
+      </p:grpSp>
+    </p:spTree>
+    <p:extLst>
+      <p:ext uri="{BB962C8B-B14F-4D97-AF65-F5344CB8AC3E}">
+        <p14:creationId xmlns:p14="http://schemas.microsoft.com/office/powerpoint/2010/main" val="3518160428"/>
+      </p:ext>
+    </p:extLst>
+  </p:cSld>
+  <p:clrMapOvr>
+    <a:masterClrMapping/>
+  </p:clrMapOvr>
+</p:sld>
+</file>
+
+<file path=ppt/slides/slide8.xml><?xml version="1.0" encoding="utf-8"?>
+<p:sld xmlns:a="http://schemas.openxmlformats.org/drawingml/2006/main" xmlns:r="http://schemas.openxmlformats.org/officeDocument/2006/relationships" xmlns:p="http://schemas.openxmlformats.org/presentationml/2006/main">
+  <p:cSld>
+    <p:spTree>
+      <p:nvGrpSpPr>
+        <p:cNvPr id="1" name=""/>
+        <p:cNvGrpSpPr/>
+        <p:nvPr/>
+      </p:nvGrpSpPr>
+      <p:grpSpPr>
+        <a:xfrm>
+          <a:off x="0" y="0"/>
+          <a:ext cx="0" cy="0"/>
+          <a:chOff x="0" y="0"/>
+          <a:chExt cx="0" cy="0"/>
+        </a:xfrm>
+      </p:grpSpPr>
+      <p:grpSp>
+        <p:nvGrpSpPr>
+          <p:cNvPr id="100" name="Group 99">
+            <a:extLst>
+              <a:ext uri="{FF2B5EF4-FFF2-40B4-BE49-F238E27FC236}">
+                <a16:creationId xmlns:a16="http://schemas.microsoft.com/office/drawing/2014/main" id="{DA568649-7D19-491A-830B-F65557872492}"/>
+              </a:ext>
+            </a:extLst>
+          </p:cNvPr>
+          <p:cNvGrpSpPr/>
+          <p:nvPr/>
+        </p:nvGrpSpPr>
+        <p:grpSpPr>
+          <a:xfrm>
+            <a:off x="1162190" y="217599"/>
+            <a:ext cx="10301115" cy="6110474"/>
+            <a:chOff x="1162190" y="217599"/>
+            <a:chExt cx="10301115" cy="6110474"/>
+          </a:xfrm>
+        </p:grpSpPr>
+        <p:pic>
+          <p:nvPicPr>
+            <p:cNvPr id="5" name="Picture 4">
+              <a:extLst>
+                <a:ext uri="{FF2B5EF4-FFF2-40B4-BE49-F238E27FC236}">
+                  <a16:creationId xmlns:a16="http://schemas.microsoft.com/office/drawing/2014/main" id="{7303708F-6A75-491D-97F4-2BB9208F064B}"/>
+                </a:ext>
+              </a:extLst>
+            </p:cNvPr>
+            <p:cNvPicPr>
+              <a:picLocks noChangeAspect="1"/>
+            </p:cNvPicPr>
+            <p:nvPr/>
+          </p:nvPicPr>
+          <p:blipFill>
+            <a:blip r:embed="rId2">
+              <a:extLst>
+                <a:ext uri="{28A0092B-C50C-407E-A947-70E740481C1C}">
+                  <a14:useLocalDpi xmlns:a14="http://schemas.microsoft.com/office/drawing/2010/main" val="0"/>
+                </a:ext>
+              </a:extLst>
+            </a:blip>
+            <a:stretch>
+              <a:fillRect/>
+            </a:stretch>
+          </p:blipFill>
+          <p:spPr>
+            <a:xfrm>
+              <a:off x="7783562" y="5042098"/>
+              <a:ext cx="1219941" cy="1219941"/>
+            </a:xfrm>
+            <a:prstGeom prst="rect">
+              <a:avLst/>
+            </a:prstGeom>
+          </p:spPr>
+        </p:pic>
+        <p:pic>
+          <p:nvPicPr>
+            <p:cNvPr id="7" name="Picture 6">
+              <a:extLst>
+                <a:ext uri="{FF2B5EF4-FFF2-40B4-BE49-F238E27FC236}">
+                  <a16:creationId xmlns:a16="http://schemas.microsoft.com/office/drawing/2014/main" id="{E4819CB4-EFAF-49A7-9B80-16AF2DA2705D}"/>
+                </a:ext>
+              </a:extLst>
+            </p:cNvPr>
+            <p:cNvPicPr>
+              <a:picLocks noChangeAspect="1"/>
+            </p:cNvPicPr>
+            <p:nvPr/>
+          </p:nvPicPr>
+          <p:blipFill>
+            <a:blip r:embed="rId3">
+              <a:extLst>
+                <a:ext uri="{28A0092B-C50C-407E-A947-70E740481C1C}">
+                  <a14:useLocalDpi xmlns:a14="http://schemas.microsoft.com/office/drawing/2010/main" val="0"/>
+                </a:ext>
+              </a:extLst>
+            </a:blip>
+            <a:stretch>
+              <a:fillRect/>
+            </a:stretch>
+          </p:blipFill>
+          <p:spPr>
+            <a:xfrm>
+              <a:off x="9003503" y="5042099"/>
+              <a:ext cx="1219941" cy="1219941"/>
+            </a:xfrm>
+            <a:prstGeom prst="rect">
+              <a:avLst/>
+            </a:prstGeom>
+          </p:spPr>
+        </p:pic>
+        <p:pic>
+          <p:nvPicPr>
+            <p:cNvPr id="9" name="Picture 8">
+              <a:extLst>
+                <a:ext uri="{FF2B5EF4-FFF2-40B4-BE49-F238E27FC236}">
+                  <a16:creationId xmlns:a16="http://schemas.microsoft.com/office/drawing/2014/main" id="{4C56877D-38A1-4BE8-85CB-4B000E6E0889}"/>
+                </a:ext>
+              </a:extLst>
+            </p:cNvPr>
+            <p:cNvPicPr>
+              <a:picLocks noChangeAspect="1"/>
+            </p:cNvPicPr>
+            <p:nvPr/>
+          </p:nvPicPr>
+          <p:blipFill>
+            <a:blip r:embed="rId4">
+              <a:extLst>
+                <a:ext uri="{28A0092B-C50C-407E-A947-70E740481C1C}">
+                  <a14:useLocalDpi xmlns:a14="http://schemas.microsoft.com/office/drawing/2010/main" val="0"/>
+                </a:ext>
+              </a:extLst>
+            </a:blip>
+            <a:stretch>
+              <a:fillRect/>
+            </a:stretch>
+          </p:blipFill>
+          <p:spPr>
+            <a:xfrm>
+              <a:off x="6562632" y="5036400"/>
+              <a:ext cx="1225639" cy="1225639"/>
+            </a:xfrm>
+            <a:prstGeom prst="rect">
+              <a:avLst/>
+            </a:prstGeom>
+          </p:spPr>
+        </p:pic>
+        <p:pic>
+          <p:nvPicPr>
+            <p:cNvPr id="11" name="Picture 10">
+              <a:extLst>
+                <a:ext uri="{FF2B5EF4-FFF2-40B4-BE49-F238E27FC236}">
+                  <a16:creationId xmlns:a16="http://schemas.microsoft.com/office/drawing/2014/main" id="{91B7EAAB-78E9-4DDD-8780-938D62FF4E46}"/>
+                </a:ext>
+              </a:extLst>
+            </p:cNvPr>
+            <p:cNvPicPr>
+              <a:picLocks noChangeAspect="1"/>
+            </p:cNvPicPr>
+            <p:nvPr/>
+          </p:nvPicPr>
+          <p:blipFill>
+            <a:blip r:embed="rId5">
+              <a:extLst>
+                <a:ext uri="{28A0092B-C50C-407E-A947-70E740481C1C}">
+                  <a14:useLocalDpi xmlns:a14="http://schemas.microsoft.com/office/drawing/2010/main" val="0"/>
+                </a:ext>
+              </a:extLst>
+            </a:blip>
+            <a:stretch>
+              <a:fillRect/>
+            </a:stretch>
+          </p:blipFill>
+          <p:spPr>
+            <a:xfrm>
+              <a:off x="10223444" y="5042098"/>
+              <a:ext cx="1219942" cy="1219942"/>
+            </a:xfrm>
+            <a:prstGeom prst="rect">
+              <a:avLst/>
+            </a:prstGeom>
+          </p:spPr>
+        </p:pic>
+        <p:sp>
+          <p:nvSpPr>
+            <p:cNvPr id="12" name="Rectangle 11">
+              <a:extLst>
+                <a:ext uri="{FF2B5EF4-FFF2-40B4-BE49-F238E27FC236}">
+                  <a16:creationId xmlns:a16="http://schemas.microsoft.com/office/drawing/2014/main" id="{64EBB0FF-DAC5-4E8D-B4D0-B2A648FE0A14}"/>
+                </a:ext>
+              </a:extLst>
+            </p:cNvPr>
+            <p:cNvSpPr/>
+            <p:nvPr/>
+          </p:nvSpPr>
+          <p:spPr>
+            <a:xfrm>
+              <a:off x="6752158" y="1845976"/>
+              <a:ext cx="4711147" cy="2560967"/>
+            </a:xfrm>
+            <a:prstGeom prst="rect">
+              <a:avLst/>
+            </a:prstGeom>
+            <a:ln>
+              <a:prstDash val="lgDash"/>
+            </a:ln>
+          </p:spPr>
+          <p:style>
+            <a:lnRef idx="2">
+              <a:schemeClr val="dk1"/>
+            </a:lnRef>
+            <a:fillRef idx="1">
+              <a:schemeClr val="lt1"/>
+            </a:fillRef>
+            <a:effectRef idx="0">
+              <a:schemeClr val="dk1"/>
+            </a:effectRef>
+            <a:fontRef idx="minor">
+              <a:schemeClr val="dk1"/>
+            </a:fontRef>
+          </p:style>
+          <p:txBody>
+            <a:bodyPr rtlCol="0" anchor="ctr"/>
+            <a:lstStyle/>
+            <a:p>
+              <a:pPr algn="ctr"/>
+              <a:endParaRPr lang="en-US">
+                <a:ln>
+                  <a:solidFill>
+                    <a:schemeClr val="tx1"/>
+                  </a:solidFill>
+                  <a:prstDash val="sysDash"/>
+                </a:ln>
+              </a:endParaRPr>
+            </a:p>
+          </p:txBody>
+        </p:sp>
+        <p:cxnSp>
+          <p:nvCxnSpPr>
+            <p:cNvPr id="17" name="Straight Arrow Connector 16">
+              <a:extLst>
+                <a:ext uri="{FF2B5EF4-FFF2-40B4-BE49-F238E27FC236}">
+                  <a16:creationId xmlns:a16="http://schemas.microsoft.com/office/drawing/2014/main" id="{EFA19DFD-95BC-489E-83FD-C8C2C063B365}"/>
+                </a:ext>
+              </a:extLst>
+            </p:cNvPr>
+            <p:cNvCxnSpPr>
+              <a:cxnSpLocks/>
+            </p:cNvCxnSpPr>
+            <p:nvPr/>
+          </p:nvCxnSpPr>
+          <p:spPr>
+            <a:xfrm>
+              <a:off x="8393532" y="4511598"/>
+              <a:ext cx="1" cy="467280"/>
+            </a:xfrm>
+            <a:prstGeom prst="straightConnector1">
+              <a:avLst/>
+            </a:prstGeom>
+            <a:ln w="28575">
+              <a:headEnd type="triangle"/>
+              <a:tailEnd type="triangle"/>
+            </a:ln>
+          </p:spPr>
+          <p:style>
+            <a:lnRef idx="1">
+              <a:schemeClr val="dk1"/>
+            </a:lnRef>
+            <a:fillRef idx="0">
+              <a:schemeClr val="dk1"/>
+            </a:fillRef>
+            <a:effectRef idx="0">
+              <a:schemeClr val="dk1"/>
+            </a:effectRef>
+            <a:fontRef idx="minor">
+              <a:schemeClr val="tx1"/>
+            </a:fontRef>
+          </p:style>
+        </p:cxnSp>
+        <p:cxnSp>
+          <p:nvCxnSpPr>
+            <p:cNvPr id="25" name="Connector: Elbow 24">
+              <a:extLst>
+                <a:ext uri="{FF2B5EF4-FFF2-40B4-BE49-F238E27FC236}">
+                  <a16:creationId xmlns:a16="http://schemas.microsoft.com/office/drawing/2014/main" id="{D3FEDD43-9A19-4D33-8272-6E22B84AC768}"/>
+                </a:ext>
+              </a:extLst>
+            </p:cNvPr>
+            <p:cNvCxnSpPr>
+              <a:cxnSpLocks/>
+              <a:stCxn id="12" idx="1"/>
+              <a:endCxn id="35" idx="1"/>
+            </p:cNvCxnSpPr>
+            <p:nvPr/>
+          </p:nvCxnSpPr>
+          <p:spPr>
+            <a:xfrm rot="10800000">
+              <a:off x="5439844" y="2475434"/>
+              <a:ext cx="1312314" cy="651027"/>
+            </a:xfrm>
+            <a:prstGeom prst="bentConnector2">
+              <a:avLst/>
+            </a:prstGeom>
+            <a:ln w="28575">
+              <a:headEnd type="triangle" w="med" len="med"/>
+              <a:tailEnd type="triangle" w="med" len="med"/>
+            </a:ln>
+          </p:spPr>
+          <p:style>
+            <a:lnRef idx="1">
+              <a:schemeClr val="dk1"/>
+            </a:lnRef>
+            <a:fillRef idx="0">
+              <a:schemeClr val="dk1"/>
+            </a:fillRef>
+            <a:effectRef idx="0">
+              <a:schemeClr val="dk1"/>
+            </a:effectRef>
+            <a:fontRef idx="minor">
+              <a:schemeClr val="tx1"/>
+            </a:fontRef>
+          </p:style>
+        </p:cxnSp>
+        <p:sp>
+          <p:nvSpPr>
+            <p:cNvPr id="35" name="Cloud 34">
+              <a:extLst>
+                <a:ext uri="{FF2B5EF4-FFF2-40B4-BE49-F238E27FC236}">
+                  <a16:creationId xmlns:a16="http://schemas.microsoft.com/office/drawing/2014/main" id="{724E7F1B-CFCB-4114-9981-A25BEF711C99}"/>
+                </a:ext>
+              </a:extLst>
+            </p:cNvPr>
+            <p:cNvSpPr/>
+            <p:nvPr/>
+          </p:nvSpPr>
+          <p:spPr>
+            <a:xfrm>
+              <a:off x="4392922" y="1607438"/>
+              <a:ext cx="2093844" cy="868920"/>
+            </a:xfrm>
+            <a:prstGeom prst="cloud">
+              <a:avLst/>
+            </a:prstGeom>
+          </p:spPr>
+          <p:style>
+            <a:lnRef idx="2">
+              <a:schemeClr val="accent1">
+                <a:shade val="50000"/>
+              </a:schemeClr>
+            </a:lnRef>
+            <a:fillRef idx="1">
+              <a:schemeClr val="accent1"/>
+            </a:fillRef>
+            <a:effectRef idx="0">
+              <a:schemeClr val="accent1"/>
+            </a:effectRef>
+            <a:fontRef idx="minor">
+              <a:schemeClr val="lt1"/>
+            </a:fontRef>
+          </p:style>
+          <p:txBody>
+            <a:bodyPr rtlCol="0" anchor="ctr"/>
+            <a:lstStyle/>
+            <a:p>
+              <a:pPr algn="ctr"/>
+              <a:endParaRPr lang="en-US"/>
+            </a:p>
+          </p:txBody>
+        </p:sp>
+        <p:cxnSp>
+          <p:nvCxnSpPr>
+            <p:cNvPr id="39" name="Connector: Elbow 38">
+              <a:extLst>
+                <a:ext uri="{FF2B5EF4-FFF2-40B4-BE49-F238E27FC236}">
+                  <a16:creationId xmlns:a16="http://schemas.microsoft.com/office/drawing/2014/main" id="{2373D7C6-BB63-4B0B-B376-E7AFEB8306F1}"/>
+                </a:ext>
+              </a:extLst>
+            </p:cNvPr>
+            <p:cNvCxnSpPr>
+              <a:cxnSpLocks/>
+              <a:stCxn id="35" idx="3"/>
+              <a:endCxn id="41" idx="3"/>
+            </p:cNvCxnSpPr>
+            <p:nvPr/>
+          </p:nvCxnSpPr>
+          <p:spPr>
+            <a:xfrm rot="16200000" flipV="1">
+              <a:off x="4670263" y="887538"/>
+              <a:ext cx="492241" cy="1046922"/>
+            </a:xfrm>
+            <a:prstGeom prst="bentConnector2">
+              <a:avLst/>
+            </a:prstGeom>
+            <a:ln w="28575">
+              <a:headEnd type="triangle" w="med" len="med"/>
+              <a:tailEnd type="triangle" w="med" len="med"/>
+            </a:ln>
+          </p:spPr>
+          <p:style>
+            <a:lnRef idx="1">
+              <a:schemeClr val="dk1"/>
+            </a:lnRef>
+            <a:fillRef idx="0">
+              <a:schemeClr val="dk1"/>
+            </a:fillRef>
+            <a:effectRef idx="0">
+              <a:schemeClr val="dk1"/>
+            </a:effectRef>
+            <a:fontRef idx="minor">
+              <a:schemeClr val="tx1"/>
+            </a:fontRef>
+          </p:style>
+        </p:cxnSp>
+        <p:pic>
+          <p:nvPicPr>
+            <p:cNvPr id="41" name="Picture 40">
+              <a:extLst>
+                <a:ext uri="{FF2B5EF4-FFF2-40B4-BE49-F238E27FC236}">
+                  <a16:creationId xmlns:a16="http://schemas.microsoft.com/office/drawing/2014/main" id="{041AEB24-DA91-4392-A53E-13B0F7007C43}"/>
+                </a:ext>
+              </a:extLst>
+            </p:cNvPr>
+            <p:cNvPicPr>
+              <a:picLocks noChangeAspect="1"/>
+            </p:cNvPicPr>
+            <p:nvPr/>
+          </p:nvPicPr>
+          <p:blipFill>
+            <a:blip r:embed="rId6">
+              <a:extLst>
+                <a:ext uri="{28A0092B-C50C-407E-A947-70E740481C1C}">
+                  <a14:useLocalDpi xmlns:a14="http://schemas.microsoft.com/office/drawing/2010/main" val="0"/>
+                </a:ext>
+              </a:extLst>
+            </a:blip>
+            <a:stretch>
+              <a:fillRect/>
+            </a:stretch>
+          </p:blipFill>
+          <p:spPr>
+            <a:xfrm>
+              <a:off x="1162190" y="534713"/>
+              <a:ext cx="3230732" cy="1260330"/>
+            </a:xfrm>
+            <a:prstGeom prst="rect">
+              <a:avLst/>
+            </a:prstGeom>
+            <a:ln>
+              <a:solidFill>
+                <a:schemeClr val="accent1"/>
+              </a:solidFill>
+            </a:ln>
+          </p:spPr>
+        </p:pic>
+        <p:sp>
+          <p:nvSpPr>
+            <p:cNvPr id="45" name="Cloud 44">
+              <a:extLst>
+                <a:ext uri="{FF2B5EF4-FFF2-40B4-BE49-F238E27FC236}">
+                  <a16:creationId xmlns:a16="http://schemas.microsoft.com/office/drawing/2014/main" id="{6D2FB61F-A431-44AC-BD16-5489106B3AB1}"/>
+                </a:ext>
+              </a:extLst>
+            </p:cNvPr>
+            <p:cNvSpPr/>
+            <p:nvPr/>
+          </p:nvSpPr>
+          <p:spPr>
+            <a:xfrm>
+              <a:off x="2132810" y="2512149"/>
+              <a:ext cx="2093844" cy="868920"/>
+            </a:xfrm>
+            <a:prstGeom prst="cloud">
+              <a:avLst/>
+            </a:prstGeom>
+          </p:spPr>
+          <p:style>
+            <a:lnRef idx="2">
+              <a:schemeClr val="accent1">
+                <a:shade val="50000"/>
+              </a:schemeClr>
+            </a:lnRef>
+            <a:fillRef idx="1">
+              <a:schemeClr val="accent1"/>
+            </a:fillRef>
+            <a:effectRef idx="0">
+              <a:schemeClr val="accent1"/>
+            </a:effectRef>
+            <a:fontRef idx="minor">
+              <a:schemeClr val="lt1"/>
+            </a:fontRef>
+          </p:style>
+          <p:txBody>
+            <a:bodyPr rtlCol="0" anchor="ctr"/>
+            <a:lstStyle/>
+            <a:p>
+              <a:pPr algn="ctr"/>
+              <a:endParaRPr lang="en-US"/>
+            </a:p>
+          </p:txBody>
+        </p:sp>
+        <p:cxnSp>
+          <p:nvCxnSpPr>
+            <p:cNvPr id="47" name="Connector: Elbow 46">
+              <a:extLst>
+                <a:ext uri="{FF2B5EF4-FFF2-40B4-BE49-F238E27FC236}">
+                  <a16:creationId xmlns:a16="http://schemas.microsoft.com/office/drawing/2014/main" id="{9066014B-E5EF-46FD-A343-17791C45A0B0}"/>
+                </a:ext>
+              </a:extLst>
+            </p:cNvPr>
+            <p:cNvCxnSpPr>
+              <a:cxnSpLocks/>
+              <a:stCxn id="41" idx="2"/>
+              <a:endCxn id="45" idx="3"/>
+            </p:cNvCxnSpPr>
+            <p:nvPr/>
+          </p:nvCxnSpPr>
+          <p:spPr>
+            <a:xfrm rot="16200000" flipH="1">
+              <a:off x="2595251" y="1977348"/>
+              <a:ext cx="766787" cy="402176"/>
+            </a:xfrm>
+            <a:prstGeom prst="bentConnector3">
+              <a:avLst/>
+            </a:prstGeom>
+            <a:ln w="28575">
+              <a:headEnd type="triangle" w="med" len="med"/>
+              <a:tailEnd type="triangle" w="med" len="med"/>
+            </a:ln>
+          </p:spPr>
+          <p:style>
+            <a:lnRef idx="1">
+              <a:schemeClr val="dk1"/>
+            </a:lnRef>
+            <a:fillRef idx="0">
+              <a:schemeClr val="dk1"/>
+            </a:fillRef>
+            <a:effectRef idx="0">
+              <a:schemeClr val="dk1"/>
+            </a:effectRef>
+            <a:fontRef idx="minor">
+              <a:schemeClr val="tx1"/>
+            </a:fontRef>
+          </p:style>
+        </p:cxnSp>
+        <p:pic>
+          <p:nvPicPr>
+            <p:cNvPr id="49" name="Picture 48">
+              <a:extLst>
+                <a:ext uri="{FF2B5EF4-FFF2-40B4-BE49-F238E27FC236}">
+                  <a16:creationId xmlns:a16="http://schemas.microsoft.com/office/drawing/2014/main" id="{5E60736D-F25C-455B-8DEE-901FA3F8CDBA}"/>
+                </a:ext>
+              </a:extLst>
+            </p:cNvPr>
+            <p:cNvPicPr>
+              <a:picLocks noChangeAspect="1"/>
+            </p:cNvPicPr>
+            <p:nvPr/>
+          </p:nvPicPr>
+          <p:blipFill>
+            <a:blip r:embed="rId7">
+              <a:extLst>
+                <a:ext uri="{28A0092B-C50C-407E-A947-70E740481C1C}">
+                  <a14:useLocalDpi xmlns:a14="http://schemas.microsoft.com/office/drawing/2010/main" val="0"/>
+                </a:ext>
+              </a:extLst>
+            </a:blip>
+            <a:stretch>
+              <a:fillRect/>
+            </a:stretch>
+          </p:blipFill>
+          <p:spPr>
+            <a:xfrm>
+              <a:off x="2814926" y="4611799"/>
+              <a:ext cx="1716274" cy="1716274"/>
+            </a:xfrm>
+            <a:prstGeom prst="rect">
+              <a:avLst/>
+            </a:prstGeom>
+          </p:spPr>
+        </p:pic>
+        <p:pic>
+          <p:nvPicPr>
+            <p:cNvPr id="51" name="Picture 50">
+              <a:extLst>
+                <a:ext uri="{FF2B5EF4-FFF2-40B4-BE49-F238E27FC236}">
+                  <a16:creationId xmlns:a16="http://schemas.microsoft.com/office/drawing/2014/main" id="{4C1C6072-CA42-4FB0-8876-179EA1B47D5D}"/>
+                </a:ext>
+              </a:extLst>
+            </p:cNvPr>
+            <p:cNvPicPr>
+              <a:picLocks noChangeAspect="1"/>
+            </p:cNvPicPr>
+            <p:nvPr/>
+          </p:nvPicPr>
+          <p:blipFill>
+            <a:blip r:embed="rId8">
+              <a:extLst>
+                <a:ext uri="{28A0092B-C50C-407E-A947-70E740481C1C}">
+                  <a14:useLocalDpi xmlns:a14="http://schemas.microsoft.com/office/drawing/2010/main" val="0"/>
+                </a:ext>
+              </a:extLst>
+            </a:blip>
+            <a:stretch>
+              <a:fillRect/>
+            </a:stretch>
+          </p:blipFill>
+          <p:spPr>
+            <a:xfrm>
+              <a:off x="1162190" y="4611800"/>
+              <a:ext cx="1797808" cy="1711488"/>
+            </a:xfrm>
+            <a:prstGeom prst="rect">
+              <a:avLst/>
+            </a:prstGeom>
+          </p:spPr>
+        </p:pic>
+        <p:cxnSp>
+          <p:nvCxnSpPr>
+            <p:cNvPr id="53" name="Connector: Elbow 52">
+              <a:extLst>
+                <a:ext uri="{FF2B5EF4-FFF2-40B4-BE49-F238E27FC236}">
+                  <a16:creationId xmlns:a16="http://schemas.microsoft.com/office/drawing/2014/main" id="{083258E2-B3AF-449A-ADE0-550BA13DEF8E}"/>
+                </a:ext>
+              </a:extLst>
+            </p:cNvPr>
+            <p:cNvCxnSpPr>
+              <a:cxnSpLocks/>
+              <a:endCxn id="51" idx="0"/>
+            </p:cNvCxnSpPr>
+            <p:nvPr/>
+          </p:nvCxnSpPr>
+          <p:spPr>
+            <a:xfrm rot="5400000">
+              <a:off x="1760329" y="3645376"/>
+              <a:ext cx="1267190" cy="665659"/>
+            </a:xfrm>
+            <a:prstGeom prst="bentConnector3">
+              <a:avLst/>
+            </a:prstGeom>
+            <a:ln w="28575">
+              <a:headEnd type="triangle" w="med" len="med"/>
+              <a:tailEnd type="triangle" w="med" len="med"/>
+            </a:ln>
+          </p:spPr>
+          <p:style>
+            <a:lnRef idx="1">
+              <a:schemeClr val="dk1"/>
+            </a:lnRef>
+            <a:fillRef idx="0">
+              <a:schemeClr val="dk1"/>
+            </a:fillRef>
+            <a:effectRef idx="0">
+              <a:schemeClr val="dk1"/>
+            </a:effectRef>
+            <a:fontRef idx="minor">
+              <a:schemeClr val="tx1"/>
+            </a:fontRef>
+          </p:style>
+        </p:cxnSp>
+        <p:pic>
+          <p:nvPicPr>
+            <p:cNvPr id="64" name="Picture 63">
+              <a:extLst>
+                <a:ext uri="{FF2B5EF4-FFF2-40B4-BE49-F238E27FC236}">
+                  <a16:creationId xmlns:a16="http://schemas.microsoft.com/office/drawing/2014/main" id="{391537D6-AE30-4132-83E8-668754C7F7E0}"/>
+                </a:ext>
+              </a:extLst>
+            </p:cNvPr>
+            <p:cNvPicPr>
+              <a:picLocks noChangeAspect="1"/>
+            </p:cNvPicPr>
+            <p:nvPr/>
+          </p:nvPicPr>
+          <p:blipFill>
+            <a:blip r:embed="rId9">
+              <a:extLst>
+                <a:ext uri="{28A0092B-C50C-407E-A947-70E740481C1C}">
+                  <a14:useLocalDpi xmlns:a14="http://schemas.microsoft.com/office/drawing/2010/main" val="0"/>
+                </a:ext>
+              </a:extLst>
+            </a:blip>
+            <a:stretch>
+              <a:fillRect/>
+            </a:stretch>
+          </p:blipFill>
+          <p:spPr>
+            <a:xfrm>
+              <a:off x="7520690" y="229427"/>
+              <a:ext cx="1219392" cy="1219392"/>
+            </a:xfrm>
+            <a:prstGeom prst="rect">
+              <a:avLst/>
+            </a:prstGeom>
+          </p:spPr>
+        </p:pic>
+        <p:pic>
+          <p:nvPicPr>
+            <p:cNvPr id="66" name="Picture 65">
+              <a:extLst>
+                <a:ext uri="{FF2B5EF4-FFF2-40B4-BE49-F238E27FC236}">
+                  <a16:creationId xmlns:a16="http://schemas.microsoft.com/office/drawing/2014/main" id="{60611E3F-1003-4F53-B856-6FBFDDDACEDB}"/>
+                </a:ext>
+              </a:extLst>
+            </p:cNvPr>
+            <p:cNvPicPr>
+              <a:picLocks noChangeAspect="1"/>
+            </p:cNvPicPr>
+            <p:nvPr/>
+          </p:nvPicPr>
+          <p:blipFill>
+            <a:blip r:embed="rId10">
+              <a:extLst>
+                <a:ext uri="{28A0092B-C50C-407E-A947-70E740481C1C}">
+                  <a14:useLocalDpi xmlns:a14="http://schemas.microsoft.com/office/drawing/2010/main" val="0"/>
+                </a:ext>
+              </a:extLst>
+            </a:blip>
+            <a:stretch>
+              <a:fillRect/>
+            </a:stretch>
+          </p:blipFill>
+          <p:spPr>
+            <a:xfrm>
+              <a:off x="9389508" y="217599"/>
+              <a:ext cx="1219397" cy="1219397"/>
+            </a:xfrm>
+            <a:prstGeom prst="rect">
+              <a:avLst/>
+            </a:prstGeom>
+          </p:spPr>
+        </p:pic>
+        <p:cxnSp>
+          <p:nvCxnSpPr>
+            <p:cNvPr id="76" name="Straight Arrow Connector 75">
+              <a:extLst>
+                <a:ext uri="{FF2B5EF4-FFF2-40B4-BE49-F238E27FC236}">
+                  <a16:creationId xmlns:a16="http://schemas.microsoft.com/office/drawing/2014/main" id="{04690688-CD6E-4D0A-93E0-CF33A449250F}"/>
+                </a:ext>
+              </a:extLst>
+            </p:cNvPr>
+            <p:cNvCxnSpPr>
+              <a:cxnSpLocks/>
+            </p:cNvCxnSpPr>
+            <p:nvPr/>
+          </p:nvCxnSpPr>
+          <p:spPr>
+            <a:xfrm>
+              <a:off x="7175450" y="4493436"/>
+              <a:ext cx="1" cy="467280"/>
+            </a:xfrm>
+            <a:prstGeom prst="straightConnector1">
+              <a:avLst/>
+            </a:prstGeom>
+            <a:ln w="28575">
+              <a:headEnd type="triangle"/>
+              <a:tailEnd type="triangle"/>
+            </a:ln>
+          </p:spPr>
+          <p:style>
+            <a:lnRef idx="1">
+              <a:schemeClr val="dk1"/>
+            </a:lnRef>
+            <a:fillRef idx="0">
+              <a:schemeClr val="dk1"/>
+            </a:fillRef>
+            <a:effectRef idx="0">
+              <a:schemeClr val="dk1"/>
+            </a:effectRef>
+            <a:fontRef idx="minor">
+              <a:schemeClr val="tx1"/>
+            </a:fontRef>
+          </p:style>
+        </p:cxnSp>
+        <p:cxnSp>
+          <p:nvCxnSpPr>
+            <p:cNvPr id="77" name="Straight Arrow Connector 76">
+              <a:extLst>
+                <a:ext uri="{FF2B5EF4-FFF2-40B4-BE49-F238E27FC236}">
+                  <a16:creationId xmlns:a16="http://schemas.microsoft.com/office/drawing/2014/main" id="{A1AA448B-E5A7-471D-9C0E-62A43542A7D6}"/>
+                </a:ext>
+              </a:extLst>
+            </p:cNvPr>
+            <p:cNvCxnSpPr>
+              <a:cxnSpLocks/>
+            </p:cNvCxnSpPr>
+            <p:nvPr/>
+          </p:nvCxnSpPr>
+          <p:spPr>
+            <a:xfrm>
+              <a:off x="10797441" y="4508578"/>
+              <a:ext cx="1" cy="467280"/>
+            </a:xfrm>
+            <a:prstGeom prst="straightConnector1">
+              <a:avLst/>
+            </a:prstGeom>
+            <a:ln w="28575">
+              <a:headEnd type="triangle"/>
+              <a:tailEnd type="triangle"/>
+            </a:ln>
+          </p:spPr>
+          <p:style>
+            <a:lnRef idx="1">
+              <a:schemeClr val="dk1"/>
+            </a:lnRef>
+            <a:fillRef idx="0">
+              <a:schemeClr val="dk1"/>
+            </a:fillRef>
+            <a:effectRef idx="0">
+              <a:schemeClr val="dk1"/>
+            </a:effectRef>
+            <a:fontRef idx="minor">
+              <a:schemeClr val="tx1"/>
+            </a:fontRef>
+          </p:style>
+        </p:cxnSp>
+        <p:cxnSp>
+          <p:nvCxnSpPr>
+            <p:cNvPr id="78" name="Straight Arrow Connector 77">
+              <a:extLst>
+                <a:ext uri="{FF2B5EF4-FFF2-40B4-BE49-F238E27FC236}">
+                  <a16:creationId xmlns:a16="http://schemas.microsoft.com/office/drawing/2014/main" id="{BB850EE4-DF9B-4234-88C6-1027F83EE398}"/>
+                </a:ext>
+              </a:extLst>
+            </p:cNvPr>
+            <p:cNvCxnSpPr>
+              <a:cxnSpLocks/>
+            </p:cNvCxnSpPr>
+            <p:nvPr/>
+          </p:nvCxnSpPr>
+          <p:spPr>
+            <a:xfrm>
+              <a:off x="9579359" y="4490416"/>
+              <a:ext cx="1" cy="467280"/>
+            </a:xfrm>
+            <a:prstGeom prst="straightConnector1">
+              <a:avLst/>
+            </a:prstGeom>
+            <a:ln w="28575">
+              <a:headEnd type="triangle"/>
+              <a:tailEnd type="triangle"/>
+            </a:ln>
+          </p:spPr>
+          <p:style>
+            <a:lnRef idx="1">
+              <a:schemeClr val="dk1"/>
+            </a:lnRef>
+            <a:fillRef idx="0">
+              <a:schemeClr val="dk1"/>
+            </a:fillRef>
+            <a:effectRef idx="0">
+              <a:schemeClr val="dk1"/>
+            </a:effectRef>
+            <a:fontRef idx="minor">
+              <a:schemeClr val="tx1"/>
+            </a:fontRef>
+          </p:style>
+        </p:cxnSp>
+        <p:cxnSp>
+          <p:nvCxnSpPr>
+            <p:cNvPr id="79" name="Straight Arrow Connector 78">
+              <a:extLst>
+                <a:ext uri="{FF2B5EF4-FFF2-40B4-BE49-F238E27FC236}">
+                  <a16:creationId xmlns:a16="http://schemas.microsoft.com/office/drawing/2014/main" id="{5BF0E98D-3ECD-4481-B818-FAE12B9CE247}"/>
+                </a:ext>
+              </a:extLst>
+            </p:cNvPr>
+            <p:cNvCxnSpPr>
+              <a:cxnSpLocks/>
+            </p:cNvCxnSpPr>
+            <p:nvPr/>
+          </p:nvCxnSpPr>
+          <p:spPr>
+            <a:xfrm>
+              <a:off x="9999206" y="1351827"/>
+              <a:ext cx="1" cy="467280"/>
+            </a:xfrm>
+            <a:prstGeom prst="straightConnector1">
+              <a:avLst/>
+            </a:prstGeom>
+            <a:ln w="28575">
+              <a:headEnd type="triangle"/>
+              <a:tailEnd type="triangle"/>
+            </a:ln>
+          </p:spPr>
+          <p:style>
+            <a:lnRef idx="1">
+              <a:schemeClr val="dk1"/>
+            </a:lnRef>
+            <a:fillRef idx="0">
+              <a:schemeClr val="dk1"/>
+            </a:fillRef>
+            <a:effectRef idx="0">
+              <a:schemeClr val="dk1"/>
+            </a:effectRef>
+            <a:fontRef idx="minor">
+              <a:schemeClr val="tx1"/>
+            </a:fontRef>
+          </p:style>
+        </p:cxnSp>
+        <p:cxnSp>
+          <p:nvCxnSpPr>
+            <p:cNvPr id="80" name="Straight Arrow Connector 79">
+              <a:extLst>
+                <a:ext uri="{FF2B5EF4-FFF2-40B4-BE49-F238E27FC236}">
+                  <a16:creationId xmlns:a16="http://schemas.microsoft.com/office/drawing/2014/main" id="{B1E13DA0-867D-45FA-AB66-D0E92F156B3B}"/>
+                </a:ext>
+              </a:extLst>
+            </p:cNvPr>
+            <p:cNvCxnSpPr>
+              <a:cxnSpLocks/>
+            </p:cNvCxnSpPr>
+            <p:nvPr/>
+          </p:nvCxnSpPr>
+          <p:spPr>
+            <a:xfrm>
+              <a:off x="8131041" y="1348604"/>
+              <a:ext cx="1" cy="467280"/>
+            </a:xfrm>
+            <a:prstGeom prst="straightConnector1">
+              <a:avLst/>
+            </a:prstGeom>
+            <a:ln w="28575">
+              <a:headEnd type="triangle"/>
+              <a:tailEnd type="triangle"/>
+            </a:ln>
+          </p:spPr>
+          <p:style>
+            <a:lnRef idx="1">
+              <a:schemeClr val="dk1"/>
+            </a:lnRef>
+            <a:fillRef idx="0">
+              <a:schemeClr val="dk1"/>
+            </a:fillRef>
+            <a:effectRef idx="0">
+              <a:schemeClr val="dk1"/>
+            </a:effectRef>
+            <a:fontRef idx="minor">
+              <a:schemeClr val="tx1"/>
+            </a:fontRef>
+          </p:style>
+        </p:cxnSp>
+        <p:pic>
+          <p:nvPicPr>
+            <p:cNvPr id="82" name="Picture 81">
+              <a:extLst>
+                <a:ext uri="{FF2B5EF4-FFF2-40B4-BE49-F238E27FC236}">
+                  <a16:creationId xmlns:a16="http://schemas.microsoft.com/office/drawing/2014/main" id="{7F75AC39-78B8-4CE8-819D-5580E5DE0D2A}"/>
+                </a:ext>
+              </a:extLst>
+            </p:cNvPr>
+            <p:cNvPicPr>
+              <a:picLocks noChangeAspect="1"/>
+            </p:cNvPicPr>
+            <p:nvPr/>
+          </p:nvPicPr>
+          <p:blipFill>
+            <a:blip r:embed="rId11">
+              <a:extLst>
+                <a:ext uri="{28A0092B-C50C-407E-A947-70E740481C1C}">
+                  <a14:useLocalDpi xmlns:a14="http://schemas.microsoft.com/office/drawing/2010/main" val="0"/>
+                </a:ext>
+              </a:extLst>
+            </a:blip>
+            <a:stretch>
+              <a:fillRect/>
+            </a:stretch>
+          </p:blipFill>
+          <p:spPr>
+            <a:xfrm>
+              <a:off x="7097564" y="1975434"/>
+              <a:ext cx="4011195" cy="2302050"/>
+            </a:xfrm>
+            <a:prstGeom prst="rect">
+              <a:avLst/>
+            </a:prstGeom>
+          </p:spPr>
+        </p:pic>
+        <p:cxnSp>
+          <p:nvCxnSpPr>
+            <p:cNvPr id="94" name="Straight Arrow Connector 93">
+              <a:extLst>
+                <a:ext uri="{FF2B5EF4-FFF2-40B4-BE49-F238E27FC236}">
+                  <a16:creationId xmlns:a16="http://schemas.microsoft.com/office/drawing/2014/main" id="{08C38AA7-31F6-48B8-AEA7-A678CE9D1DD9}"/>
+                </a:ext>
+              </a:extLst>
+            </p:cNvPr>
+            <p:cNvCxnSpPr>
+              <a:cxnSpLocks/>
+              <a:endCxn id="49" idx="0"/>
+            </p:cNvCxnSpPr>
+            <p:nvPr/>
+          </p:nvCxnSpPr>
+          <p:spPr>
+            <a:xfrm>
+              <a:off x="3673063" y="3316932"/>
+              <a:ext cx="0" cy="1294867"/>
+            </a:xfrm>
+            <a:prstGeom prst="straightConnector1">
+              <a:avLst/>
+            </a:prstGeom>
+            <a:ln w="28575">
+              <a:headEnd type="triangle" w="med" len="med"/>
+              <a:tailEnd type="triangle" w="med" len="med"/>
+            </a:ln>
+          </p:spPr>
+          <p:style>
+            <a:lnRef idx="1">
+              <a:schemeClr val="dk1"/>
+            </a:lnRef>
+            <a:fillRef idx="0">
+              <a:schemeClr val="dk1"/>
+            </a:fillRef>
+            <a:effectRef idx="0">
+              <a:schemeClr val="dk1"/>
+            </a:effectRef>
+            <a:fontRef idx="minor">
+              <a:schemeClr val="tx1"/>
+            </a:fontRef>
+          </p:style>
+        </p:cxnSp>
+      </p:grpSp>
+    </p:spTree>
+    <p:extLst>
+      <p:ext uri="{BB962C8B-B14F-4D97-AF65-F5344CB8AC3E}">
+        <p14:creationId xmlns:p14="http://schemas.microsoft.com/office/powerpoint/2010/main" val="1366606479"/>
       </p:ext>
     </p:extLst>
   </p:cSld>

--- a/mohinhsodo.pptx
+++ b/mohinhsodo.pptx
@@ -13,6 +13,9 @@
     <p:sldId id="261" r:id="rId7"/>
     <p:sldId id="262" r:id="rId8"/>
     <p:sldId id="263" r:id="rId9"/>
+    <p:sldId id="264" r:id="rId10"/>
+    <p:sldId id="265" r:id="rId11"/>
+    <p:sldId id="266" r:id="rId12"/>
   </p:sldIdLst>
   <p:sldSz cx="12192000" cy="6858000"/>
   <p:notesSz cx="6858000" cy="9144000"/>
@@ -266,7 +269,7 @@
           <a:p>
             <a:fld id="{E9A477DE-2A49-4315-B0F5-CB129B6ABD66}" type="datetimeFigureOut">
               <a:rPr lang="en-US" smtClean="0"/>
-              <a:t>11/15/2018</a:t>
+              <a:t>11/17/2018</a:t>
             </a:fld>
             <a:endParaRPr lang="en-US"/>
           </a:p>
@@ -464,7 +467,7 @@
           <a:p>
             <a:fld id="{E9A477DE-2A49-4315-B0F5-CB129B6ABD66}" type="datetimeFigureOut">
               <a:rPr lang="en-US" smtClean="0"/>
-              <a:t>11/15/2018</a:t>
+              <a:t>11/17/2018</a:t>
             </a:fld>
             <a:endParaRPr lang="en-US"/>
           </a:p>
@@ -672,7 +675,7 @@
           <a:p>
             <a:fld id="{E9A477DE-2A49-4315-B0F5-CB129B6ABD66}" type="datetimeFigureOut">
               <a:rPr lang="en-US" smtClean="0"/>
-              <a:t>11/15/2018</a:t>
+              <a:t>11/17/2018</a:t>
             </a:fld>
             <a:endParaRPr lang="en-US"/>
           </a:p>
@@ -870,7 +873,7 @@
           <a:p>
             <a:fld id="{E9A477DE-2A49-4315-B0F5-CB129B6ABD66}" type="datetimeFigureOut">
               <a:rPr lang="en-US" smtClean="0"/>
-              <a:t>11/15/2018</a:t>
+              <a:t>11/17/2018</a:t>
             </a:fld>
             <a:endParaRPr lang="en-US"/>
           </a:p>
@@ -1145,7 +1148,7 @@
           <a:p>
             <a:fld id="{E9A477DE-2A49-4315-B0F5-CB129B6ABD66}" type="datetimeFigureOut">
               <a:rPr lang="en-US" smtClean="0"/>
-              <a:t>11/15/2018</a:t>
+              <a:t>11/17/2018</a:t>
             </a:fld>
             <a:endParaRPr lang="en-US"/>
           </a:p>
@@ -1410,7 +1413,7 @@
           <a:p>
             <a:fld id="{E9A477DE-2A49-4315-B0F5-CB129B6ABD66}" type="datetimeFigureOut">
               <a:rPr lang="en-US" smtClean="0"/>
-              <a:t>11/15/2018</a:t>
+              <a:t>11/17/2018</a:t>
             </a:fld>
             <a:endParaRPr lang="en-US"/>
           </a:p>
@@ -1822,7 +1825,7 @@
           <a:p>
             <a:fld id="{E9A477DE-2A49-4315-B0F5-CB129B6ABD66}" type="datetimeFigureOut">
               <a:rPr lang="en-US" smtClean="0"/>
-              <a:t>11/15/2018</a:t>
+              <a:t>11/17/2018</a:t>
             </a:fld>
             <a:endParaRPr lang="en-US"/>
           </a:p>
@@ -1963,7 +1966,7 @@
           <a:p>
             <a:fld id="{E9A477DE-2A49-4315-B0F5-CB129B6ABD66}" type="datetimeFigureOut">
               <a:rPr lang="en-US" smtClean="0"/>
-              <a:t>11/15/2018</a:t>
+              <a:t>11/17/2018</a:t>
             </a:fld>
             <a:endParaRPr lang="en-US"/>
           </a:p>
@@ -2076,7 +2079,7 @@
           <a:p>
             <a:fld id="{E9A477DE-2A49-4315-B0F5-CB129B6ABD66}" type="datetimeFigureOut">
               <a:rPr lang="en-US" smtClean="0"/>
-              <a:t>11/15/2018</a:t>
+              <a:t>11/17/2018</a:t>
             </a:fld>
             <a:endParaRPr lang="en-US"/>
           </a:p>
@@ -2387,7 +2390,7 @@
           <a:p>
             <a:fld id="{E9A477DE-2A49-4315-B0F5-CB129B6ABD66}" type="datetimeFigureOut">
               <a:rPr lang="en-US" smtClean="0"/>
-              <a:t>11/15/2018</a:t>
+              <a:t>11/17/2018</a:t>
             </a:fld>
             <a:endParaRPr lang="en-US"/>
           </a:p>
@@ -2675,7 +2678,7 @@
           <a:p>
             <a:fld id="{E9A477DE-2A49-4315-B0F5-CB129B6ABD66}" type="datetimeFigureOut">
               <a:rPr lang="en-US" smtClean="0"/>
-              <a:t>11/15/2018</a:t>
+              <a:t>11/17/2018</a:t>
             </a:fld>
             <a:endParaRPr lang="en-US"/>
           </a:p>
@@ -2916,7 +2919,7 @@
           <a:p>
             <a:fld id="{E9A477DE-2A49-4315-B0F5-CB129B6ABD66}" type="datetimeFigureOut">
               <a:rPr lang="en-US" smtClean="0"/>
-              <a:t>11/15/2018</a:t>
+              <a:t>11/17/2018</a:t>
             </a:fld>
             <a:endParaRPr lang="en-US"/>
           </a:p>
@@ -4066,6 +4069,1994 @@
     <p:extLst>
       <p:ext uri="{BB962C8B-B14F-4D97-AF65-F5344CB8AC3E}">
         <p14:creationId xmlns:p14="http://schemas.microsoft.com/office/powerpoint/2010/main" val="4205033073"/>
+      </p:ext>
+    </p:extLst>
+  </p:cSld>
+  <p:clrMapOvr>
+    <a:masterClrMapping/>
+  </p:clrMapOvr>
+</p:sld>
+</file>
+
+<file path=ppt/slides/slide10.xml><?xml version="1.0" encoding="utf-8"?>
+<p:sld xmlns:a="http://schemas.openxmlformats.org/drawingml/2006/main" xmlns:r="http://schemas.openxmlformats.org/officeDocument/2006/relationships" xmlns:p="http://schemas.openxmlformats.org/presentationml/2006/main">
+  <p:cSld>
+    <p:spTree>
+      <p:nvGrpSpPr>
+        <p:cNvPr id="1" name=""/>
+        <p:cNvGrpSpPr/>
+        <p:nvPr/>
+      </p:nvGrpSpPr>
+      <p:grpSpPr>
+        <a:xfrm>
+          <a:off x="0" y="0"/>
+          <a:ext cx="0" cy="0"/>
+          <a:chOff x="0" y="0"/>
+          <a:chExt cx="0" cy="0"/>
+        </a:xfrm>
+      </p:grpSpPr>
+      <p:grpSp>
+        <p:nvGrpSpPr>
+          <p:cNvPr id="80" name="Group 79">
+            <a:extLst>
+              <a:ext uri="{FF2B5EF4-FFF2-40B4-BE49-F238E27FC236}">
+                <a16:creationId xmlns:a16="http://schemas.microsoft.com/office/drawing/2014/main" id="{E5096AFE-42B0-48C5-90C4-FC6458A2E0F8}"/>
+              </a:ext>
+            </a:extLst>
+          </p:cNvPr>
+          <p:cNvGrpSpPr/>
+          <p:nvPr/>
+        </p:nvGrpSpPr>
+        <p:grpSpPr>
+          <a:xfrm>
+            <a:off x="417714" y="1254776"/>
+            <a:ext cx="9633242" cy="3797932"/>
+            <a:chOff x="417714" y="1254776"/>
+            <a:chExt cx="9633242" cy="3797932"/>
+          </a:xfrm>
+        </p:grpSpPr>
+        <p:sp>
+          <p:nvSpPr>
+            <p:cNvPr id="5" name="Flowchart: Terminator 4">
+              <a:extLst>
+                <a:ext uri="{FF2B5EF4-FFF2-40B4-BE49-F238E27FC236}">
+                  <a16:creationId xmlns:a16="http://schemas.microsoft.com/office/drawing/2014/main" id="{E39BF1EF-73B4-4540-A165-BD18E14030C0}"/>
+                </a:ext>
+              </a:extLst>
+            </p:cNvPr>
+            <p:cNvSpPr/>
+            <p:nvPr/>
+          </p:nvSpPr>
+          <p:spPr>
+            <a:xfrm>
+              <a:off x="2034242" y="1254776"/>
+              <a:ext cx="1013758" cy="729342"/>
+            </a:xfrm>
+            <a:prstGeom prst="flowChartTerminator">
+              <a:avLst/>
+            </a:prstGeom>
+          </p:spPr>
+          <p:style>
+            <a:lnRef idx="1">
+              <a:schemeClr val="accent1"/>
+            </a:lnRef>
+            <a:fillRef idx="2">
+              <a:schemeClr val="accent1"/>
+            </a:fillRef>
+            <a:effectRef idx="1">
+              <a:schemeClr val="accent1"/>
+            </a:effectRef>
+            <a:fontRef idx="minor">
+              <a:schemeClr val="dk1"/>
+            </a:fontRef>
+          </p:style>
+          <p:txBody>
+            <a:bodyPr rtlCol="0" anchor="ctr"/>
+            <a:lstStyle/>
+            <a:p>
+              <a:pPr algn="ctr"/>
+              <a:r>
+                <a:rPr lang="en-US">
+                  <a:solidFill>
+                    <a:schemeClr val="tx1"/>
+                  </a:solidFill>
+                  <a:latin typeface="Times New Roman" panose="02020603050405020304" pitchFamily="18" charset="0"/>
+                  <a:cs typeface="Times New Roman" panose="02020603050405020304" pitchFamily="18" charset="0"/>
+                </a:rPr>
+                <a:t>div</a:t>
+              </a:r>
+            </a:p>
+          </p:txBody>
+        </p:sp>
+        <p:sp>
+          <p:nvSpPr>
+            <p:cNvPr id="6" name="Flowchart: Terminator 5">
+              <a:extLst>
+                <a:ext uri="{FF2B5EF4-FFF2-40B4-BE49-F238E27FC236}">
+                  <a16:creationId xmlns:a16="http://schemas.microsoft.com/office/drawing/2014/main" id="{96EDF41E-1DD1-4974-9EF4-10066E103009}"/>
+                </a:ext>
+              </a:extLst>
+            </p:cNvPr>
+            <p:cNvSpPr/>
+            <p:nvPr/>
+          </p:nvSpPr>
+          <p:spPr>
+            <a:xfrm>
+              <a:off x="417714" y="2550176"/>
+              <a:ext cx="1128058" cy="729342"/>
+            </a:xfrm>
+            <a:prstGeom prst="flowChartTerminator">
+              <a:avLst/>
+            </a:prstGeom>
+          </p:spPr>
+          <p:style>
+            <a:lnRef idx="1">
+              <a:schemeClr val="accent1"/>
+            </a:lnRef>
+            <a:fillRef idx="2">
+              <a:schemeClr val="accent1"/>
+            </a:fillRef>
+            <a:effectRef idx="1">
+              <a:schemeClr val="accent1"/>
+            </a:effectRef>
+            <a:fontRef idx="minor">
+              <a:schemeClr val="dk1"/>
+            </a:fontRef>
+          </p:style>
+          <p:txBody>
+            <a:bodyPr rtlCol="0" anchor="ctr"/>
+            <a:lstStyle/>
+            <a:p>
+              <a:pPr algn="ctr"/>
+              <a:r>
+                <a:rPr lang="en-US">
+                  <a:solidFill>
+                    <a:schemeClr val="tx1"/>
+                  </a:solidFill>
+                  <a:latin typeface="Times New Roman" panose="02020603050405020304" pitchFamily="18" charset="0"/>
+                  <a:cs typeface="Times New Roman" panose="02020603050405020304" pitchFamily="18" charset="0"/>
+                </a:rPr>
+                <a:t>p</a:t>
+              </a:r>
+            </a:p>
+          </p:txBody>
+        </p:sp>
+        <p:sp>
+          <p:nvSpPr>
+            <p:cNvPr id="7" name="Flowchart: Terminator 6">
+              <a:extLst>
+                <a:ext uri="{FF2B5EF4-FFF2-40B4-BE49-F238E27FC236}">
+                  <a16:creationId xmlns:a16="http://schemas.microsoft.com/office/drawing/2014/main" id="{CCD1133C-1D80-4D1B-8AC2-C8EE7CE539C2}"/>
+                </a:ext>
+              </a:extLst>
+            </p:cNvPr>
+            <p:cNvSpPr/>
+            <p:nvPr/>
+          </p:nvSpPr>
+          <p:spPr>
+            <a:xfrm>
+              <a:off x="2052651" y="2550176"/>
+              <a:ext cx="1013758" cy="729342"/>
+            </a:xfrm>
+            <a:prstGeom prst="flowChartTerminator">
+              <a:avLst/>
+            </a:prstGeom>
+          </p:spPr>
+          <p:style>
+            <a:lnRef idx="1">
+              <a:schemeClr val="accent1"/>
+            </a:lnRef>
+            <a:fillRef idx="2">
+              <a:schemeClr val="accent1"/>
+            </a:fillRef>
+            <a:effectRef idx="1">
+              <a:schemeClr val="accent1"/>
+            </a:effectRef>
+            <a:fontRef idx="minor">
+              <a:schemeClr val="dk1"/>
+            </a:fontRef>
+          </p:style>
+          <p:txBody>
+            <a:bodyPr rtlCol="0" anchor="ctr"/>
+            <a:lstStyle/>
+            <a:p>
+              <a:pPr algn="ctr"/>
+              <a:r>
+                <a:rPr lang="en-US">
+                  <a:solidFill>
+                    <a:schemeClr val="tx1"/>
+                  </a:solidFill>
+                  <a:latin typeface="Times New Roman" panose="02020603050405020304" pitchFamily="18" charset="0"/>
+                  <a:cs typeface="Times New Roman" panose="02020603050405020304" pitchFamily="18" charset="0"/>
+                </a:rPr>
+                <a:t>h1</a:t>
+              </a:r>
+            </a:p>
+          </p:txBody>
+        </p:sp>
+        <p:cxnSp>
+          <p:nvCxnSpPr>
+            <p:cNvPr id="10" name="Straight Arrow Connector 9">
+              <a:extLst>
+                <a:ext uri="{FF2B5EF4-FFF2-40B4-BE49-F238E27FC236}">
+                  <a16:creationId xmlns:a16="http://schemas.microsoft.com/office/drawing/2014/main" id="{EE760363-915E-45DD-B99B-8A5E27F6FDF4}"/>
+                </a:ext>
+              </a:extLst>
+            </p:cNvPr>
+            <p:cNvCxnSpPr>
+              <a:cxnSpLocks/>
+              <a:stCxn id="5" idx="2"/>
+              <a:endCxn id="6" idx="0"/>
+            </p:cNvCxnSpPr>
+            <p:nvPr/>
+          </p:nvCxnSpPr>
+          <p:spPr>
+            <a:xfrm flipH="1">
+              <a:off x="981743" y="1984118"/>
+              <a:ext cx="1559378" cy="566058"/>
+            </a:xfrm>
+            <a:prstGeom prst="straightConnector1">
+              <a:avLst/>
+            </a:prstGeom>
+            <a:ln>
+              <a:tailEnd type="triangle"/>
+            </a:ln>
+          </p:spPr>
+          <p:style>
+            <a:lnRef idx="1">
+              <a:schemeClr val="dk1"/>
+            </a:lnRef>
+            <a:fillRef idx="0">
+              <a:schemeClr val="dk1"/>
+            </a:fillRef>
+            <a:effectRef idx="0">
+              <a:schemeClr val="dk1"/>
+            </a:effectRef>
+            <a:fontRef idx="minor">
+              <a:schemeClr val="tx1"/>
+            </a:fontRef>
+          </p:style>
+        </p:cxnSp>
+        <p:cxnSp>
+          <p:nvCxnSpPr>
+            <p:cNvPr id="11" name="Straight Arrow Connector 10">
+              <a:extLst>
+                <a:ext uri="{FF2B5EF4-FFF2-40B4-BE49-F238E27FC236}">
+                  <a16:creationId xmlns:a16="http://schemas.microsoft.com/office/drawing/2014/main" id="{9E3277B2-00BF-4497-9891-89BC5F84DCE7}"/>
+                </a:ext>
+              </a:extLst>
+            </p:cNvPr>
+            <p:cNvCxnSpPr>
+              <a:cxnSpLocks/>
+              <a:stCxn id="5" idx="2"/>
+              <a:endCxn id="7" idx="0"/>
+            </p:cNvCxnSpPr>
+            <p:nvPr/>
+          </p:nvCxnSpPr>
+          <p:spPr>
+            <a:xfrm>
+              <a:off x="2541121" y="1984118"/>
+              <a:ext cx="18409" cy="566058"/>
+            </a:xfrm>
+            <a:prstGeom prst="straightConnector1">
+              <a:avLst/>
+            </a:prstGeom>
+            <a:ln>
+              <a:tailEnd type="triangle"/>
+            </a:ln>
+          </p:spPr>
+          <p:style>
+            <a:lnRef idx="1">
+              <a:schemeClr val="dk1"/>
+            </a:lnRef>
+            <a:fillRef idx="0">
+              <a:schemeClr val="dk1"/>
+            </a:fillRef>
+            <a:effectRef idx="0">
+              <a:schemeClr val="dk1"/>
+            </a:effectRef>
+            <a:fontRef idx="minor">
+              <a:schemeClr val="tx1"/>
+            </a:fontRef>
+          </p:style>
+        </p:cxnSp>
+        <p:sp>
+          <p:nvSpPr>
+            <p:cNvPr id="29" name="Flowchart: Terminator 28">
+              <a:extLst>
+                <a:ext uri="{FF2B5EF4-FFF2-40B4-BE49-F238E27FC236}">
+                  <a16:creationId xmlns:a16="http://schemas.microsoft.com/office/drawing/2014/main" id="{E885F1C5-1A3F-4559-A383-F9B350F48F09}"/>
+                </a:ext>
+              </a:extLst>
+            </p:cNvPr>
+            <p:cNvSpPr/>
+            <p:nvPr/>
+          </p:nvSpPr>
+          <p:spPr>
+            <a:xfrm>
+              <a:off x="3394288" y="2585751"/>
+              <a:ext cx="1128058" cy="729342"/>
+            </a:xfrm>
+            <a:prstGeom prst="flowChartTerminator">
+              <a:avLst/>
+            </a:prstGeom>
+          </p:spPr>
+          <p:style>
+            <a:lnRef idx="1">
+              <a:schemeClr val="accent1"/>
+            </a:lnRef>
+            <a:fillRef idx="2">
+              <a:schemeClr val="accent1"/>
+            </a:fillRef>
+            <a:effectRef idx="1">
+              <a:schemeClr val="accent1"/>
+            </a:effectRef>
+            <a:fontRef idx="minor">
+              <a:schemeClr val="dk1"/>
+            </a:fontRef>
+          </p:style>
+          <p:txBody>
+            <a:bodyPr rtlCol="0" anchor="ctr"/>
+            <a:lstStyle/>
+            <a:p>
+              <a:pPr algn="ctr"/>
+              <a:r>
+                <a:rPr lang="en-US">
+                  <a:solidFill>
+                    <a:schemeClr val="tx1"/>
+                  </a:solidFill>
+                  <a:latin typeface="Times New Roman" panose="02020603050405020304" pitchFamily="18" charset="0"/>
+                  <a:cs typeface="Times New Roman" panose="02020603050405020304" pitchFamily="18" charset="0"/>
+                </a:rPr>
+                <a:t>div</a:t>
+              </a:r>
+            </a:p>
+          </p:txBody>
+        </p:sp>
+        <p:cxnSp>
+          <p:nvCxnSpPr>
+            <p:cNvPr id="30" name="Straight Arrow Connector 29">
+              <a:extLst>
+                <a:ext uri="{FF2B5EF4-FFF2-40B4-BE49-F238E27FC236}">
+                  <a16:creationId xmlns:a16="http://schemas.microsoft.com/office/drawing/2014/main" id="{754C5FA6-FB13-42E4-957A-80D30707B789}"/>
+                </a:ext>
+              </a:extLst>
+            </p:cNvPr>
+            <p:cNvCxnSpPr>
+              <a:cxnSpLocks/>
+              <a:stCxn id="5" idx="2"/>
+              <a:endCxn id="29" idx="0"/>
+            </p:cNvCxnSpPr>
+            <p:nvPr/>
+          </p:nvCxnSpPr>
+          <p:spPr>
+            <a:xfrm>
+              <a:off x="2541121" y="1984118"/>
+              <a:ext cx="1417196" cy="601633"/>
+            </a:xfrm>
+            <a:prstGeom prst="straightConnector1">
+              <a:avLst/>
+            </a:prstGeom>
+            <a:ln>
+              <a:tailEnd type="triangle"/>
+            </a:ln>
+          </p:spPr>
+          <p:style>
+            <a:lnRef idx="1">
+              <a:schemeClr val="dk1"/>
+            </a:lnRef>
+            <a:fillRef idx="0">
+              <a:schemeClr val="dk1"/>
+            </a:fillRef>
+            <a:effectRef idx="0">
+              <a:schemeClr val="dk1"/>
+            </a:effectRef>
+            <a:fontRef idx="minor">
+              <a:schemeClr val="tx1"/>
+            </a:fontRef>
+          </p:style>
+        </p:cxnSp>
+        <p:sp>
+          <p:nvSpPr>
+            <p:cNvPr id="33" name="Flowchart: Terminator 32">
+              <a:extLst>
+                <a:ext uri="{FF2B5EF4-FFF2-40B4-BE49-F238E27FC236}">
+                  <a16:creationId xmlns:a16="http://schemas.microsoft.com/office/drawing/2014/main" id="{31336C52-E8B5-48D4-9F33-563099BF84D5}"/>
+                </a:ext>
+              </a:extLst>
+            </p:cNvPr>
+            <p:cNvSpPr/>
+            <p:nvPr/>
+          </p:nvSpPr>
+          <p:spPr>
+            <a:xfrm>
+              <a:off x="417714" y="3709109"/>
+              <a:ext cx="1128058" cy="729342"/>
+            </a:xfrm>
+            <a:prstGeom prst="flowChartTerminator">
+              <a:avLst/>
+            </a:prstGeom>
+          </p:spPr>
+          <p:style>
+            <a:lnRef idx="1">
+              <a:schemeClr val="accent1"/>
+            </a:lnRef>
+            <a:fillRef idx="2">
+              <a:schemeClr val="accent1"/>
+            </a:fillRef>
+            <a:effectRef idx="1">
+              <a:schemeClr val="accent1"/>
+            </a:effectRef>
+            <a:fontRef idx="minor">
+              <a:schemeClr val="dk1"/>
+            </a:fontRef>
+          </p:style>
+          <p:txBody>
+            <a:bodyPr rtlCol="0" anchor="ctr"/>
+            <a:lstStyle/>
+            <a:p>
+              <a:pPr algn="ctr"/>
+              <a:r>
+                <a:rPr lang="en-US">
+                  <a:solidFill>
+                    <a:schemeClr val="tx1"/>
+                  </a:solidFill>
+                  <a:latin typeface="Times New Roman" panose="02020603050405020304" pitchFamily="18" charset="0"/>
+                  <a:cs typeface="Times New Roman" panose="02020603050405020304" pitchFamily="18" charset="0"/>
+                </a:rPr>
+                <a:t>“text”</a:t>
+              </a:r>
+            </a:p>
+          </p:txBody>
+        </p:sp>
+        <p:sp>
+          <p:nvSpPr>
+            <p:cNvPr id="34" name="Flowchart: Terminator 33">
+              <a:extLst>
+                <a:ext uri="{FF2B5EF4-FFF2-40B4-BE49-F238E27FC236}">
+                  <a16:creationId xmlns:a16="http://schemas.microsoft.com/office/drawing/2014/main" id="{284A1C74-41EB-41D0-8030-E3E84A8DB48F}"/>
+                </a:ext>
+              </a:extLst>
+            </p:cNvPr>
+            <p:cNvSpPr/>
+            <p:nvPr/>
+          </p:nvSpPr>
+          <p:spPr>
+            <a:xfrm>
+              <a:off x="2052651" y="3709109"/>
+              <a:ext cx="1013758" cy="729342"/>
+            </a:xfrm>
+            <a:prstGeom prst="flowChartTerminator">
+              <a:avLst/>
+            </a:prstGeom>
+          </p:spPr>
+          <p:style>
+            <a:lnRef idx="1">
+              <a:schemeClr val="accent1"/>
+            </a:lnRef>
+            <a:fillRef idx="2">
+              <a:schemeClr val="accent1"/>
+            </a:fillRef>
+            <a:effectRef idx="1">
+              <a:schemeClr val="accent1"/>
+            </a:effectRef>
+            <a:fontRef idx="minor">
+              <a:schemeClr val="dk1"/>
+            </a:fontRef>
+          </p:style>
+          <p:txBody>
+            <a:bodyPr rtlCol="0" anchor="ctr"/>
+            <a:lstStyle/>
+            <a:p>
+              <a:pPr algn="ctr"/>
+              <a:r>
+                <a:rPr lang="en-US">
+                  <a:solidFill>
+                    <a:schemeClr val="tx1"/>
+                  </a:solidFill>
+                  <a:latin typeface="Times New Roman" panose="02020603050405020304" pitchFamily="18" charset="0"/>
+                  <a:cs typeface="Times New Roman" panose="02020603050405020304" pitchFamily="18" charset="0"/>
+                </a:rPr>
+                <a:t>“title”</a:t>
+              </a:r>
+            </a:p>
+          </p:txBody>
+        </p:sp>
+        <p:sp>
+          <p:nvSpPr>
+            <p:cNvPr id="35" name="Flowchart: Terminator 34">
+              <a:extLst>
+                <a:ext uri="{FF2B5EF4-FFF2-40B4-BE49-F238E27FC236}">
+                  <a16:creationId xmlns:a16="http://schemas.microsoft.com/office/drawing/2014/main" id="{46A75DFE-F1CC-496C-A422-9EFFB28A83FA}"/>
+                </a:ext>
+              </a:extLst>
+            </p:cNvPr>
+            <p:cNvSpPr/>
+            <p:nvPr/>
+          </p:nvSpPr>
+          <p:spPr>
+            <a:xfrm>
+              <a:off x="3394288" y="3744684"/>
+              <a:ext cx="1128058" cy="729342"/>
+            </a:xfrm>
+            <a:prstGeom prst="flowChartTerminator">
+              <a:avLst/>
+            </a:prstGeom>
+          </p:spPr>
+          <p:style>
+            <a:lnRef idx="1">
+              <a:schemeClr val="accent2"/>
+            </a:lnRef>
+            <a:fillRef idx="2">
+              <a:schemeClr val="accent2"/>
+            </a:fillRef>
+            <a:effectRef idx="1">
+              <a:schemeClr val="accent2"/>
+            </a:effectRef>
+            <a:fontRef idx="minor">
+              <a:schemeClr val="dk1"/>
+            </a:fontRef>
+          </p:style>
+          <p:txBody>
+            <a:bodyPr rtlCol="0" anchor="ctr"/>
+            <a:lstStyle/>
+            <a:p>
+              <a:pPr algn="ctr"/>
+              <a:r>
+                <a:rPr lang="en-US">
+                  <a:solidFill>
+                    <a:schemeClr val="tx1"/>
+                  </a:solidFill>
+                  <a:latin typeface="Times New Roman" panose="02020603050405020304" pitchFamily="18" charset="0"/>
+                  <a:cs typeface="Times New Roman" panose="02020603050405020304" pitchFamily="18" charset="0"/>
+                </a:rPr>
+                <a:t>img</a:t>
+              </a:r>
+            </a:p>
+          </p:txBody>
+        </p:sp>
+        <p:cxnSp>
+          <p:nvCxnSpPr>
+            <p:cNvPr id="36" name="Straight Arrow Connector 35">
+              <a:extLst>
+                <a:ext uri="{FF2B5EF4-FFF2-40B4-BE49-F238E27FC236}">
+                  <a16:creationId xmlns:a16="http://schemas.microsoft.com/office/drawing/2014/main" id="{9CADBC36-3989-48B4-B08D-227F0D0F01C9}"/>
+                </a:ext>
+              </a:extLst>
+            </p:cNvPr>
+            <p:cNvCxnSpPr>
+              <a:cxnSpLocks/>
+              <a:stCxn id="6" idx="2"/>
+              <a:endCxn id="33" idx="0"/>
+            </p:cNvCxnSpPr>
+            <p:nvPr/>
+          </p:nvCxnSpPr>
+          <p:spPr>
+            <a:xfrm>
+              <a:off x="981743" y="3279518"/>
+              <a:ext cx="0" cy="429591"/>
+            </a:xfrm>
+            <a:prstGeom prst="straightConnector1">
+              <a:avLst/>
+            </a:prstGeom>
+            <a:ln>
+              <a:tailEnd type="triangle"/>
+            </a:ln>
+          </p:spPr>
+          <p:style>
+            <a:lnRef idx="1">
+              <a:schemeClr val="dk1"/>
+            </a:lnRef>
+            <a:fillRef idx="0">
+              <a:schemeClr val="dk1"/>
+            </a:fillRef>
+            <a:effectRef idx="0">
+              <a:schemeClr val="dk1"/>
+            </a:effectRef>
+            <a:fontRef idx="minor">
+              <a:schemeClr val="tx1"/>
+            </a:fontRef>
+          </p:style>
+        </p:cxnSp>
+        <p:cxnSp>
+          <p:nvCxnSpPr>
+            <p:cNvPr id="39" name="Straight Arrow Connector 38">
+              <a:extLst>
+                <a:ext uri="{FF2B5EF4-FFF2-40B4-BE49-F238E27FC236}">
+                  <a16:creationId xmlns:a16="http://schemas.microsoft.com/office/drawing/2014/main" id="{31274ECF-BFBA-4EA6-8FB9-0A3778CBD1E3}"/>
+                </a:ext>
+              </a:extLst>
+            </p:cNvPr>
+            <p:cNvCxnSpPr>
+              <a:cxnSpLocks/>
+              <a:stCxn id="7" idx="2"/>
+              <a:endCxn id="34" idx="0"/>
+            </p:cNvCxnSpPr>
+            <p:nvPr/>
+          </p:nvCxnSpPr>
+          <p:spPr>
+            <a:xfrm>
+              <a:off x="2559530" y="3279518"/>
+              <a:ext cx="0" cy="429591"/>
+            </a:xfrm>
+            <a:prstGeom prst="straightConnector1">
+              <a:avLst/>
+            </a:prstGeom>
+            <a:ln>
+              <a:tailEnd type="triangle"/>
+            </a:ln>
+          </p:spPr>
+          <p:style>
+            <a:lnRef idx="1">
+              <a:schemeClr val="dk1"/>
+            </a:lnRef>
+            <a:fillRef idx="0">
+              <a:schemeClr val="dk1"/>
+            </a:fillRef>
+            <a:effectRef idx="0">
+              <a:schemeClr val="dk1"/>
+            </a:effectRef>
+            <a:fontRef idx="minor">
+              <a:schemeClr val="tx1"/>
+            </a:fontRef>
+          </p:style>
+        </p:cxnSp>
+        <p:cxnSp>
+          <p:nvCxnSpPr>
+            <p:cNvPr id="42" name="Straight Arrow Connector 41">
+              <a:extLst>
+                <a:ext uri="{FF2B5EF4-FFF2-40B4-BE49-F238E27FC236}">
+                  <a16:creationId xmlns:a16="http://schemas.microsoft.com/office/drawing/2014/main" id="{4B2D42F6-8829-46A7-9407-B0083D54FB4E}"/>
+                </a:ext>
+              </a:extLst>
+            </p:cNvPr>
+            <p:cNvCxnSpPr>
+              <a:cxnSpLocks/>
+              <a:stCxn id="29" idx="2"/>
+              <a:endCxn id="35" idx="0"/>
+            </p:cNvCxnSpPr>
+            <p:nvPr/>
+          </p:nvCxnSpPr>
+          <p:spPr>
+            <a:xfrm>
+              <a:off x="3958317" y="3315093"/>
+              <a:ext cx="0" cy="429591"/>
+            </a:xfrm>
+            <a:prstGeom prst="straightConnector1">
+              <a:avLst/>
+            </a:prstGeom>
+            <a:ln>
+              <a:tailEnd type="triangle"/>
+            </a:ln>
+          </p:spPr>
+          <p:style>
+            <a:lnRef idx="1">
+              <a:schemeClr val="dk1"/>
+            </a:lnRef>
+            <a:fillRef idx="0">
+              <a:schemeClr val="dk1"/>
+            </a:fillRef>
+            <a:effectRef idx="0">
+              <a:schemeClr val="dk1"/>
+            </a:effectRef>
+            <a:fontRef idx="minor">
+              <a:schemeClr val="tx1"/>
+            </a:fontRef>
+          </p:style>
+        </p:cxnSp>
+        <p:sp>
+          <p:nvSpPr>
+            <p:cNvPr id="45" name="Flowchart: Terminator 44">
+              <a:extLst>
+                <a:ext uri="{FF2B5EF4-FFF2-40B4-BE49-F238E27FC236}">
+                  <a16:creationId xmlns:a16="http://schemas.microsoft.com/office/drawing/2014/main" id="{7154EE4C-C7AF-41E9-8833-4CC102B110A4}"/>
+                </a:ext>
+              </a:extLst>
+            </p:cNvPr>
+            <p:cNvSpPr/>
+            <p:nvPr/>
+          </p:nvSpPr>
+          <p:spPr>
+            <a:xfrm>
+              <a:off x="7562852" y="1254776"/>
+              <a:ext cx="1013758" cy="729342"/>
+            </a:xfrm>
+            <a:prstGeom prst="flowChartTerminator">
+              <a:avLst/>
+            </a:prstGeom>
+          </p:spPr>
+          <p:style>
+            <a:lnRef idx="1">
+              <a:schemeClr val="accent1"/>
+            </a:lnRef>
+            <a:fillRef idx="2">
+              <a:schemeClr val="accent1"/>
+            </a:fillRef>
+            <a:effectRef idx="1">
+              <a:schemeClr val="accent1"/>
+            </a:effectRef>
+            <a:fontRef idx="minor">
+              <a:schemeClr val="dk1"/>
+            </a:fontRef>
+          </p:style>
+          <p:txBody>
+            <a:bodyPr rtlCol="0" anchor="ctr"/>
+            <a:lstStyle/>
+            <a:p>
+              <a:pPr algn="ctr"/>
+              <a:r>
+                <a:rPr lang="en-US">
+                  <a:solidFill>
+                    <a:schemeClr val="tx1"/>
+                  </a:solidFill>
+                  <a:latin typeface="Times New Roman" panose="02020603050405020304" pitchFamily="18" charset="0"/>
+                  <a:cs typeface="Times New Roman" panose="02020603050405020304" pitchFamily="18" charset="0"/>
+                </a:rPr>
+                <a:t>div</a:t>
+              </a:r>
+            </a:p>
+          </p:txBody>
+        </p:sp>
+        <p:sp>
+          <p:nvSpPr>
+            <p:cNvPr id="46" name="Flowchart: Terminator 45">
+              <a:extLst>
+                <a:ext uri="{FF2B5EF4-FFF2-40B4-BE49-F238E27FC236}">
+                  <a16:creationId xmlns:a16="http://schemas.microsoft.com/office/drawing/2014/main" id="{5F5B62A6-E05F-4CDF-9579-295075AB1183}"/>
+                </a:ext>
+              </a:extLst>
+            </p:cNvPr>
+            <p:cNvSpPr/>
+            <p:nvPr/>
+          </p:nvSpPr>
+          <p:spPr>
+            <a:xfrm>
+              <a:off x="5946324" y="2550176"/>
+              <a:ext cx="1128058" cy="729342"/>
+            </a:xfrm>
+            <a:prstGeom prst="flowChartTerminator">
+              <a:avLst/>
+            </a:prstGeom>
+          </p:spPr>
+          <p:style>
+            <a:lnRef idx="1">
+              <a:schemeClr val="accent1"/>
+            </a:lnRef>
+            <a:fillRef idx="2">
+              <a:schemeClr val="accent1"/>
+            </a:fillRef>
+            <a:effectRef idx="1">
+              <a:schemeClr val="accent1"/>
+            </a:effectRef>
+            <a:fontRef idx="minor">
+              <a:schemeClr val="dk1"/>
+            </a:fontRef>
+          </p:style>
+          <p:txBody>
+            <a:bodyPr rtlCol="0" anchor="ctr"/>
+            <a:lstStyle/>
+            <a:p>
+              <a:pPr algn="ctr"/>
+              <a:r>
+                <a:rPr lang="en-US">
+                  <a:solidFill>
+                    <a:schemeClr val="tx1"/>
+                  </a:solidFill>
+                  <a:latin typeface="Times New Roman" panose="02020603050405020304" pitchFamily="18" charset="0"/>
+                  <a:cs typeface="Times New Roman" panose="02020603050405020304" pitchFamily="18" charset="0"/>
+                </a:rPr>
+                <a:t>p</a:t>
+              </a:r>
+            </a:p>
+          </p:txBody>
+        </p:sp>
+        <p:sp>
+          <p:nvSpPr>
+            <p:cNvPr id="47" name="Flowchart: Terminator 46">
+              <a:extLst>
+                <a:ext uri="{FF2B5EF4-FFF2-40B4-BE49-F238E27FC236}">
+                  <a16:creationId xmlns:a16="http://schemas.microsoft.com/office/drawing/2014/main" id="{C5154CB9-1845-4FA0-ACFC-1FE8AE8B40D7}"/>
+                </a:ext>
+              </a:extLst>
+            </p:cNvPr>
+            <p:cNvSpPr/>
+            <p:nvPr/>
+          </p:nvSpPr>
+          <p:spPr>
+            <a:xfrm>
+              <a:off x="7581261" y="2550176"/>
+              <a:ext cx="1013758" cy="729342"/>
+            </a:xfrm>
+            <a:prstGeom prst="flowChartTerminator">
+              <a:avLst/>
+            </a:prstGeom>
+          </p:spPr>
+          <p:style>
+            <a:lnRef idx="1">
+              <a:schemeClr val="accent1"/>
+            </a:lnRef>
+            <a:fillRef idx="2">
+              <a:schemeClr val="accent1"/>
+            </a:fillRef>
+            <a:effectRef idx="1">
+              <a:schemeClr val="accent1"/>
+            </a:effectRef>
+            <a:fontRef idx="minor">
+              <a:schemeClr val="dk1"/>
+            </a:fontRef>
+          </p:style>
+          <p:txBody>
+            <a:bodyPr rtlCol="0" anchor="ctr"/>
+            <a:lstStyle/>
+            <a:p>
+              <a:pPr algn="ctr"/>
+              <a:r>
+                <a:rPr lang="en-US">
+                  <a:solidFill>
+                    <a:schemeClr val="tx1"/>
+                  </a:solidFill>
+                  <a:latin typeface="Times New Roman" panose="02020603050405020304" pitchFamily="18" charset="0"/>
+                  <a:cs typeface="Times New Roman" panose="02020603050405020304" pitchFamily="18" charset="0"/>
+                </a:rPr>
+                <a:t>h1</a:t>
+              </a:r>
+            </a:p>
+          </p:txBody>
+        </p:sp>
+        <p:cxnSp>
+          <p:nvCxnSpPr>
+            <p:cNvPr id="48" name="Straight Arrow Connector 47">
+              <a:extLst>
+                <a:ext uri="{FF2B5EF4-FFF2-40B4-BE49-F238E27FC236}">
+                  <a16:creationId xmlns:a16="http://schemas.microsoft.com/office/drawing/2014/main" id="{B3D4805B-2936-4841-8DF7-6B9BAE5D453D}"/>
+                </a:ext>
+              </a:extLst>
+            </p:cNvPr>
+            <p:cNvCxnSpPr>
+              <a:cxnSpLocks/>
+              <a:stCxn id="45" idx="2"/>
+              <a:endCxn id="46" idx="0"/>
+            </p:cNvCxnSpPr>
+            <p:nvPr/>
+          </p:nvCxnSpPr>
+          <p:spPr>
+            <a:xfrm flipH="1">
+              <a:off x="6510353" y="1984118"/>
+              <a:ext cx="1559378" cy="566058"/>
+            </a:xfrm>
+            <a:prstGeom prst="straightConnector1">
+              <a:avLst/>
+            </a:prstGeom>
+            <a:ln>
+              <a:tailEnd type="triangle"/>
+            </a:ln>
+          </p:spPr>
+          <p:style>
+            <a:lnRef idx="1">
+              <a:schemeClr val="dk1"/>
+            </a:lnRef>
+            <a:fillRef idx="0">
+              <a:schemeClr val="dk1"/>
+            </a:fillRef>
+            <a:effectRef idx="0">
+              <a:schemeClr val="dk1"/>
+            </a:effectRef>
+            <a:fontRef idx="minor">
+              <a:schemeClr val="tx1"/>
+            </a:fontRef>
+          </p:style>
+        </p:cxnSp>
+        <p:cxnSp>
+          <p:nvCxnSpPr>
+            <p:cNvPr id="49" name="Straight Arrow Connector 48">
+              <a:extLst>
+                <a:ext uri="{FF2B5EF4-FFF2-40B4-BE49-F238E27FC236}">
+                  <a16:creationId xmlns:a16="http://schemas.microsoft.com/office/drawing/2014/main" id="{17AF34D0-7C76-4F5A-B912-44CFAC100FD5}"/>
+                </a:ext>
+              </a:extLst>
+            </p:cNvPr>
+            <p:cNvCxnSpPr>
+              <a:cxnSpLocks/>
+              <a:stCxn id="45" idx="2"/>
+              <a:endCxn id="47" idx="0"/>
+            </p:cNvCxnSpPr>
+            <p:nvPr/>
+          </p:nvCxnSpPr>
+          <p:spPr>
+            <a:xfrm>
+              <a:off x="8069731" y="1984118"/>
+              <a:ext cx="18409" cy="566058"/>
+            </a:xfrm>
+            <a:prstGeom prst="straightConnector1">
+              <a:avLst/>
+            </a:prstGeom>
+            <a:ln>
+              <a:tailEnd type="triangle"/>
+            </a:ln>
+          </p:spPr>
+          <p:style>
+            <a:lnRef idx="1">
+              <a:schemeClr val="dk1"/>
+            </a:lnRef>
+            <a:fillRef idx="0">
+              <a:schemeClr val="dk1"/>
+            </a:fillRef>
+            <a:effectRef idx="0">
+              <a:schemeClr val="dk1"/>
+            </a:effectRef>
+            <a:fontRef idx="minor">
+              <a:schemeClr val="tx1"/>
+            </a:fontRef>
+          </p:style>
+        </p:cxnSp>
+        <p:sp>
+          <p:nvSpPr>
+            <p:cNvPr id="50" name="Flowchart: Terminator 49">
+              <a:extLst>
+                <a:ext uri="{FF2B5EF4-FFF2-40B4-BE49-F238E27FC236}">
+                  <a16:creationId xmlns:a16="http://schemas.microsoft.com/office/drawing/2014/main" id="{355C051B-9FE8-4FF0-8F98-6A91056C3D4E}"/>
+                </a:ext>
+              </a:extLst>
+            </p:cNvPr>
+            <p:cNvSpPr/>
+            <p:nvPr/>
+          </p:nvSpPr>
+          <p:spPr>
+            <a:xfrm>
+              <a:off x="8922898" y="2585751"/>
+              <a:ext cx="1128058" cy="729342"/>
+            </a:xfrm>
+            <a:prstGeom prst="flowChartTerminator">
+              <a:avLst/>
+            </a:prstGeom>
+          </p:spPr>
+          <p:style>
+            <a:lnRef idx="1">
+              <a:schemeClr val="accent1"/>
+            </a:lnRef>
+            <a:fillRef idx="2">
+              <a:schemeClr val="accent1"/>
+            </a:fillRef>
+            <a:effectRef idx="1">
+              <a:schemeClr val="accent1"/>
+            </a:effectRef>
+            <a:fontRef idx="minor">
+              <a:schemeClr val="dk1"/>
+            </a:fontRef>
+          </p:style>
+          <p:txBody>
+            <a:bodyPr rtlCol="0" anchor="ctr"/>
+            <a:lstStyle/>
+            <a:p>
+              <a:pPr algn="ctr"/>
+              <a:r>
+                <a:rPr lang="en-US">
+                  <a:solidFill>
+                    <a:schemeClr val="tx1"/>
+                  </a:solidFill>
+                  <a:latin typeface="Times New Roman" panose="02020603050405020304" pitchFamily="18" charset="0"/>
+                  <a:cs typeface="Times New Roman" panose="02020603050405020304" pitchFamily="18" charset="0"/>
+                </a:rPr>
+                <a:t>div</a:t>
+              </a:r>
+            </a:p>
+          </p:txBody>
+        </p:sp>
+        <p:cxnSp>
+          <p:nvCxnSpPr>
+            <p:cNvPr id="51" name="Straight Arrow Connector 50">
+              <a:extLst>
+                <a:ext uri="{FF2B5EF4-FFF2-40B4-BE49-F238E27FC236}">
+                  <a16:creationId xmlns:a16="http://schemas.microsoft.com/office/drawing/2014/main" id="{91F234B2-6F35-4574-B1AB-B75B5B7ED7FE}"/>
+                </a:ext>
+              </a:extLst>
+            </p:cNvPr>
+            <p:cNvCxnSpPr>
+              <a:cxnSpLocks/>
+              <a:stCxn id="45" idx="2"/>
+              <a:endCxn id="50" idx="0"/>
+            </p:cNvCxnSpPr>
+            <p:nvPr/>
+          </p:nvCxnSpPr>
+          <p:spPr>
+            <a:xfrm>
+              <a:off x="8069731" y="1984118"/>
+              <a:ext cx="1417196" cy="601633"/>
+            </a:xfrm>
+            <a:prstGeom prst="straightConnector1">
+              <a:avLst/>
+            </a:prstGeom>
+            <a:ln>
+              <a:tailEnd type="triangle"/>
+            </a:ln>
+          </p:spPr>
+          <p:style>
+            <a:lnRef idx="1">
+              <a:schemeClr val="dk1"/>
+            </a:lnRef>
+            <a:fillRef idx="0">
+              <a:schemeClr val="dk1"/>
+            </a:fillRef>
+            <a:effectRef idx="0">
+              <a:schemeClr val="dk1"/>
+            </a:effectRef>
+            <a:fontRef idx="minor">
+              <a:schemeClr val="tx1"/>
+            </a:fontRef>
+          </p:style>
+        </p:cxnSp>
+        <p:sp>
+          <p:nvSpPr>
+            <p:cNvPr id="52" name="Flowchart: Terminator 51">
+              <a:extLst>
+                <a:ext uri="{FF2B5EF4-FFF2-40B4-BE49-F238E27FC236}">
+                  <a16:creationId xmlns:a16="http://schemas.microsoft.com/office/drawing/2014/main" id="{6B002284-2C93-425B-97ED-1B846CEFC133}"/>
+                </a:ext>
+              </a:extLst>
+            </p:cNvPr>
+            <p:cNvSpPr/>
+            <p:nvPr/>
+          </p:nvSpPr>
+          <p:spPr>
+            <a:xfrm>
+              <a:off x="5946324" y="3709109"/>
+              <a:ext cx="1128058" cy="729342"/>
+            </a:xfrm>
+            <a:prstGeom prst="flowChartTerminator">
+              <a:avLst/>
+            </a:prstGeom>
+          </p:spPr>
+          <p:style>
+            <a:lnRef idx="1">
+              <a:schemeClr val="accent1"/>
+            </a:lnRef>
+            <a:fillRef idx="2">
+              <a:schemeClr val="accent1"/>
+            </a:fillRef>
+            <a:effectRef idx="1">
+              <a:schemeClr val="accent1"/>
+            </a:effectRef>
+            <a:fontRef idx="minor">
+              <a:schemeClr val="dk1"/>
+            </a:fontRef>
+          </p:style>
+          <p:txBody>
+            <a:bodyPr rtlCol="0" anchor="ctr"/>
+            <a:lstStyle/>
+            <a:p>
+              <a:pPr algn="ctr"/>
+              <a:r>
+                <a:rPr lang="en-US">
+                  <a:solidFill>
+                    <a:schemeClr val="tx1"/>
+                  </a:solidFill>
+                  <a:latin typeface="Times New Roman" panose="02020603050405020304" pitchFamily="18" charset="0"/>
+                  <a:cs typeface="Times New Roman" panose="02020603050405020304" pitchFamily="18" charset="0"/>
+                </a:rPr>
+                <a:t>“text”</a:t>
+              </a:r>
+            </a:p>
+          </p:txBody>
+        </p:sp>
+        <p:sp>
+          <p:nvSpPr>
+            <p:cNvPr id="53" name="Flowchart: Terminator 52">
+              <a:extLst>
+                <a:ext uri="{FF2B5EF4-FFF2-40B4-BE49-F238E27FC236}">
+                  <a16:creationId xmlns:a16="http://schemas.microsoft.com/office/drawing/2014/main" id="{1A002D4E-F710-402B-8F27-5B0D3752CBCF}"/>
+                </a:ext>
+              </a:extLst>
+            </p:cNvPr>
+            <p:cNvSpPr/>
+            <p:nvPr/>
+          </p:nvSpPr>
+          <p:spPr>
+            <a:xfrm>
+              <a:off x="7581261" y="3709109"/>
+              <a:ext cx="1013758" cy="729342"/>
+            </a:xfrm>
+            <a:prstGeom prst="flowChartTerminator">
+              <a:avLst/>
+            </a:prstGeom>
+          </p:spPr>
+          <p:style>
+            <a:lnRef idx="1">
+              <a:schemeClr val="accent1"/>
+            </a:lnRef>
+            <a:fillRef idx="2">
+              <a:schemeClr val="accent1"/>
+            </a:fillRef>
+            <a:effectRef idx="1">
+              <a:schemeClr val="accent1"/>
+            </a:effectRef>
+            <a:fontRef idx="minor">
+              <a:schemeClr val="dk1"/>
+            </a:fontRef>
+          </p:style>
+          <p:txBody>
+            <a:bodyPr rtlCol="0" anchor="ctr"/>
+            <a:lstStyle/>
+            <a:p>
+              <a:pPr algn="ctr"/>
+              <a:r>
+                <a:rPr lang="en-US">
+                  <a:solidFill>
+                    <a:schemeClr val="tx1"/>
+                  </a:solidFill>
+                  <a:latin typeface="Times New Roman" panose="02020603050405020304" pitchFamily="18" charset="0"/>
+                  <a:cs typeface="Times New Roman" panose="02020603050405020304" pitchFamily="18" charset="0"/>
+                </a:rPr>
+                <a:t>“title”</a:t>
+              </a:r>
+            </a:p>
+          </p:txBody>
+        </p:sp>
+        <p:sp>
+          <p:nvSpPr>
+            <p:cNvPr id="54" name="Flowchart: Terminator 53">
+              <a:extLst>
+                <a:ext uri="{FF2B5EF4-FFF2-40B4-BE49-F238E27FC236}">
+                  <a16:creationId xmlns:a16="http://schemas.microsoft.com/office/drawing/2014/main" id="{FD13ACFF-753F-419A-A7F9-3A95393CA7EE}"/>
+                </a:ext>
+              </a:extLst>
+            </p:cNvPr>
+            <p:cNvSpPr/>
+            <p:nvPr/>
+          </p:nvSpPr>
+          <p:spPr>
+            <a:xfrm>
+              <a:off x="8922898" y="3744684"/>
+              <a:ext cx="1128058" cy="729342"/>
+            </a:xfrm>
+            <a:prstGeom prst="flowChartTerminator">
+              <a:avLst/>
+            </a:prstGeom>
+            <a:ln>
+              <a:prstDash val="dashDot"/>
+            </a:ln>
+          </p:spPr>
+          <p:style>
+            <a:lnRef idx="1">
+              <a:schemeClr val="accent4"/>
+            </a:lnRef>
+            <a:fillRef idx="2">
+              <a:schemeClr val="accent4"/>
+            </a:fillRef>
+            <a:effectRef idx="1">
+              <a:schemeClr val="accent4"/>
+            </a:effectRef>
+            <a:fontRef idx="minor">
+              <a:schemeClr val="dk1"/>
+            </a:fontRef>
+          </p:style>
+          <p:txBody>
+            <a:bodyPr rtlCol="0" anchor="ctr"/>
+            <a:lstStyle/>
+            <a:p>
+              <a:pPr algn="ctr"/>
+              <a:r>
+                <a:rPr lang="en-US">
+                  <a:solidFill>
+                    <a:schemeClr val="tx1"/>
+                  </a:solidFill>
+                  <a:latin typeface="Times New Roman" panose="02020603050405020304" pitchFamily="18" charset="0"/>
+                  <a:cs typeface="Times New Roman" panose="02020603050405020304" pitchFamily="18" charset="0"/>
+                </a:rPr>
+                <a:t>img</a:t>
+              </a:r>
+            </a:p>
+          </p:txBody>
+        </p:sp>
+        <p:cxnSp>
+          <p:nvCxnSpPr>
+            <p:cNvPr id="55" name="Straight Arrow Connector 54">
+              <a:extLst>
+                <a:ext uri="{FF2B5EF4-FFF2-40B4-BE49-F238E27FC236}">
+                  <a16:creationId xmlns:a16="http://schemas.microsoft.com/office/drawing/2014/main" id="{9BA2A95D-E51B-4254-9046-E8BC36962723}"/>
+                </a:ext>
+              </a:extLst>
+            </p:cNvPr>
+            <p:cNvCxnSpPr>
+              <a:cxnSpLocks/>
+              <a:stCxn id="46" idx="2"/>
+              <a:endCxn id="52" idx="0"/>
+            </p:cNvCxnSpPr>
+            <p:nvPr/>
+          </p:nvCxnSpPr>
+          <p:spPr>
+            <a:xfrm>
+              <a:off x="6510353" y="3279518"/>
+              <a:ext cx="0" cy="429591"/>
+            </a:xfrm>
+            <a:prstGeom prst="straightConnector1">
+              <a:avLst/>
+            </a:prstGeom>
+            <a:ln>
+              <a:tailEnd type="triangle"/>
+            </a:ln>
+          </p:spPr>
+          <p:style>
+            <a:lnRef idx="1">
+              <a:schemeClr val="dk1"/>
+            </a:lnRef>
+            <a:fillRef idx="0">
+              <a:schemeClr val="dk1"/>
+            </a:fillRef>
+            <a:effectRef idx="0">
+              <a:schemeClr val="dk1"/>
+            </a:effectRef>
+            <a:fontRef idx="minor">
+              <a:schemeClr val="tx1"/>
+            </a:fontRef>
+          </p:style>
+        </p:cxnSp>
+        <p:cxnSp>
+          <p:nvCxnSpPr>
+            <p:cNvPr id="56" name="Straight Arrow Connector 55">
+              <a:extLst>
+                <a:ext uri="{FF2B5EF4-FFF2-40B4-BE49-F238E27FC236}">
+                  <a16:creationId xmlns:a16="http://schemas.microsoft.com/office/drawing/2014/main" id="{F99AEE9D-F048-4ED2-A769-435B17CAEF38}"/>
+                </a:ext>
+              </a:extLst>
+            </p:cNvPr>
+            <p:cNvCxnSpPr>
+              <a:cxnSpLocks/>
+              <a:stCxn id="47" idx="2"/>
+              <a:endCxn id="53" idx="0"/>
+            </p:cNvCxnSpPr>
+            <p:nvPr/>
+          </p:nvCxnSpPr>
+          <p:spPr>
+            <a:xfrm>
+              <a:off x="8088140" y="3279518"/>
+              <a:ext cx="0" cy="429591"/>
+            </a:xfrm>
+            <a:prstGeom prst="straightConnector1">
+              <a:avLst/>
+            </a:prstGeom>
+            <a:ln>
+              <a:tailEnd type="triangle"/>
+            </a:ln>
+          </p:spPr>
+          <p:style>
+            <a:lnRef idx="1">
+              <a:schemeClr val="dk1"/>
+            </a:lnRef>
+            <a:fillRef idx="0">
+              <a:schemeClr val="dk1"/>
+            </a:fillRef>
+            <a:effectRef idx="0">
+              <a:schemeClr val="dk1"/>
+            </a:effectRef>
+            <a:fontRef idx="minor">
+              <a:schemeClr val="tx1"/>
+            </a:fontRef>
+          </p:style>
+        </p:cxnSp>
+        <p:cxnSp>
+          <p:nvCxnSpPr>
+            <p:cNvPr id="57" name="Straight Arrow Connector 56">
+              <a:extLst>
+                <a:ext uri="{FF2B5EF4-FFF2-40B4-BE49-F238E27FC236}">
+                  <a16:creationId xmlns:a16="http://schemas.microsoft.com/office/drawing/2014/main" id="{B66DD5AA-BB59-436C-AC75-4F0782E0D758}"/>
+                </a:ext>
+              </a:extLst>
+            </p:cNvPr>
+            <p:cNvCxnSpPr>
+              <a:cxnSpLocks/>
+              <a:stCxn id="50" idx="2"/>
+              <a:endCxn id="54" idx="0"/>
+            </p:cNvCxnSpPr>
+            <p:nvPr/>
+          </p:nvCxnSpPr>
+          <p:spPr>
+            <a:xfrm>
+              <a:off x="9486927" y="3315093"/>
+              <a:ext cx="0" cy="429591"/>
+            </a:xfrm>
+            <a:prstGeom prst="straightConnector1">
+              <a:avLst/>
+            </a:prstGeom>
+            <a:ln>
+              <a:tailEnd type="triangle"/>
+            </a:ln>
+          </p:spPr>
+          <p:style>
+            <a:lnRef idx="1">
+              <a:schemeClr val="dk1"/>
+            </a:lnRef>
+            <a:fillRef idx="0">
+              <a:schemeClr val="dk1"/>
+            </a:fillRef>
+            <a:effectRef idx="0">
+              <a:schemeClr val="dk1"/>
+            </a:effectRef>
+            <a:fontRef idx="minor">
+              <a:schemeClr val="tx1"/>
+            </a:fontRef>
+          </p:style>
+        </p:cxnSp>
+        <p:sp>
+          <p:nvSpPr>
+            <p:cNvPr id="71" name="Arrow: Down 70">
+              <a:extLst>
+                <a:ext uri="{FF2B5EF4-FFF2-40B4-BE49-F238E27FC236}">
+                  <a16:creationId xmlns:a16="http://schemas.microsoft.com/office/drawing/2014/main" id="{1E20D860-D08A-40C1-B1CC-8AD2D5FF7B2F}"/>
+                </a:ext>
+              </a:extLst>
+            </p:cNvPr>
+            <p:cNvSpPr/>
+            <p:nvPr/>
+          </p:nvSpPr>
+          <p:spPr>
+            <a:xfrm rot="16200000">
+              <a:off x="4937698" y="3149915"/>
+              <a:ext cx="729343" cy="759943"/>
+            </a:xfrm>
+            <a:prstGeom prst="downArrow">
+              <a:avLst/>
+            </a:prstGeom>
+            <a:gradFill flip="none" rotWithShape="1">
+              <a:gsLst>
+                <a:gs pos="0">
+                  <a:schemeClr val="accent1">
+                    <a:tint val="66000"/>
+                    <a:satMod val="160000"/>
+                  </a:schemeClr>
+                </a:gs>
+                <a:gs pos="50000">
+                  <a:schemeClr val="accent1">
+                    <a:tint val="44500"/>
+                    <a:satMod val="160000"/>
+                  </a:schemeClr>
+                </a:gs>
+                <a:gs pos="100000">
+                  <a:schemeClr val="accent1">
+                    <a:tint val="23500"/>
+                    <a:satMod val="160000"/>
+                  </a:schemeClr>
+                </a:gs>
+              </a:gsLst>
+              <a:lin ang="16200000" scaled="1"/>
+              <a:tileRect/>
+            </a:gradFill>
+          </p:spPr>
+          <p:style>
+            <a:lnRef idx="2">
+              <a:schemeClr val="accent1">
+                <a:shade val="50000"/>
+              </a:schemeClr>
+            </a:lnRef>
+            <a:fillRef idx="1">
+              <a:schemeClr val="accent1"/>
+            </a:fillRef>
+            <a:effectRef idx="0">
+              <a:schemeClr val="accent1"/>
+            </a:effectRef>
+            <a:fontRef idx="minor">
+              <a:schemeClr val="lt1"/>
+            </a:fontRef>
+          </p:style>
+          <p:txBody>
+            <a:bodyPr rtlCol="0" anchor="ctr"/>
+            <a:lstStyle/>
+            <a:p>
+              <a:pPr algn="ctr"/>
+              <a:endParaRPr lang="en-US"/>
+            </a:p>
+          </p:txBody>
+        </p:sp>
+        <p:sp>
+          <p:nvSpPr>
+            <p:cNvPr id="78" name="TextBox 77">
+              <a:extLst>
+                <a:ext uri="{FF2B5EF4-FFF2-40B4-BE49-F238E27FC236}">
+                  <a16:creationId xmlns:a16="http://schemas.microsoft.com/office/drawing/2014/main" id="{4D3D89A8-86D2-43B9-8443-948042DC1537}"/>
+                </a:ext>
+              </a:extLst>
+            </p:cNvPr>
+            <p:cNvSpPr txBox="1"/>
+            <p:nvPr/>
+          </p:nvSpPr>
+          <p:spPr>
+            <a:xfrm>
+              <a:off x="2104286" y="4683376"/>
+              <a:ext cx="962123" cy="369332"/>
+            </a:xfrm>
+            <a:prstGeom prst="rect">
+              <a:avLst/>
+            </a:prstGeom>
+            <a:noFill/>
+          </p:spPr>
+          <p:txBody>
+            <a:bodyPr wrap="none" rtlCol="0">
+              <a:spAutoFit/>
+            </a:bodyPr>
+            <a:lstStyle/>
+            <a:p>
+              <a:r>
+                <a:rPr lang="en-US"/>
+                <a:t>DOM ảo</a:t>
+              </a:r>
+            </a:p>
+          </p:txBody>
+        </p:sp>
+        <p:sp>
+          <p:nvSpPr>
+            <p:cNvPr id="79" name="TextBox 78">
+              <a:extLst>
+                <a:ext uri="{FF2B5EF4-FFF2-40B4-BE49-F238E27FC236}">
+                  <a16:creationId xmlns:a16="http://schemas.microsoft.com/office/drawing/2014/main" id="{8F8308F7-7761-4070-B316-14C4AEA4BF42}"/>
+                </a:ext>
+              </a:extLst>
+            </p:cNvPr>
+            <p:cNvSpPr txBox="1"/>
+            <p:nvPr/>
+          </p:nvSpPr>
+          <p:spPr>
+            <a:xfrm>
+              <a:off x="7867219" y="4683376"/>
+              <a:ext cx="676788" cy="369332"/>
+            </a:xfrm>
+            <a:prstGeom prst="rect">
+              <a:avLst/>
+            </a:prstGeom>
+            <a:noFill/>
+          </p:spPr>
+          <p:txBody>
+            <a:bodyPr wrap="none" rtlCol="0">
+              <a:spAutoFit/>
+            </a:bodyPr>
+            <a:lstStyle/>
+            <a:p>
+              <a:r>
+                <a:rPr lang="en-US"/>
+                <a:t>DOM</a:t>
+              </a:r>
+            </a:p>
+          </p:txBody>
+        </p:sp>
+      </p:grpSp>
+    </p:spTree>
+    <p:extLst>
+      <p:ext uri="{BB962C8B-B14F-4D97-AF65-F5344CB8AC3E}">
+        <p14:creationId xmlns:p14="http://schemas.microsoft.com/office/powerpoint/2010/main" val="4111401010"/>
+      </p:ext>
+    </p:extLst>
+  </p:cSld>
+  <p:clrMapOvr>
+    <a:masterClrMapping/>
+  </p:clrMapOvr>
+</p:sld>
+</file>
+
+<file path=ppt/slides/slide11.xml><?xml version="1.0" encoding="utf-8"?>
+<p:sld xmlns:a="http://schemas.openxmlformats.org/drawingml/2006/main" xmlns:r="http://schemas.openxmlformats.org/officeDocument/2006/relationships" xmlns:p="http://schemas.openxmlformats.org/presentationml/2006/main">
+  <p:cSld>
+    <p:spTree>
+      <p:nvGrpSpPr>
+        <p:cNvPr id="1" name=""/>
+        <p:cNvGrpSpPr/>
+        <p:nvPr/>
+      </p:nvGrpSpPr>
+      <p:grpSpPr>
+        <a:xfrm>
+          <a:off x="0" y="0"/>
+          <a:ext cx="0" cy="0"/>
+          <a:chOff x="0" y="0"/>
+          <a:chExt cx="0" cy="0"/>
+        </a:xfrm>
+      </p:grpSpPr>
+      <p:grpSp>
+        <p:nvGrpSpPr>
+          <p:cNvPr id="41" name="Group 40">
+            <a:extLst>
+              <a:ext uri="{FF2B5EF4-FFF2-40B4-BE49-F238E27FC236}">
+                <a16:creationId xmlns:a16="http://schemas.microsoft.com/office/drawing/2014/main" id="{2583AC4E-4161-4852-9279-C7876E1E7938}"/>
+              </a:ext>
+            </a:extLst>
+          </p:cNvPr>
+          <p:cNvGrpSpPr/>
+          <p:nvPr/>
+        </p:nvGrpSpPr>
+        <p:grpSpPr>
+          <a:xfrm>
+            <a:off x="767441" y="821872"/>
+            <a:ext cx="7440388" cy="3815442"/>
+            <a:chOff x="767441" y="821872"/>
+            <a:chExt cx="9269186" cy="4969330"/>
+          </a:xfrm>
+        </p:grpSpPr>
+        <p:sp>
+          <p:nvSpPr>
+            <p:cNvPr id="4" name="Oval 3">
+              <a:extLst>
+                <a:ext uri="{FF2B5EF4-FFF2-40B4-BE49-F238E27FC236}">
+                  <a16:creationId xmlns:a16="http://schemas.microsoft.com/office/drawing/2014/main" id="{9E37EF81-80E1-4783-A2C5-1148478C346F}"/>
+                </a:ext>
+              </a:extLst>
+            </p:cNvPr>
+            <p:cNvSpPr/>
+            <p:nvPr/>
+          </p:nvSpPr>
+          <p:spPr>
+            <a:xfrm>
+              <a:off x="4158342" y="3984173"/>
+              <a:ext cx="1937658" cy="1807029"/>
+            </a:xfrm>
+            <a:prstGeom prst="ellipse">
+              <a:avLst/>
+            </a:prstGeom>
+          </p:spPr>
+          <p:style>
+            <a:lnRef idx="2">
+              <a:schemeClr val="dk1"/>
+            </a:lnRef>
+            <a:fillRef idx="1">
+              <a:schemeClr val="lt1"/>
+            </a:fillRef>
+            <a:effectRef idx="0">
+              <a:schemeClr val="dk1"/>
+            </a:effectRef>
+            <a:fontRef idx="minor">
+              <a:schemeClr val="dk1"/>
+            </a:fontRef>
+          </p:style>
+          <p:txBody>
+            <a:bodyPr rtlCol="0" anchor="ctr"/>
+            <a:lstStyle/>
+            <a:p>
+              <a:pPr algn="ctr"/>
+              <a:r>
+                <a:rPr lang="en-US" sz="1200">
+                  <a:latin typeface="Times New Roman" panose="02020603050405020304" pitchFamily="18" charset="0"/>
+                  <a:cs typeface="Times New Roman" panose="02020603050405020304" pitchFamily="18" charset="0"/>
+                </a:rPr>
+                <a:t>events</a:t>
+              </a:r>
+            </a:p>
+          </p:txBody>
+        </p:sp>
+        <p:sp>
+          <p:nvSpPr>
+            <p:cNvPr id="5" name="Oval 4">
+              <a:extLst>
+                <a:ext uri="{FF2B5EF4-FFF2-40B4-BE49-F238E27FC236}">
+                  <a16:creationId xmlns:a16="http://schemas.microsoft.com/office/drawing/2014/main" id="{47C744C0-BCC2-40CC-96B9-3DAEAE866FA4}"/>
+                </a:ext>
+              </a:extLst>
+            </p:cNvPr>
+            <p:cNvSpPr/>
+            <p:nvPr/>
+          </p:nvSpPr>
+          <p:spPr>
+            <a:xfrm>
+              <a:off x="6128655" y="821872"/>
+              <a:ext cx="1937658" cy="1807029"/>
+            </a:xfrm>
+            <a:prstGeom prst="ellipse">
+              <a:avLst/>
+            </a:prstGeom>
+          </p:spPr>
+          <p:style>
+            <a:lnRef idx="2">
+              <a:schemeClr val="dk1"/>
+            </a:lnRef>
+            <a:fillRef idx="1">
+              <a:schemeClr val="lt1"/>
+            </a:fillRef>
+            <a:effectRef idx="0">
+              <a:schemeClr val="dk1"/>
+            </a:effectRef>
+            <a:fontRef idx="minor">
+              <a:schemeClr val="dk1"/>
+            </a:fontRef>
+          </p:style>
+          <p:txBody>
+            <a:bodyPr rtlCol="0" anchor="ctr"/>
+            <a:lstStyle/>
+            <a:p>
+              <a:pPr algn="ctr"/>
+              <a:r>
+                <a:rPr lang="en-US" sz="1200">
+                  <a:latin typeface="Times New Roman" panose="02020603050405020304" pitchFamily="18" charset="0"/>
+                  <a:cs typeface="Times New Roman" panose="02020603050405020304" pitchFamily="18" charset="0"/>
+                </a:rPr>
+                <a:t>Global state</a:t>
+              </a:r>
+            </a:p>
+          </p:txBody>
+        </p:sp>
+        <p:sp>
+          <p:nvSpPr>
+            <p:cNvPr id="6" name="Oval 5">
+              <a:extLst>
+                <a:ext uri="{FF2B5EF4-FFF2-40B4-BE49-F238E27FC236}">
+                  <a16:creationId xmlns:a16="http://schemas.microsoft.com/office/drawing/2014/main" id="{FC3CCE94-FC87-4460-A86C-A07FF68B196B}"/>
+                </a:ext>
+              </a:extLst>
+            </p:cNvPr>
+            <p:cNvSpPr/>
+            <p:nvPr/>
+          </p:nvSpPr>
+          <p:spPr>
+            <a:xfrm>
+              <a:off x="8098969" y="3984173"/>
+              <a:ext cx="1937658" cy="1807029"/>
+            </a:xfrm>
+            <a:prstGeom prst="ellipse">
+              <a:avLst/>
+            </a:prstGeom>
+          </p:spPr>
+          <p:style>
+            <a:lnRef idx="2">
+              <a:schemeClr val="dk1"/>
+            </a:lnRef>
+            <a:fillRef idx="1">
+              <a:schemeClr val="lt1"/>
+            </a:fillRef>
+            <a:effectRef idx="0">
+              <a:schemeClr val="dk1"/>
+            </a:effectRef>
+            <a:fontRef idx="minor">
+              <a:schemeClr val="dk1"/>
+            </a:fontRef>
+          </p:style>
+          <p:txBody>
+            <a:bodyPr rtlCol="0" anchor="ctr"/>
+            <a:lstStyle/>
+            <a:p>
+              <a:pPr algn="ctr"/>
+              <a:r>
+                <a:rPr lang="en-US" sz="1200">
+                  <a:latin typeface="Times New Roman" panose="02020603050405020304" pitchFamily="18" charset="0"/>
+                  <a:cs typeface="Times New Roman" panose="02020603050405020304" pitchFamily="18" charset="0"/>
+                </a:rPr>
+                <a:t>components</a:t>
+              </a:r>
+            </a:p>
+          </p:txBody>
+        </p:sp>
+        <p:cxnSp>
+          <p:nvCxnSpPr>
+            <p:cNvPr id="19" name="Straight Arrow Connector 18">
+              <a:extLst>
+                <a:ext uri="{FF2B5EF4-FFF2-40B4-BE49-F238E27FC236}">
+                  <a16:creationId xmlns:a16="http://schemas.microsoft.com/office/drawing/2014/main" id="{50DED5A9-9AC4-4CCC-9177-9502D6D9C101}"/>
+                </a:ext>
+              </a:extLst>
+            </p:cNvPr>
+            <p:cNvCxnSpPr>
+              <a:stCxn id="6" idx="2"/>
+              <a:endCxn id="4" idx="6"/>
+            </p:cNvCxnSpPr>
+            <p:nvPr/>
+          </p:nvCxnSpPr>
+          <p:spPr>
+            <a:xfrm flipH="1">
+              <a:off x="6096000" y="4887688"/>
+              <a:ext cx="2002969" cy="0"/>
+            </a:xfrm>
+            <a:prstGeom prst="straightConnector1">
+              <a:avLst/>
+            </a:prstGeom>
+            <a:ln>
+              <a:tailEnd type="triangle"/>
+            </a:ln>
+          </p:spPr>
+          <p:style>
+            <a:lnRef idx="2">
+              <a:schemeClr val="dk1"/>
+            </a:lnRef>
+            <a:fillRef idx="0">
+              <a:schemeClr val="dk1"/>
+            </a:fillRef>
+            <a:effectRef idx="1">
+              <a:schemeClr val="dk1"/>
+            </a:effectRef>
+            <a:fontRef idx="minor">
+              <a:schemeClr val="tx1"/>
+            </a:fontRef>
+          </p:style>
+        </p:cxnSp>
+        <p:cxnSp>
+          <p:nvCxnSpPr>
+            <p:cNvPr id="20" name="Straight Arrow Connector 19">
+              <a:extLst>
+                <a:ext uri="{FF2B5EF4-FFF2-40B4-BE49-F238E27FC236}">
+                  <a16:creationId xmlns:a16="http://schemas.microsoft.com/office/drawing/2014/main" id="{B62ADF82-CC5B-47D7-AA00-AFD58C48AAF1}"/>
+                </a:ext>
+              </a:extLst>
+            </p:cNvPr>
+            <p:cNvCxnSpPr>
+              <a:cxnSpLocks/>
+              <a:stCxn id="4" idx="0"/>
+              <a:endCxn id="5" idx="3"/>
+            </p:cNvCxnSpPr>
+            <p:nvPr/>
+          </p:nvCxnSpPr>
+          <p:spPr>
+            <a:xfrm flipV="1">
+              <a:off x="5127171" y="2364268"/>
+              <a:ext cx="1285247" cy="1619905"/>
+            </a:xfrm>
+            <a:prstGeom prst="straightConnector1">
+              <a:avLst/>
+            </a:prstGeom>
+            <a:ln>
+              <a:tailEnd type="triangle"/>
+            </a:ln>
+          </p:spPr>
+          <p:style>
+            <a:lnRef idx="2">
+              <a:schemeClr val="dk1"/>
+            </a:lnRef>
+            <a:fillRef idx="0">
+              <a:schemeClr val="dk1"/>
+            </a:fillRef>
+            <a:effectRef idx="1">
+              <a:schemeClr val="dk1"/>
+            </a:effectRef>
+            <a:fontRef idx="minor">
+              <a:schemeClr val="tx1"/>
+            </a:fontRef>
+          </p:style>
+        </p:cxnSp>
+        <p:cxnSp>
+          <p:nvCxnSpPr>
+            <p:cNvPr id="24" name="Straight Arrow Connector 23">
+              <a:extLst>
+                <a:ext uri="{FF2B5EF4-FFF2-40B4-BE49-F238E27FC236}">
+                  <a16:creationId xmlns:a16="http://schemas.microsoft.com/office/drawing/2014/main" id="{0881AE55-14F8-4ADB-B7C5-DF606AB59D81}"/>
+                </a:ext>
+              </a:extLst>
+            </p:cNvPr>
+            <p:cNvCxnSpPr>
+              <a:cxnSpLocks/>
+              <a:stCxn id="6" idx="0"/>
+              <a:endCxn id="5" idx="5"/>
+            </p:cNvCxnSpPr>
+            <p:nvPr/>
+          </p:nvCxnSpPr>
+          <p:spPr>
+            <a:xfrm flipH="1" flipV="1">
+              <a:off x="7782550" y="2364268"/>
+              <a:ext cx="1285248" cy="1619905"/>
+            </a:xfrm>
+            <a:prstGeom prst="straightConnector1">
+              <a:avLst/>
+            </a:prstGeom>
+            <a:ln>
+              <a:tailEnd type="triangle"/>
+            </a:ln>
+          </p:spPr>
+          <p:style>
+            <a:lnRef idx="2">
+              <a:schemeClr val="dk1"/>
+            </a:lnRef>
+            <a:fillRef idx="0">
+              <a:schemeClr val="dk1"/>
+            </a:fillRef>
+            <a:effectRef idx="1">
+              <a:schemeClr val="dk1"/>
+            </a:effectRef>
+            <a:fontRef idx="minor">
+              <a:schemeClr val="tx1"/>
+            </a:fontRef>
+          </p:style>
+        </p:cxnSp>
+        <p:sp>
+          <p:nvSpPr>
+            <p:cNvPr id="33" name="Oval 32">
+              <a:extLst>
+                <a:ext uri="{FF2B5EF4-FFF2-40B4-BE49-F238E27FC236}">
+                  <a16:creationId xmlns:a16="http://schemas.microsoft.com/office/drawing/2014/main" id="{4528B522-11F0-413C-8C7D-BCB91BE9D937}"/>
+                </a:ext>
+              </a:extLst>
+            </p:cNvPr>
+            <p:cNvSpPr/>
+            <p:nvPr/>
+          </p:nvSpPr>
+          <p:spPr>
+            <a:xfrm>
+              <a:off x="767441" y="3984173"/>
+              <a:ext cx="1937658" cy="1807029"/>
+            </a:xfrm>
+            <a:prstGeom prst="ellipse">
+              <a:avLst/>
+            </a:prstGeom>
+          </p:spPr>
+          <p:style>
+            <a:lnRef idx="2">
+              <a:schemeClr val="dk1"/>
+            </a:lnRef>
+            <a:fillRef idx="1">
+              <a:schemeClr val="lt1"/>
+            </a:fillRef>
+            <a:effectRef idx="0">
+              <a:schemeClr val="dk1"/>
+            </a:effectRef>
+            <a:fontRef idx="minor">
+              <a:schemeClr val="dk1"/>
+            </a:fontRef>
+          </p:style>
+          <p:txBody>
+            <a:bodyPr rtlCol="0" anchor="ctr"/>
+            <a:lstStyle/>
+            <a:p>
+              <a:pPr algn="ctr"/>
+              <a:r>
+                <a:rPr lang="en-US" sz="1200">
+                  <a:latin typeface="Times New Roman" panose="02020603050405020304" pitchFamily="18" charset="0"/>
+                  <a:cs typeface="Times New Roman" panose="02020603050405020304" pitchFamily="18" charset="0"/>
+                </a:rPr>
+                <a:t>APIs</a:t>
+              </a:r>
+            </a:p>
+          </p:txBody>
+        </p:sp>
+        <p:cxnSp>
+          <p:nvCxnSpPr>
+            <p:cNvPr id="35" name="Straight Arrow Connector 34">
+              <a:extLst>
+                <a:ext uri="{FF2B5EF4-FFF2-40B4-BE49-F238E27FC236}">
+                  <a16:creationId xmlns:a16="http://schemas.microsoft.com/office/drawing/2014/main" id="{DE0F7FF6-BEBF-40EF-BF9F-6DFF6661E25E}"/>
+                </a:ext>
+              </a:extLst>
+            </p:cNvPr>
+            <p:cNvCxnSpPr>
+              <a:stCxn id="33" idx="6"/>
+              <a:endCxn id="4" idx="2"/>
+            </p:cNvCxnSpPr>
+            <p:nvPr/>
+          </p:nvCxnSpPr>
+          <p:spPr>
+            <a:xfrm>
+              <a:off x="2705099" y="4887688"/>
+              <a:ext cx="1453243" cy="0"/>
+            </a:xfrm>
+            <a:prstGeom prst="straightConnector1">
+              <a:avLst/>
+            </a:prstGeom>
+            <a:ln>
+              <a:headEnd type="triangle"/>
+              <a:tailEnd type="triangle"/>
+            </a:ln>
+          </p:spPr>
+          <p:style>
+            <a:lnRef idx="2">
+              <a:schemeClr val="dk1"/>
+            </a:lnRef>
+            <a:fillRef idx="0">
+              <a:schemeClr val="dk1"/>
+            </a:fillRef>
+            <a:effectRef idx="1">
+              <a:schemeClr val="dk1"/>
+            </a:effectRef>
+            <a:fontRef idx="minor">
+              <a:schemeClr val="tx1"/>
+            </a:fontRef>
+          </p:style>
+        </p:cxnSp>
+        <p:sp>
+          <p:nvSpPr>
+            <p:cNvPr id="36" name="TextBox 35">
+              <a:extLst>
+                <a:ext uri="{FF2B5EF4-FFF2-40B4-BE49-F238E27FC236}">
+                  <a16:creationId xmlns:a16="http://schemas.microsoft.com/office/drawing/2014/main" id="{242A5401-E399-45D0-A990-B965C0F35BA8}"/>
+                </a:ext>
+              </a:extLst>
+            </p:cNvPr>
+            <p:cNvSpPr txBox="1"/>
+            <p:nvPr/>
+          </p:nvSpPr>
+          <p:spPr>
+            <a:xfrm>
+              <a:off x="6919777" y="4518355"/>
+              <a:ext cx="409086" cy="276999"/>
+            </a:xfrm>
+            <a:prstGeom prst="rect">
+              <a:avLst/>
+            </a:prstGeom>
+            <a:noFill/>
+          </p:spPr>
+          <p:txBody>
+            <a:bodyPr wrap="none" rtlCol="0">
+              <a:spAutoFit/>
+            </a:bodyPr>
+            <a:lstStyle/>
+            <a:p>
+              <a:r>
+                <a:rPr lang="en-US" sz="1200">
+                  <a:latin typeface="Times New Roman" panose="02020603050405020304" pitchFamily="18" charset="0"/>
+                  <a:cs typeface="Times New Roman" panose="02020603050405020304" pitchFamily="18" charset="0"/>
+                </a:rPr>
+                <a:t>call</a:t>
+              </a:r>
+            </a:p>
+          </p:txBody>
+        </p:sp>
+        <p:sp>
+          <p:nvSpPr>
+            <p:cNvPr id="37" name="TextBox 36">
+              <a:extLst>
+                <a:ext uri="{FF2B5EF4-FFF2-40B4-BE49-F238E27FC236}">
+                  <a16:creationId xmlns:a16="http://schemas.microsoft.com/office/drawing/2014/main" id="{118F27AE-0EB1-41A1-BC36-A66DF2C436E5}"/>
+                </a:ext>
+              </a:extLst>
+            </p:cNvPr>
+            <p:cNvSpPr txBox="1"/>
+            <p:nvPr/>
+          </p:nvSpPr>
+          <p:spPr>
+            <a:xfrm rot="18359800">
+              <a:off x="5662859" y="3230817"/>
+              <a:ext cx="622286" cy="276999"/>
+            </a:xfrm>
+            <a:prstGeom prst="rect">
+              <a:avLst/>
+            </a:prstGeom>
+            <a:noFill/>
+          </p:spPr>
+          <p:txBody>
+            <a:bodyPr wrap="none" rtlCol="0">
+              <a:spAutoFit/>
+            </a:bodyPr>
+            <a:lstStyle/>
+            <a:p>
+              <a:r>
+                <a:rPr lang="en-US" sz="1200">
+                  <a:latin typeface="Times New Roman" panose="02020603050405020304" pitchFamily="18" charset="0"/>
+                  <a:cs typeface="Times New Roman" panose="02020603050405020304" pitchFamily="18" charset="0"/>
+                </a:rPr>
+                <a:t>change</a:t>
+              </a:r>
+            </a:p>
+          </p:txBody>
+        </p:sp>
+        <p:sp>
+          <p:nvSpPr>
+            <p:cNvPr id="40" name="TextBox 39">
+              <a:extLst>
+                <a:ext uri="{FF2B5EF4-FFF2-40B4-BE49-F238E27FC236}">
+                  <a16:creationId xmlns:a16="http://schemas.microsoft.com/office/drawing/2014/main" id="{B509FB16-B6C0-46C8-A1CD-DDCD96BB4A08}"/>
+                </a:ext>
+              </a:extLst>
+            </p:cNvPr>
+            <p:cNvSpPr txBox="1"/>
+            <p:nvPr/>
+          </p:nvSpPr>
+          <p:spPr>
+            <a:xfrm rot="3055689">
+              <a:off x="7629467" y="3222466"/>
+              <a:ext cx="1134670" cy="276999"/>
+            </a:xfrm>
+            <a:prstGeom prst="rect">
+              <a:avLst/>
+            </a:prstGeom>
+            <a:noFill/>
+          </p:spPr>
+          <p:txBody>
+            <a:bodyPr wrap="none" rtlCol="0">
+              <a:spAutoFit/>
+            </a:bodyPr>
+            <a:lstStyle/>
+            <a:p>
+              <a:r>
+                <a:rPr lang="en-US" sz="1200">
+                  <a:latin typeface="Times New Roman" panose="02020603050405020304" pitchFamily="18" charset="0"/>
+                  <a:cs typeface="Times New Roman" panose="02020603050405020304" pitchFamily="18" charset="0"/>
+                </a:rPr>
+                <a:t>Triggers render</a:t>
+              </a:r>
+            </a:p>
+          </p:txBody>
+        </p:sp>
+      </p:grpSp>
+    </p:spTree>
+    <p:extLst>
+      <p:ext uri="{BB962C8B-B14F-4D97-AF65-F5344CB8AC3E}">
+        <p14:creationId xmlns:p14="http://schemas.microsoft.com/office/powerpoint/2010/main" val="1738159508"/>
       </p:ext>
     </p:extLst>
   </p:cSld>
@@ -12074,6 +14065,992 @@
 </p:sld>
 </file>
 
+<file path=ppt/slides/slide9.xml><?xml version="1.0" encoding="utf-8"?>
+<p:sld xmlns:a="http://schemas.openxmlformats.org/drawingml/2006/main" xmlns:r="http://schemas.openxmlformats.org/officeDocument/2006/relationships" xmlns:p="http://schemas.openxmlformats.org/presentationml/2006/main">
+  <p:cSld>
+    <p:spTree>
+      <p:nvGrpSpPr>
+        <p:cNvPr id="1" name=""/>
+        <p:cNvGrpSpPr/>
+        <p:nvPr/>
+      </p:nvGrpSpPr>
+      <p:grpSpPr>
+        <a:xfrm>
+          <a:off x="0" y="0"/>
+          <a:ext cx="0" cy="0"/>
+          <a:chOff x="0" y="0"/>
+          <a:chExt cx="0" cy="0"/>
+        </a:xfrm>
+      </p:grpSpPr>
+      <p:grpSp>
+        <p:nvGrpSpPr>
+          <p:cNvPr id="9" name="Group 8">
+            <a:extLst>
+              <a:ext uri="{FF2B5EF4-FFF2-40B4-BE49-F238E27FC236}">
+                <a16:creationId xmlns:a16="http://schemas.microsoft.com/office/drawing/2014/main" id="{EC1CAC5B-1FBC-4D4D-877E-6631CA471EB3}"/>
+              </a:ext>
+            </a:extLst>
+          </p:cNvPr>
+          <p:cNvGrpSpPr/>
+          <p:nvPr/>
+        </p:nvGrpSpPr>
+        <p:grpSpPr>
+          <a:xfrm>
+            <a:off x="1837938" y="861147"/>
+            <a:ext cx="6422570" cy="979714"/>
+            <a:chOff x="1828800" y="2373085"/>
+            <a:chExt cx="8316684" cy="2002972"/>
+          </a:xfrm>
+        </p:grpSpPr>
+        <p:sp>
+          <p:nvSpPr>
+            <p:cNvPr id="4" name="Oval 3">
+              <a:extLst>
+                <a:ext uri="{FF2B5EF4-FFF2-40B4-BE49-F238E27FC236}">
+                  <a16:creationId xmlns:a16="http://schemas.microsoft.com/office/drawing/2014/main" id="{ED618D5A-05E4-4B1F-BA88-1A33E9AE7B5B}"/>
+                </a:ext>
+              </a:extLst>
+            </p:cNvPr>
+            <p:cNvSpPr/>
+            <p:nvPr/>
+          </p:nvSpPr>
+          <p:spPr>
+            <a:xfrm>
+              <a:off x="1828800" y="2373086"/>
+              <a:ext cx="2002971" cy="2002971"/>
+            </a:xfrm>
+            <a:prstGeom prst="ellipse">
+              <a:avLst/>
+            </a:prstGeom>
+          </p:spPr>
+          <p:style>
+            <a:lnRef idx="1">
+              <a:schemeClr val="accent4"/>
+            </a:lnRef>
+            <a:fillRef idx="2">
+              <a:schemeClr val="accent4"/>
+            </a:fillRef>
+            <a:effectRef idx="1">
+              <a:schemeClr val="accent4"/>
+            </a:effectRef>
+            <a:fontRef idx="minor">
+              <a:schemeClr val="dk1"/>
+            </a:fontRef>
+          </p:style>
+          <p:txBody>
+            <a:bodyPr rtlCol="0" anchor="ctr"/>
+            <a:lstStyle/>
+            <a:p>
+              <a:pPr algn="ctr"/>
+              <a:r>
+                <a:rPr lang="en-US" sz="2400">
+                  <a:effectLst>
+                    <a:outerShdw blurRad="38100" dist="38100" dir="2700000" algn="tl">
+                      <a:srgbClr val="000000">
+                        <a:alpha val="43137"/>
+                      </a:srgbClr>
+                    </a:outerShdw>
+                  </a:effectLst>
+                </a:rPr>
+                <a:t>JavaScript</a:t>
+              </a:r>
+            </a:p>
+          </p:txBody>
+        </p:sp>
+        <p:sp>
+          <p:nvSpPr>
+            <p:cNvPr id="5" name="Oval 4">
+              <a:extLst>
+                <a:ext uri="{FF2B5EF4-FFF2-40B4-BE49-F238E27FC236}">
+                  <a16:creationId xmlns:a16="http://schemas.microsoft.com/office/drawing/2014/main" id="{5971A2EC-E062-4A9F-854F-0C096CBAB5CD}"/>
+                </a:ext>
+              </a:extLst>
+            </p:cNvPr>
+            <p:cNvSpPr/>
+            <p:nvPr/>
+          </p:nvSpPr>
+          <p:spPr>
+            <a:xfrm>
+              <a:off x="4980214" y="2373085"/>
+              <a:ext cx="2002971" cy="2002971"/>
+            </a:xfrm>
+            <a:prstGeom prst="ellipse">
+              <a:avLst/>
+            </a:prstGeom>
+          </p:spPr>
+          <p:style>
+            <a:lnRef idx="1">
+              <a:schemeClr val="accent2"/>
+            </a:lnRef>
+            <a:fillRef idx="2">
+              <a:schemeClr val="accent2"/>
+            </a:fillRef>
+            <a:effectRef idx="1">
+              <a:schemeClr val="accent2"/>
+            </a:effectRef>
+            <a:fontRef idx="minor">
+              <a:schemeClr val="dk1"/>
+            </a:fontRef>
+          </p:style>
+          <p:txBody>
+            <a:bodyPr rtlCol="0" anchor="ctr"/>
+            <a:lstStyle/>
+            <a:p>
+              <a:pPr algn="ctr"/>
+              <a:r>
+                <a:rPr lang="en-US" sz="2400">
+                  <a:effectLst>
+                    <a:outerShdw blurRad="38100" dist="38100" dir="2700000" algn="tl">
+                      <a:srgbClr val="000000">
+                        <a:alpha val="43137"/>
+                      </a:srgbClr>
+                    </a:outerShdw>
+                  </a:effectLst>
+                </a:rPr>
+                <a:t>HTML</a:t>
+              </a:r>
+            </a:p>
+          </p:txBody>
+        </p:sp>
+        <p:sp>
+          <p:nvSpPr>
+            <p:cNvPr id="6" name="Oval 5">
+              <a:extLst>
+                <a:ext uri="{FF2B5EF4-FFF2-40B4-BE49-F238E27FC236}">
+                  <a16:creationId xmlns:a16="http://schemas.microsoft.com/office/drawing/2014/main" id="{BDF407FC-1E96-4886-AE2E-FB69258F06D3}"/>
+                </a:ext>
+              </a:extLst>
+            </p:cNvPr>
+            <p:cNvSpPr/>
+            <p:nvPr/>
+          </p:nvSpPr>
+          <p:spPr>
+            <a:xfrm>
+              <a:off x="8142513" y="2373086"/>
+              <a:ext cx="2002971" cy="2002971"/>
+            </a:xfrm>
+            <a:prstGeom prst="ellipse">
+              <a:avLst/>
+            </a:prstGeom>
+          </p:spPr>
+          <p:style>
+            <a:lnRef idx="1">
+              <a:schemeClr val="accent5"/>
+            </a:lnRef>
+            <a:fillRef idx="2">
+              <a:schemeClr val="accent5"/>
+            </a:fillRef>
+            <a:effectRef idx="1">
+              <a:schemeClr val="accent5"/>
+            </a:effectRef>
+            <a:fontRef idx="minor">
+              <a:schemeClr val="dk1"/>
+            </a:fontRef>
+          </p:style>
+          <p:txBody>
+            <a:bodyPr rtlCol="0" anchor="ctr"/>
+            <a:lstStyle/>
+            <a:p>
+              <a:pPr algn="ctr"/>
+              <a:r>
+                <a:rPr lang="en-US" sz="2400">
+                  <a:effectLst>
+                    <a:outerShdw blurRad="38100" dist="38100" dir="2700000" algn="tl">
+                      <a:srgbClr val="000000">
+                        <a:alpha val="43137"/>
+                      </a:srgbClr>
+                    </a:outerShdw>
+                  </a:effectLst>
+                </a:rPr>
+                <a:t>JSX</a:t>
+              </a:r>
+            </a:p>
+          </p:txBody>
+        </p:sp>
+        <p:sp>
+          <p:nvSpPr>
+            <p:cNvPr id="7" name="Plus Sign 6">
+              <a:extLst>
+                <a:ext uri="{FF2B5EF4-FFF2-40B4-BE49-F238E27FC236}">
+                  <a16:creationId xmlns:a16="http://schemas.microsoft.com/office/drawing/2014/main" id="{24E79A78-0713-4174-B955-837039B20C55}"/>
+                </a:ext>
+              </a:extLst>
+            </p:cNvPr>
+            <p:cNvSpPr/>
+            <p:nvPr/>
+          </p:nvSpPr>
+          <p:spPr>
+            <a:xfrm>
+              <a:off x="3831771" y="2960914"/>
+              <a:ext cx="1045029" cy="1066800"/>
+            </a:xfrm>
+            <a:prstGeom prst="mathPlus">
+              <a:avLst/>
+            </a:prstGeom>
+          </p:spPr>
+          <p:style>
+            <a:lnRef idx="2">
+              <a:schemeClr val="accent6"/>
+            </a:lnRef>
+            <a:fillRef idx="1">
+              <a:schemeClr val="lt1"/>
+            </a:fillRef>
+            <a:effectRef idx="0">
+              <a:schemeClr val="accent6"/>
+            </a:effectRef>
+            <a:fontRef idx="minor">
+              <a:schemeClr val="dk1"/>
+            </a:fontRef>
+          </p:style>
+          <p:txBody>
+            <a:bodyPr rtlCol="0" anchor="ctr"/>
+            <a:lstStyle/>
+            <a:p>
+              <a:pPr algn="ctr"/>
+              <a:endParaRPr lang="en-US"/>
+            </a:p>
+          </p:txBody>
+        </p:sp>
+        <p:sp>
+          <p:nvSpPr>
+            <p:cNvPr id="8" name="Equals 7">
+              <a:extLst>
+                <a:ext uri="{FF2B5EF4-FFF2-40B4-BE49-F238E27FC236}">
+                  <a16:creationId xmlns:a16="http://schemas.microsoft.com/office/drawing/2014/main" id="{D7C0B500-584A-4789-A86F-F51C99B31A1B}"/>
+                </a:ext>
+              </a:extLst>
+            </p:cNvPr>
+            <p:cNvSpPr/>
+            <p:nvPr/>
+          </p:nvSpPr>
+          <p:spPr>
+            <a:xfrm>
+              <a:off x="7086599" y="3004457"/>
+              <a:ext cx="849086" cy="979714"/>
+            </a:xfrm>
+            <a:prstGeom prst="mathEqual">
+              <a:avLst/>
+            </a:prstGeom>
+          </p:spPr>
+          <p:style>
+            <a:lnRef idx="2">
+              <a:schemeClr val="accent6"/>
+            </a:lnRef>
+            <a:fillRef idx="1">
+              <a:schemeClr val="lt1"/>
+            </a:fillRef>
+            <a:effectRef idx="0">
+              <a:schemeClr val="accent6"/>
+            </a:effectRef>
+            <a:fontRef idx="minor">
+              <a:schemeClr val="dk1"/>
+            </a:fontRef>
+          </p:style>
+          <p:txBody>
+            <a:bodyPr rtlCol="0" anchor="ctr"/>
+            <a:lstStyle/>
+            <a:p>
+              <a:pPr algn="ctr"/>
+              <a:endParaRPr lang="en-US">
+                <a:solidFill>
+                  <a:schemeClr val="tx1"/>
+                </a:solidFill>
+              </a:endParaRPr>
+            </a:p>
+          </p:txBody>
+        </p:sp>
+      </p:grpSp>
+      <p:grpSp>
+        <p:nvGrpSpPr>
+          <p:cNvPr id="36" name="Group 35">
+            <a:extLst>
+              <a:ext uri="{FF2B5EF4-FFF2-40B4-BE49-F238E27FC236}">
+                <a16:creationId xmlns:a16="http://schemas.microsoft.com/office/drawing/2014/main" id="{16BC1A11-BD53-4882-8336-F295298DC9FB}"/>
+              </a:ext>
+            </a:extLst>
+          </p:cNvPr>
+          <p:cNvGrpSpPr/>
+          <p:nvPr/>
+        </p:nvGrpSpPr>
+        <p:grpSpPr>
+          <a:xfrm>
+            <a:off x="1522611" y="2773723"/>
+            <a:ext cx="8798438" cy="3923126"/>
+            <a:chOff x="533399" y="1225034"/>
+            <a:chExt cx="8798438" cy="3923126"/>
+          </a:xfrm>
+        </p:grpSpPr>
+        <p:sp>
+          <p:nvSpPr>
+            <p:cNvPr id="11" name="Flowchart: Terminator 10">
+              <a:extLst>
+                <a:ext uri="{FF2B5EF4-FFF2-40B4-BE49-F238E27FC236}">
+                  <a16:creationId xmlns:a16="http://schemas.microsoft.com/office/drawing/2014/main" id="{74AEB120-8DA5-43E4-BE46-DE0E734F2D29}"/>
+                </a:ext>
+              </a:extLst>
+            </p:cNvPr>
+            <p:cNvSpPr/>
+            <p:nvPr/>
+          </p:nvSpPr>
+          <p:spPr>
+            <a:xfrm>
+              <a:off x="2982687" y="1295401"/>
+              <a:ext cx="2155371" cy="729342"/>
+            </a:xfrm>
+            <a:prstGeom prst="flowChartTerminator">
+              <a:avLst/>
+            </a:prstGeom>
+          </p:spPr>
+          <p:style>
+            <a:lnRef idx="1">
+              <a:schemeClr val="accent1"/>
+            </a:lnRef>
+            <a:fillRef idx="2">
+              <a:schemeClr val="accent1"/>
+            </a:fillRef>
+            <a:effectRef idx="1">
+              <a:schemeClr val="accent1"/>
+            </a:effectRef>
+            <a:fontRef idx="minor">
+              <a:schemeClr val="dk1"/>
+            </a:fontRef>
+          </p:style>
+          <p:txBody>
+            <a:bodyPr rtlCol="0" anchor="ctr"/>
+            <a:lstStyle/>
+            <a:p>
+              <a:pPr algn="ctr"/>
+              <a:r>
+                <a:rPr lang="en-US">
+                  <a:solidFill>
+                    <a:schemeClr val="bg1"/>
+                  </a:solidFill>
+                  <a:latin typeface="Times New Roman" panose="02020603050405020304" pitchFamily="18" charset="0"/>
+                  <a:cs typeface="Times New Roman" panose="02020603050405020304" pitchFamily="18" charset="0"/>
+                </a:rPr>
+                <a:t>Component</a:t>
+              </a:r>
+            </a:p>
+          </p:txBody>
+        </p:sp>
+        <p:sp>
+          <p:nvSpPr>
+            <p:cNvPr id="12" name="Flowchart: Terminator 11">
+              <a:extLst>
+                <a:ext uri="{FF2B5EF4-FFF2-40B4-BE49-F238E27FC236}">
+                  <a16:creationId xmlns:a16="http://schemas.microsoft.com/office/drawing/2014/main" id="{B1935940-AE9F-491F-8B5F-463C53D27110}"/>
+                </a:ext>
+              </a:extLst>
+            </p:cNvPr>
+            <p:cNvSpPr/>
+            <p:nvPr/>
+          </p:nvSpPr>
+          <p:spPr>
+            <a:xfrm>
+              <a:off x="1366159" y="2590801"/>
+              <a:ext cx="2155371" cy="729342"/>
+            </a:xfrm>
+            <a:prstGeom prst="flowChartTerminator">
+              <a:avLst/>
+            </a:prstGeom>
+          </p:spPr>
+          <p:style>
+            <a:lnRef idx="1">
+              <a:schemeClr val="accent1"/>
+            </a:lnRef>
+            <a:fillRef idx="2">
+              <a:schemeClr val="accent1"/>
+            </a:fillRef>
+            <a:effectRef idx="1">
+              <a:schemeClr val="accent1"/>
+            </a:effectRef>
+            <a:fontRef idx="minor">
+              <a:schemeClr val="dk1"/>
+            </a:fontRef>
+          </p:style>
+          <p:txBody>
+            <a:bodyPr rtlCol="0" anchor="ctr"/>
+            <a:lstStyle/>
+            <a:p>
+              <a:pPr algn="ctr"/>
+              <a:r>
+                <a:rPr lang="en-US">
+                  <a:solidFill>
+                    <a:schemeClr val="bg1"/>
+                  </a:solidFill>
+                  <a:latin typeface="Times New Roman" panose="02020603050405020304" pitchFamily="18" charset="0"/>
+                  <a:cs typeface="Times New Roman" panose="02020603050405020304" pitchFamily="18" charset="0"/>
+                </a:rPr>
+                <a:t>Component</a:t>
+              </a:r>
+            </a:p>
+          </p:txBody>
+        </p:sp>
+        <p:sp>
+          <p:nvSpPr>
+            <p:cNvPr id="13" name="Flowchart: Terminator 12">
+              <a:extLst>
+                <a:ext uri="{FF2B5EF4-FFF2-40B4-BE49-F238E27FC236}">
+                  <a16:creationId xmlns:a16="http://schemas.microsoft.com/office/drawing/2014/main" id="{8D1FC7F6-453B-43D0-9FB4-08599FBE1FD8}"/>
+                </a:ext>
+              </a:extLst>
+            </p:cNvPr>
+            <p:cNvSpPr/>
+            <p:nvPr/>
+          </p:nvSpPr>
+          <p:spPr>
+            <a:xfrm>
+              <a:off x="4691744" y="2590801"/>
+              <a:ext cx="2155371" cy="729342"/>
+            </a:xfrm>
+            <a:prstGeom prst="flowChartTerminator">
+              <a:avLst/>
+            </a:prstGeom>
+          </p:spPr>
+          <p:style>
+            <a:lnRef idx="1">
+              <a:schemeClr val="accent1"/>
+            </a:lnRef>
+            <a:fillRef idx="2">
+              <a:schemeClr val="accent1"/>
+            </a:fillRef>
+            <a:effectRef idx="1">
+              <a:schemeClr val="accent1"/>
+            </a:effectRef>
+            <a:fontRef idx="minor">
+              <a:schemeClr val="dk1"/>
+            </a:fontRef>
+          </p:style>
+          <p:txBody>
+            <a:bodyPr rtlCol="0" anchor="ctr"/>
+            <a:lstStyle/>
+            <a:p>
+              <a:pPr algn="ctr"/>
+              <a:r>
+                <a:rPr lang="en-US">
+                  <a:solidFill>
+                    <a:schemeClr val="bg1"/>
+                  </a:solidFill>
+                  <a:latin typeface="Times New Roman" panose="02020603050405020304" pitchFamily="18" charset="0"/>
+                  <a:cs typeface="Times New Roman" panose="02020603050405020304" pitchFamily="18" charset="0"/>
+                </a:rPr>
+                <a:t>Component</a:t>
+              </a:r>
+            </a:p>
+          </p:txBody>
+        </p:sp>
+        <p:sp>
+          <p:nvSpPr>
+            <p:cNvPr id="14" name="Flowchart: Terminator 13">
+              <a:extLst>
+                <a:ext uri="{FF2B5EF4-FFF2-40B4-BE49-F238E27FC236}">
+                  <a16:creationId xmlns:a16="http://schemas.microsoft.com/office/drawing/2014/main" id="{61A72635-08EE-4BBD-9661-B821FBE882BC}"/>
+                </a:ext>
+              </a:extLst>
+            </p:cNvPr>
+            <p:cNvSpPr/>
+            <p:nvPr/>
+          </p:nvSpPr>
+          <p:spPr>
+            <a:xfrm>
+              <a:off x="3075216" y="4049485"/>
+              <a:ext cx="2155371" cy="729342"/>
+            </a:xfrm>
+            <a:prstGeom prst="flowChartTerminator">
+              <a:avLst/>
+            </a:prstGeom>
+          </p:spPr>
+          <p:style>
+            <a:lnRef idx="1">
+              <a:schemeClr val="accent1"/>
+            </a:lnRef>
+            <a:fillRef idx="2">
+              <a:schemeClr val="accent1"/>
+            </a:fillRef>
+            <a:effectRef idx="1">
+              <a:schemeClr val="accent1"/>
+            </a:effectRef>
+            <a:fontRef idx="minor">
+              <a:schemeClr val="dk1"/>
+            </a:fontRef>
+          </p:style>
+          <p:txBody>
+            <a:bodyPr rtlCol="0" anchor="ctr"/>
+            <a:lstStyle/>
+            <a:p>
+              <a:pPr algn="ctr"/>
+              <a:r>
+                <a:rPr lang="en-US">
+                  <a:solidFill>
+                    <a:schemeClr val="bg1"/>
+                  </a:solidFill>
+                  <a:latin typeface="Times New Roman" panose="02020603050405020304" pitchFamily="18" charset="0"/>
+                  <a:cs typeface="Times New Roman" panose="02020603050405020304" pitchFamily="18" charset="0"/>
+                </a:rPr>
+                <a:t>Component</a:t>
+              </a:r>
+            </a:p>
+          </p:txBody>
+        </p:sp>
+        <p:sp>
+          <p:nvSpPr>
+            <p:cNvPr id="15" name="Flowchart: Terminator 14">
+              <a:extLst>
+                <a:ext uri="{FF2B5EF4-FFF2-40B4-BE49-F238E27FC236}">
+                  <a16:creationId xmlns:a16="http://schemas.microsoft.com/office/drawing/2014/main" id="{0B00D19A-948F-46EC-ACF2-5AB8E311E4C9}"/>
+                </a:ext>
+              </a:extLst>
+            </p:cNvPr>
+            <p:cNvSpPr/>
+            <p:nvPr/>
+          </p:nvSpPr>
+          <p:spPr>
+            <a:xfrm>
+              <a:off x="6238541" y="4033158"/>
+              <a:ext cx="2155371" cy="729342"/>
+            </a:xfrm>
+            <a:prstGeom prst="flowChartTerminator">
+              <a:avLst/>
+            </a:prstGeom>
+          </p:spPr>
+          <p:style>
+            <a:lnRef idx="1">
+              <a:schemeClr val="accent1"/>
+            </a:lnRef>
+            <a:fillRef idx="2">
+              <a:schemeClr val="accent1"/>
+            </a:fillRef>
+            <a:effectRef idx="1">
+              <a:schemeClr val="accent1"/>
+            </a:effectRef>
+            <a:fontRef idx="minor">
+              <a:schemeClr val="dk1"/>
+            </a:fontRef>
+          </p:style>
+          <p:txBody>
+            <a:bodyPr rtlCol="0" anchor="ctr"/>
+            <a:lstStyle/>
+            <a:p>
+              <a:pPr algn="ctr"/>
+              <a:r>
+                <a:rPr lang="en-US">
+                  <a:solidFill>
+                    <a:schemeClr val="bg1"/>
+                  </a:solidFill>
+                  <a:latin typeface="Times New Roman" panose="02020603050405020304" pitchFamily="18" charset="0"/>
+                  <a:cs typeface="Times New Roman" panose="02020603050405020304" pitchFamily="18" charset="0"/>
+                </a:rPr>
+                <a:t>Component</a:t>
+              </a:r>
+            </a:p>
+          </p:txBody>
+        </p:sp>
+        <p:cxnSp>
+          <p:nvCxnSpPr>
+            <p:cNvPr id="17" name="Straight Arrow Connector 16">
+              <a:extLst>
+                <a:ext uri="{FF2B5EF4-FFF2-40B4-BE49-F238E27FC236}">
+                  <a16:creationId xmlns:a16="http://schemas.microsoft.com/office/drawing/2014/main" id="{62C5F1FC-1FEF-4EAE-A20F-4E6785E36344}"/>
+                </a:ext>
+              </a:extLst>
+            </p:cNvPr>
+            <p:cNvCxnSpPr>
+              <a:stCxn id="11" idx="2"/>
+              <a:endCxn id="12" idx="0"/>
+            </p:cNvCxnSpPr>
+            <p:nvPr/>
+          </p:nvCxnSpPr>
+          <p:spPr>
+            <a:xfrm flipH="1">
+              <a:off x="2443845" y="2024743"/>
+              <a:ext cx="1616528" cy="566058"/>
+            </a:xfrm>
+            <a:prstGeom prst="straightConnector1">
+              <a:avLst/>
+            </a:prstGeom>
+            <a:ln>
+              <a:tailEnd type="triangle"/>
+            </a:ln>
+          </p:spPr>
+          <p:style>
+            <a:lnRef idx="1">
+              <a:schemeClr val="dk1"/>
+            </a:lnRef>
+            <a:fillRef idx="0">
+              <a:schemeClr val="dk1"/>
+            </a:fillRef>
+            <a:effectRef idx="0">
+              <a:schemeClr val="dk1"/>
+            </a:effectRef>
+            <a:fontRef idx="minor">
+              <a:schemeClr val="tx1"/>
+            </a:fontRef>
+          </p:style>
+        </p:cxnSp>
+        <p:cxnSp>
+          <p:nvCxnSpPr>
+            <p:cNvPr id="19" name="Straight Arrow Connector 18">
+              <a:extLst>
+                <a:ext uri="{FF2B5EF4-FFF2-40B4-BE49-F238E27FC236}">
+                  <a16:creationId xmlns:a16="http://schemas.microsoft.com/office/drawing/2014/main" id="{712F1D98-62E5-47D7-9852-652FD536A3FC}"/>
+                </a:ext>
+              </a:extLst>
+            </p:cNvPr>
+            <p:cNvCxnSpPr>
+              <a:cxnSpLocks/>
+              <a:stCxn id="11" idx="2"/>
+              <a:endCxn id="13" idx="0"/>
+            </p:cNvCxnSpPr>
+            <p:nvPr/>
+          </p:nvCxnSpPr>
+          <p:spPr>
+            <a:xfrm>
+              <a:off x="4060373" y="2024743"/>
+              <a:ext cx="1709057" cy="566058"/>
+            </a:xfrm>
+            <a:prstGeom prst="straightConnector1">
+              <a:avLst/>
+            </a:prstGeom>
+            <a:ln>
+              <a:tailEnd type="triangle"/>
+            </a:ln>
+          </p:spPr>
+          <p:style>
+            <a:lnRef idx="1">
+              <a:schemeClr val="dk1"/>
+            </a:lnRef>
+            <a:fillRef idx="0">
+              <a:schemeClr val="dk1"/>
+            </a:fillRef>
+            <a:effectRef idx="0">
+              <a:schemeClr val="dk1"/>
+            </a:effectRef>
+            <a:fontRef idx="minor">
+              <a:schemeClr val="tx1"/>
+            </a:fontRef>
+          </p:style>
+        </p:cxnSp>
+        <p:cxnSp>
+          <p:nvCxnSpPr>
+            <p:cNvPr id="23" name="Straight Arrow Connector 22">
+              <a:extLst>
+                <a:ext uri="{FF2B5EF4-FFF2-40B4-BE49-F238E27FC236}">
+                  <a16:creationId xmlns:a16="http://schemas.microsoft.com/office/drawing/2014/main" id="{1137C37B-0784-4070-8FB6-171798129330}"/>
+                </a:ext>
+              </a:extLst>
+            </p:cNvPr>
+            <p:cNvCxnSpPr>
+              <a:cxnSpLocks/>
+              <a:stCxn id="13" idx="2"/>
+              <a:endCxn id="14" idx="0"/>
+            </p:cNvCxnSpPr>
+            <p:nvPr/>
+          </p:nvCxnSpPr>
+          <p:spPr>
+            <a:xfrm flipH="1">
+              <a:off x="4152902" y="3320143"/>
+              <a:ext cx="1616528" cy="729342"/>
+            </a:xfrm>
+            <a:prstGeom prst="straightConnector1">
+              <a:avLst/>
+            </a:prstGeom>
+            <a:ln>
+              <a:tailEnd type="triangle"/>
+            </a:ln>
+          </p:spPr>
+          <p:style>
+            <a:lnRef idx="1">
+              <a:schemeClr val="dk1"/>
+            </a:lnRef>
+            <a:fillRef idx="0">
+              <a:schemeClr val="dk1"/>
+            </a:fillRef>
+            <a:effectRef idx="0">
+              <a:schemeClr val="dk1"/>
+            </a:effectRef>
+            <a:fontRef idx="minor">
+              <a:schemeClr val="tx1"/>
+            </a:fontRef>
+          </p:style>
+        </p:cxnSp>
+        <p:cxnSp>
+          <p:nvCxnSpPr>
+            <p:cNvPr id="24" name="Straight Arrow Connector 23">
+              <a:extLst>
+                <a:ext uri="{FF2B5EF4-FFF2-40B4-BE49-F238E27FC236}">
+                  <a16:creationId xmlns:a16="http://schemas.microsoft.com/office/drawing/2014/main" id="{AA45E3FD-4860-4578-8375-2C86BE19DAD1}"/>
+                </a:ext>
+              </a:extLst>
+            </p:cNvPr>
+            <p:cNvCxnSpPr>
+              <a:cxnSpLocks/>
+              <a:stCxn id="13" idx="2"/>
+              <a:endCxn id="15" idx="0"/>
+            </p:cNvCxnSpPr>
+            <p:nvPr/>
+          </p:nvCxnSpPr>
+          <p:spPr>
+            <a:xfrm>
+              <a:off x="5769430" y="3320143"/>
+              <a:ext cx="1546797" cy="713015"/>
+            </a:xfrm>
+            <a:prstGeom prst="straightConnector1">
+              <a:avLst/>
+            </a:prstGeom>
+            <a:ln>
+              <a:tailEnd type="triangle"/>
+            </a:ln>
+          </p:spPr>
+          <p:style>
+            <a:lnRef idx="1">
+              <a:schemeClr val="dk1"/>
+            </a:lnRef>
+            <a:fillRef idx="0">
+              <a:schemeClr val="dk1"/>
+            </a:fillRef>
+            <a:effectRef idx="0">
+              <a:schemeClr val="dk1"/>
+            </a:effectRef>
+            <a:fontRef idx="minor">
+              <a:schemeClr val="tx1"/>
+            </a:fontRef>
+          </p:style>
+        </p:cxnSp>
+        <p:sp>
+          <p:nvSpPr>
+            <p:cNvPr id="32" name="Arrow: Down 31">
+              <a:extLst>
+                <a:ext uri="{FF2B5EF4-FFF2-40B4-BE49-F238E27FC236}">
+                  <a16:creationId xmlns:a16="http://schemas.microsoft.com/office/drawing/2014/main" id="{FE8236EB-BC68-48B6-8278-2F7765A4EA46}"/>
+                </a:ext>
+              </a:extLst>
+            </p:cNvPr>
+            <p:cNvSpPr/>
+            <p:nvPr/>
+          </p:nvSpPr>
+          <p:spPr>
+            <a:xfrm>
+              <a:off x="533399" y="1785258"/>
+              <a:ext cx="734788" cy="3362902"/>
+            </a:xfrm>
+            <a:prstGeom prst="downArrow">
+              <a:avLst/>
+            </a:prstGeom>
+            <a:gradFill flip="none" rotWithShape="1">
+              <a:gsLst>
+                <a:gs pos="0">
+                  <a:schemeClr val="accent1">
+                    <a:tint val="66000"/>
+                    <a:satMod val="160000"/>
+                  </a:schemeClr>
+                </a:gs>
+                <a:gs pos="50000">
+                  <a:schemeClr val="accent1">
+                    <a:tint val="44500"/>
+                    <a:satMod val="160000"/>
+                  </a:schemeClr>
+                </a:gs>
+                <a:gs pos="100000">
+                  <a:schemeClr val="accent1">
+                    <a:tint val="23500"/>
+                    <a:satMod val="160000"/>
+                  </a:schemeClr>
+                </a:gs>
+              </a:gsLst>
+              <a:lin ang="16200000" scaled="1"/>
+              <a:tileRect/>
+            </a:gradFill>
+          </p:spPr>
+          <p:style>
+            <a:lnRef idx="2">
+              <a:schemeClr val="accent1">
+                <a:shade val="50000"/>
+              </a:schemeClr>
+            </a:lnRef>
+            <a:fillRef idx="1">
+              <a:schemeClr val="accent1"/>
+            </a:fillRef>
+            <a:effectRef idx="0">
+              <a:schemeClr val="accent1"/>
+            </a:effectRef>
+            <a:fontRef idx="minor">
+              <a:schemeClr val="lt1"/>
+            </a:fontRef>
+          </p:style>
+          <p:txBody>
+            <a:bodyPr rtlCol="0" anchor="ctr"/>
+            <a:lstStyle/>
+            <a:p>
+              <a:pPr algn="ctr"/>
+              <a:endParaRPr lang="en-US"/>
+            </a:p>
+          </p:txBody>
+        </p:sp>
+        <p:sp>
+          <p:nvSpPr>
+            <p:cNvPr id="33" name="Arrow: Up 32">
+              <a:extLst>
+                <a:ext uri="{FF2B5EF4-FFF2-40B4-BE49-F238E27FC236}">
+                  <a16:creationId xmlns:a16="http://schemas.microsoft.com/office/drawing/2014/main" id="{C7CD5DFA-5DA3-409D-8AE9-4262DC4933F9}"/>
+                </a:ext>
+              </a:extLst>
+            </p:cNvPr>
+            <p:cNvSpPr/>
+            <p:nvPr/>
+          </p:nvSpPr>
+          <p:spPr>
+            <a:xfrm>
+              <a:off x="8529985" y="1295401"/>
+              <a:ext cx="734788" cy="3467099"/>
+            </a:xfrm>
+            <a:prstGeom prst="upArrow">
+              <a:avLst/>
+            </a:prstGeom>
+            <a:gradFill flip="none" rotWithShape="1">
+              <a:gsLst>
+                <a:gs pos="0">
+                  <a:schemeClr val="accent1">
+                    <a:tint val="66000"/>
+                    <a:satMod val="160000"/>
+                  </a:schemeClr>
+                </a:gs>
+                <a:gs pos="50000">
+                  <a:schemeClr val="accent1">
+                    <a:tint val="44500"/>
+                    <a:satMod val="160000"/>
+                  </a:schemeClr>
+                </a:gs>
+                <a:gs pos="100000">
+                  <a:schemeClr val="accent1">
+                    <a:tint val="23500"/>
+                    <a:satMod val="160000"/>
+                  </a:schemeClr>
+                </a:gs>
+              </a:gsLst>
+              <a:lin ang="16200000" scaled="1"/>
+              <a:tileRect/>
+            </a:gradFill>
+          </p:spPr>
+          <p:style>
+            <a:lnRef idx="2">
+              <a:schemeClr val="accent1">
+                <a:shade val="50000"/>
+              </a:schemeClr>
+            </a:lnRef>
+            <a:fillRef idx="1">
+              <a:schemeClr val="accent1"/>
+            </a:fillRef>
+            <a:effectRef idx="0">
+              <a:schemeClr val="accent1"/>
+            </a:effectRef>
+            <a:fontRef idx="minor">
+              <a:schemeClr val="lt1"/>
+            </a:fontRef>
+          </p:style>
+          <p:txBody>
+            <a:bodyPr rot="0" spcFirstLastPara="0" vertOverflow="overflow" horzOverflow="overflow" vert="horz" wrap="square" lIns="91440" tIns="45720" rIns="91440" bIns="45720" numCol="1" spcCol="0" rtlCol="0" fromWordArt="0" anchor="ctr" anchorCtr="0" forceAA="0" compatLnSpc="1">
+              <a:prstTxWarp prst="textNoShape">
+                <a:avLst/>
+              </a:prstTxWarp>
+              <a:noAutofit/>
+            </a:bodyPr>
+            <a:lstStyle/>
+            <a:p>
+              <a:pPr algn="ctr"/>
+              <a:endParaRPr lang="en-US"/>
+            </a:p>
+          </p:txBody>
+        </p:sp>
+        <p:sp>
+          <p:nvSpPr>
+            <p:cNvPr id="34" name="TextBox 33">
+              <a:extLst>
+                <a:ext uri="{FF2B5EF4-FFF2-40B4-BE49-F238E27FC236}">
+                  <a16:creationId xmlns:a16="http://schemas.microsoft.com/office/drawing/2014/main" id="{2F239BE6-E7B9-4E70-B4F0-79754B34B6E9}"/>
+                </a:ext>
+              </a:extLst>
+            </p:cNvPr>
+            <p:cNvSpPr txBox="1"/>
+            <p:nvPr/>
+          </p:nvSpPr>
+          <p:spPr>
+            <a:xfrm>
+              <a:off x="631371" y="1225034"/>
+              <a:ext cx="734788" cy="369332"/>
+            </a:xfrm>
+            <a:prstGeom prst="rect">
+              <a:avLst/>
+            </a:prstGeom>
+            <a:noFill/>
+          </p:spPr>
+          <p:txBody>
+            <a:bodyPr wrap="square" rtlCol="0">
+              <a:spAutoFit/>
+            </a:bodyPr>
+            <a:lstStyle/>
+            <a:p>
+              <a:r>
+                <a:rPr lang="en-US">
+                  <a:latin typeface="Times New Roman" panose="02020603050405020304" pitchFamily="18" charset="0"/>
+                  <a:cs typeface="Times New Roman" panose="02020603050405020304" pitchFamily="18" charset="0"/>
+                </a:rPr>
+                <a:t>Data</a:t>
+              </a:r>
+            </a:p>
+          </p:txBody>
+        </p:sp>
+        <p:sp>
+          <p:nvSpPr>
+            <p:cNvPr id="35" name="TextBox 34">
+              <a:extLst>
+                <a:ext uri="{FF2B5EF4-FFF2-40B4-BE49-F238E27FC236}">
+                  <a16:creationId xmlns:a16="http://schemas.microsoft.com/office/drawing/2014/main" id="{68BB7786-A31A-4ACC-BE18-2146EAC0F31A}"/>
+                </a:ext>
+              </a:extLst>
+            </p:cNvPr>
+            <p:cNvSpPr txBox="1"/>
+            <p:nvPr/>
+          </p:nvSpPr>
+          <p:spPr>
+            <a:xfrm>
+              <a:off x="8504525" y="4778827"/>
+              <a:ext cx="827312" cy="369332"/>
+            </a:xfrm>
+            <a:prstGeom prst="rect">
+              <a:avLst/>
+            </a:prstGeom>
+            <a:noFill/>
+          </p:spPr>
+          <p:txBody>
+            <a:bodyPr wrap="square" rtlCol="0">
+              <a:spAutoFit/>
+            </a:bodyPr>
+            <a:lstStyle/>
+            <a:p>
+              <a:r>
+                <a:rPr lang="en-US">
+                  <a:latin typeface="Times New Roman" panose="02020603050405020304" pitchFamily="18" charset="0"/>
+                  <a:cs typeface="Times New Roman" panose="02020603050405020304" pitchFamily="18" charset="0"/>
+                </a:rPr>
+                <a:t>Events</a:t>
+              </a:r>
+            </a:p>
+          </p:txBody>
+        </p:sp>
+      </p:grpSp>
+    </p:spTree>
+    <p:extLst>
+      <p:ext uri="{BB962C8B-B14F-4D97-AF65-F5344CB8AC3E}">
+        <p14:creationId xmlns:p14="http://schemas.microsoft.com/office/powerpoint/2010/main" val="128781761"/>
+      </p:ext>
+    </p:extLst>
+  </p:cSld>
+  <p:clrMapOvr>
+    <a:masterClrMapping/>
+  </p:clrMapOvr>
+</p:sld>
+</file>
+
 <file path=ppt/theme/theme1.xml><?xml version="1.0" encoding="utf-8"?>
 <a:theme xmlns:a="http://schemas.openxmlformats.org/drawingml/2006/main" name="Office Theme">
   <a:themeElements>

--- a/mohinhsodo.pptx
+++ b/mohinhsodo.pptx
@@ -16,6 +16,7 @@
     <p:sldId id="264" r:id="rId10"/>
     <p:sldId id="265" r:id="rId11"/>
     <p:sldId id="266" r:id="rId12"/>
+    <p:sldId id="267" r:id="rId13"/>
   </p:sldIdLst>
   <p:sldSz cx="12192000" cy="6858000"/>
   <p:notesSz cx="6858000" cy="9144000"/>
@@ -269,7 +270,7 @@
           <a:p>
             <a:fld id="{E9A477DE-2A49-4315-B0F5-CB129B6ABD66}" type="datetimeFigureOut">
               <a:rPr lang="en-US" smtClean="0"/>
-              <a:t>11/17/2018</a:t>
+              <a:t>12/4/2018</a:t>
             </a:fld>
             <a:endParaRPr lang="en-US"/>
           </a:p>
@@ -467,7 +468,7 @@
           <a:p>
             <a:fld id="{E9A477DE-2A49-4315-B0F5-CB129B6ABD66}" type="datetimeFigureOut">
               <a:rPr lang="en-US" smtClean="0"/>
-              <a:t>11/17/2018</a:t>
+              <a:t>12/4/2018</a:t>
             </a:fld>
             <a:endParaRPr lang="en-US"/>
           </a:p>
@@ -675,7 +676,7 @@
           <a:p>
             <a:fld id="{E9A477DE-2A49-4315-B0F5-CB129B6ABD66}" type="datetimeFigureOut">
               <a:rPr lang="en-US" smtClean="0"/>
-              <a:t>11/17/2018</a:t>
+              <a:t>12/4/2018</a:t>
             </a:fld>
             <a:endParaRPr lang="en-US"/>
           </a:p>
@@ -873,7 +874,7 @@
           <a:p>
             <a:fld id="{E9A477DE-2A49-4315-B0F5-CB129B6ABD66}" type="datetimeFigureOut">
               <a:rPr lang="en-US" smtClean="0"/>
-              <a:t>11/17/2018</a:t>
+              <a:t>12/4/2018</a:t>
             </a:fld>
             <a:endParaRPr lang="en-US"/>
           </a:p>
@@ -1148,7 +1149,7 @@
           <a:p>
             <a:fld id="{E9A477DE-2A49-4315-B0F5-CB129B6ABD66}" type="datetimeFigureOut">
               <a:rPr lang="en-US" smtClean="0"/>
-              <a:t>11/17/2018</a:t>
+              <a:t>12/4/2018</a:t>
             </a:fld>
             <a:endParaRPr lang="en-US"/>
           </a:p>
@@ -1413,7 +1414,7 @@
           <a:p>
             <a:fld id="{E9A477DE-2A49-4315-B0F5-CB129B6ABD66}" type="datetimeFigureOut">
               <a:rPr lang="en-US" smtClean="0"/>
-              <a:t>11/17/2018</a:t>
+              <a:t>12/4/2018</a:t>
             </a:fld>
             <a:endParaRPr lang="en-US"/>
           </a:p>
@@ -1825,7 +1826,7 @@
           <a:p>
             <a:fld id="{E9A477DE-2A49-4315-B0F5-CB129B6ABD66}" type="datetimeFigureOut">
               <a:rPr lang="en-US" smtClean="0"/>
-              <a:t>11/17/2018</a:t>
+              <a:t>12/4/2018</a:t>
             </a:fld>
             <a:endParaRPr lang="en-US"/>
           </a:p>
@@ -1966,7 +1967,7 @@
           <a:p>
             <a:fld id="{E9A477DE-2A49-4315-B0F5-CB129B6ABD66}" type="datetimeFigureOut">
               <a:rPr lang="en-US" smtClean="0"/>
-              <a:t>11/17/2018</a:t>
+              <a:t>12/4/2018</a:t>
             </a:fld>
             <a:endParaRPr lang="en-US"/>
           </a:p>
@@ -2079,7 +2080,7 @@
           <a:p>
             <a:fld id="{E9A477DE-2A49-4315-B0F5-CB129B6ABD66}" type="datetimeFigureOut">
               <a:rPr lang="en-US" smtClean="0"/>
-              <a:t>11/17/2018</a:t>
+              <a:t>12/4/2018</a:t>
             </a:fld>
             <a:endParaRPr lang="en-US"/>
           </a:p>
@@ -2390,7 +2391,7 @@
           <a:p>
             <a:fld id="{E9A477DE-2A49-4315-B0F5-CB129B6ABD66}" type="datetimeFigureOut">
               <a:rPr lang="en-US" smtClean="0"/>
-              <a:t>11/17/2018</a:t>
+              <a:t>12/4/2018</a:t>
             </a:fld>
             <a:endParaRPr lang="en-US"/>
           </a:p>
@@ -2678,7 +2679,7 @@
           <a:p>
             <a:fld id="{E9A477DE-2A49-4315-B0F5-CB129B6ABD66}" type="datetimeFigureOut">
               <a:rPr lang="en-US" smtClean="0"/>
-              <a:t>11/17/2018</a:t>
+              <a:t>12/4/2018</a:t>
             </a:fld>
             <a:endParaRPr lang="en-US"/>
           </a:p>
@@ -2919,7 +2920,7 @@
           <a:p>
             <a:fld id="{E9A477DE-2A49-4315-B0F5-CB129B6ABD66}" type="datetimeFigureOut">
               <a:rPr lang="en-US" smtClean="0"/>
-              <a:t>11/17/2018</a:t>
+              <a:t>12/4/2018</a:t>
             </a:fld>
             <a:endParaRPr lang="en-US"/>
           </a:p>
@@ -6066,6 +6067,888 @@
 </p:sld>
 </file>
 
+<file path=ppt/slides/slide12.xml><?xml version="1.0" encoding="utf-8"?>
+<p:sld xmlns:a="http://schemas.openxmlformats.org/drawingml/2006/main" xmlns:r="http://schemas.openxmlformats.org/officeDocument/2006/relationships" xmlns:p="http://schemas.openxmlformats.org/presentationml/2006/main">
+  <p:cSld>
+    <p:spTree>
+      <p:nvGrpSpPr>
+        <p:cNvPr id="1" name=""/>
+        <p:cNvGrpSpPr/>
+        <p:nvPr/>
+      </p:nvGrpSpPr>
+      <p:grpSpPr>
+        <a:xfrm>
+          <a:off x="0" y="0"/>
+          <a:ext cx="0" cy="0"/>
+          <a:chOff x="0" y="0"/>
+          <a:chExt cx="0" cy="0"/>
+        </a:xfrm>
+      </p:grpSpPr>
+      <p:graphicFrame>
+        <p:nvGraphicFramePr>
+          <p:cNvPr id="5" name="Table 4">
+            <a:extLst>
+              <a:ext uri="{FF2B5EF4-FFF2-40B4-BE49-F238E27FC236}">
+                <a16:creationId xmlns:a16="http://schemas.microsoft.com/office/drawing/2014/main" id="{027E7CA9-95ED-403F-AAA8-37DE8C65268E}"/>
+              </a:ext>
+            </a:extLst>
+          </p:cNvPr>
+          <p:cNvGraphicFramePr>
+            <a:graphicFrameLocks noGrp="1"/>
+          </p:cNvGraphicFramePr>
+          <p:nvPr>
+            <p:extLst>
+              <p:ext uri="{D42A27DB-BD31-4B8C-83A1-F6EECF244321}">
+                <p14:modId xmlns:p14="http://schemas.microsoft.com/office/powerpoint/2010/main" val="1408046096"/>
+              </p:ext>
+            </p:extLst>
+          </p:nvPr>
+        </p:nvGraphicFramePr>
+        <p:xfrm>
+          <a:off x="914400" y="618066"/>
+          <a:ext cx="4698999" cy="2479040"/>
+        </p:xfrm>
+        <a:graphic>
+          <a:graphicData uri="http://schemas.openxmlformats.org/drawingml/2006/table">
+            <a:tbl>
+              <a:tblPr firstRow="1" bandRow="1">
+                <a:tableStyleId>{BC89EF96-8CEA-46FF-86C4-4CE0E7609802}</a:tableStyleId>
+              </a:tblPr>
+              <a:tblGrid>
+                <a:gridCol w="1566333">
+                  <a:extLst>
+                    <a:ext uri="{9D8B030D-6E8A-4147-A177-3AD203B41FA5}">
+                      <a16:colId xmlns:a16="http://schemas.microsoft.com/office/drawing/2014/main" val="1436327530"/>
+                    </a:ext>
+                  </a:extLst>
+                </a:gridCol>
+                <a:gridCol w="1566333">
+                  <a:extLst>
+                    <a:ext uri="{9D8B030D-6E8A-4147-A177-3AD203B41FA5}">
+                      <a16:colId xmlns:a16="http://schemas.microsoft.com/office/drawing/2014/main" val="2737751025"/>
+                    </a:ext>
+                  </a:extLst>
+                </a:gridCol>
+                <a:gridCol w="1566333">
+                  <a:extLst>
+                    <a:ext uri="{9D8B030D-6E8A-4147-A177-3AD203B41FA5}">
+                      <a16:colId xmlns:a16="http://schemas.microsoft.com/office/drawing/2014/main" val="3377856155"/>
+                    </a:ext>
+                  </a:extLst>
+                </a:gridCol>
+              </a:tblGrid>
+              <a:tr h="370840">
+                <a:tc>
+                  <a:txBody>
+                    <a:bodyPr/>
+                    <a:lstStyle/>
+                    <a:p>
+                      <a:pPr algn="ctr"/>
+                      <a:r>
+                        <a:rPr lang="en-US" b="0"/>
+                        <a:t>COLLECTION</a:t>
+                      </a:r>
+                    </a:p>
+                  </a:txBody>
+                  <a:tcPr anchor="ctr"/>
+                </a:tc>
+                <a:tc>
+                  <a:txBody>
+                    <a:bodyPr/>
+                    <a:lstStyle/>
+                    <a:p>
+                      <a:pPr algn="ctr"/>
+                      <a:r>
+                        <a:rPr lang="en-US" b="0"/>
+                        <a:t>DOCUMENT</a:t>
+                      </a:r>
+                    </a:p>
+                  </a:txBody>
+                  <a:tcPr anchor="ctr"/>
+                </a:tc>
+                <a:tc>
+                  <a:txBody>
+                    <a:bodyPr/>
+                    <a:lstStyle/>
+                    <a:p>
+                      <a:pPr algn="ctr"/>
+                      <a:r>
+                        <a:rPr lang="en-US" b="0"/>
+                        <a:t>FIELD</a:t>
+                      </a:r>
+                    </a:p>
+                  </a:txBody>
+                  <a:tcPr anchor="ctr"/>
+                </a:tc>
+                <a:extLst>
+                  <a:ext uri="{0D108BD9-81ED-4DB2-BD59-A6C34878D82A}">
+                    <a16:rowId xmlns:a16="http://schemas.microsoft.com/office/drawing/2014/main" val="2323869956"/>
+                  </a:ext>
+                </a:extLst>
+              </a:tr>
+              <a:tr h="370840">
+                <a:tc rowSpan="2">
+                  <a:txBody>
+                    <a:bodyPr/>
+                    <a:lstStyle/>
+                    <a:p>
+                      <a:pPr algn="ctr"/>
+                      <a:r>
+                        <a:rPr lang="en-US"/>
+                        <a:t>managers</a:t>
+                      </a:r>
+                    </a:p>
+                  </a:txBody>
+                  <a:tcPr anchor="ctr">
+                    <a:solidFill>
+                      <a:schemeClr val="bg1"/>
+                    </a:solidFill>
+                  </a:tcPr>
+                </a:tc>
+                <a:tc>
+                  <a:txBody>
+                    <a:bodyPr/>
+                    <a:lstStyle/>
+                    <a:p>
+                      <a:pPr algn="ctr"/>
+                      <a:r>
+                        <a:rPr lang="en-US"/>
+                        <a:t>id</a:t>
+                      </a:r>
+                    </a:p>
+                  </a:txBody>
+                  <a:tcPr anchor="ctr">
+                    <a:solidFill>
+                      <a:schemeClr val="bg1"/>
+                    </a:solidFill>
+                  </a:tcPr>
+                </a:tc>
+                <a:tc>
+                  <a:txBody>
+                    <a:bodyPr/>
+                    <a:lstStyle/>
+                    <a:p>
+                      <a:r>
+                        <a:rPr lang="en-US"/>
+                        <a:t>email</a:t>
+                      </a:r>
+                    </a:p>
+                    <a:p>
+                      <a:r>
+                        <a:rPr lang="en-US"/>
+                        <a:t>firstName</a:t>
+                      </a:r>
+                    </a:p>
+                    <a:p>
+                      <a:r>
+                        <a:rPr lang="en-US"/>
+                        <a:t>lastName</a:t>
+                      </a:r>
+                    </a:p>
+                    <a:p>
+                      <a:r>
+                        <a:rPr lang="en-US"/>
+                        <a:t>initials</a:t>
+                      </a:r>
+                    </a:p>
+                    <a:p>
+                      <a:r>
+                        <a:rPr lang="en-US"/>
+                        <a:t>password</a:t>
+                      </a:r>
+                    </a:p>
+                    <a:p>
+                      <a:r>
+                        <a:rPr lang="en-US"/>
+                        <a:t>phoneNumber</a:t>
+                      </a:r>
+                    </a:p>
+                  </a:txBody>
+                  <a:tcPr>
+                    <a:solidFill>
+                      <a:schemeClr val="bg1"/>
+                    </a:solidFill>
+                  </a:tcPr>
+                </a:tc>
+                <a:extLst>
+                  <a:ext uri="{0D108BD9-81ED-4DB2-BD59-A6C34878D82A}">
+                    <a16:rowId xmlns:a16="http://schemas.microsoft.com/office/drawing/2014/main" val="2128529146"/>
+                  </a:ext>
+                </a:extLst>
+              </a:tr>
+              <a:tr h="370840">
+                <a:tc vMerge="1">
+                  <a:txBody>
+                    <a:bodyPr/>
+                    <a:lstStyle/>
+                    <a:p>
+                      <a:endParaRPr lang="en-US"/>
+                    </a:p>
+                  </a:txBody>
+                  <a:tcPr/>
+                </a:tc>
+                <a:tc>
+                  <a:txBody>
+                    <a:bodyPr/>
+                    <a:lstStyle/>
+                    <a:p>
+                      <a:pPr algn="ctr"/>
+                      <a:r>
+                        <a:rPr lang="en-US"/>
+                        <a:t>…</a:t>
+                      </a:r>
+                    </a:p>
+                  </a:txBody>
+                  <a:tcPr>
+                    <a:solidFill>
+                      <a:schemeClr val="bg1"/>
+                    </a:solidFill>
+                  </a:tcPr>
+                </a:tc>
+                <a:tc>
+                  <a:txBody>
+                    <a:bodyPr/>
+                    <a:lstStyle/>
+                    <a:p>
+                      <a:pPr algn="ctr"/>
+                      <a:r>
+                        <a:rPr lang="en-US"/>
+                        <a:t>…</a:t>
+                      </a:r>
+                    </a:p>
+                  </a:txBody>
+                  <a:tcPr>
+                    <a:solidFill>
+                      <a:schemeClr val="bg1"/>
+                    </a:solidFill>
+                  </a:tcPr>
+                </a:tc>
+                <a:extLst>
+                  <a:ext uri="{0D108BD9-81ED-4DB2-BD59-A6C34878D82A}">
+                    <a16:rowId xmlns:a16="http://schemas.microsoft.com/office/drawing/2014/main" val="2206293673"/>
+                  </a:ext>
+                </a:extLst>
+              </a:tr>
+            </a:tbl>
+          </a:graphicData>
+        </a:graphic>
+      </p:graphicFrame>
+      <p:graphicFrame>
+        <p:nvGraphicFramePr>
+          <p:cNvPr id="7" name="Table 6">
+            <a:extLst>
+              <a:ext uri="{FF2B5EF4-FFF2-40B4-BE49-F238E27FC236}">
+                <a16:creationId xmlns:a16="http://schemas.microsoft.com/office/drawing/2014/main" id="{046A7CF6-2517-4ADB-8BB4-B84583EA0912}"/>
+              </a:ext>
+            </a:extLst>
+          </p:cNvPr>
+          <p:cNvGraphicFramePr>
+            <a:graphicFrameLocks noGrp="1"/>
+          </p:cNvGraphicFramePr>
+          <p:nvPr>
+            <p:extLst>
+              <p:ext uri="{D42A27DB-BD31-4B8C-83A1-F6EECF244321}">
+                <p14:modId xmlns:p14="http://schemas.microsoft.com/office/powerpoint/2010/main" val="3300678995"/>
+              </p:ext>
+            </p:extLst>
+          </p:nvPr>
+        </p:nvGraphicFramePr>
+        <p:xfrm>
+          <a:off x="6578603" y="618066"/>
+          <a:ext cx="4698999" cy="2479040"/>
+        </p:xfrm>
+        <a:graphic>
+          <a:graphicData uri="http://schemas.openxmlformats.org/drawingml/2006/table">
+            <a:tbl>
+              <a:tblPr firstRow="1" bandRow="1">
+                <a:tableStyleId>{BC89EF96-8CEA-46FF-86C4-4CE0E7609802}</a:tableStyleId>
+              </a:tblPr>
+              <a:tblGrid>
+                <a:gridCol w="1566333">
+                  <a:extLst>
+                    <a:ext uri="{9D8B030D-6E8A-4147-A177-3AD203B41FA5}">
+                      <a16:colId xmlns:a16="http://schemas.microsoft.com/office/drawing/2014/main" val="1436327530"/>
+                    </a:ext>
+                  </a:extLst>
+                </a:gridCol>
+                <a:gridCol w="1566333">
+                  <a:extLst>
+                    <a:ext uri="{9D8B030D-6E8A-4147-A177-3AD203B41FA5}">
+                      <a16:colId xmlns:a16="http://schemas.microsoft.com/office/drawing/2014/main" val="2737751025"/>
+                    </a:ext>
+                  </a:extLst>
+                </a:gridCol>
+                <a:gridCol w="1566333">
+                  <a:extLst>
+                    <a:ext uri="{9D8B030D-6E8A-4147-A177-3AD203B41FA5}">
+                      <a16:colId xmlns:a16="http://schemas.microsoft.com/office/drawing/2014/main" val="3377856155"/>
+                    </a:ext>
+                  </a:extLst>
+                </a:gridCol>
+              </a:tblGrid>
+              <a:tr h="370840">
+                <a:tc>
+                  <a:txBody>
+                    <a:bodyPr/>
+                    <a:lstStyle/>
+                    <a:p>
+                      <a:pPr algn="ctr"/>
+                      <a:r>
+                        <a:rPr lang="en-US" b="0"/>
+                        <a:t>COLLECTION</a:t>
+                      </a:r>
+                    </a:p>
+                  </a:txBody>
+                  <a:tcPr anchor="ctr"/>
+                </a:tc>
+                <a:tc>
+                  <a:txBody>
+                    <a:bodyPr/>
+                    <a:lstStyle/>
+                    <a:p>
+                      <a:pPr algn="ctr"/>
+                      <a:r>
+                        <a:rPr lang="en-US" b="0"/>
+                        <a:t>DOCUMENT</a:t>
+                      </a:r>
+                    </a:p>
+                  </a:txBody>
+                  <a:tcPr anchor="ctr"/>
+                </a:tc>
+                <a:tc>
+                  <a:txBody>
+                    <a:bodyPr/>
+                    <a:lstStyle/>
+                    <a:p>
+                      <a:pPr algn="ctr"/>
+                      <a:r>
+                        <a:rPr lang="en-US" b="0"/>
+                        <a:t>FIELD</a:t>
+                      </a:r>
+                    </a:p>
+                  </a:txBody>
+                  <a:tcPr anchor="ctr"/>
+                </a:tc>
+                <a:extLst>
+                  <a:ext uri="{0D108BD9-81ED-4DB2-BD59-A6C34878D82A}">
+                    <a16:rowId xmlns:a16="http://schemas.microsoft.com/office/drawing/2014/main" val="2323869956"/>
+                  </a:ext>
+                </a:extLst>
+              </a:tr>
+              <a:tr h="370840">
+                <a:tc rowSpan="2">
+                  <a:txBody>
+                    <a:bodyPr/>
+                    <a:lstStyle/>
+                    <a:p>
+                      <a:pPr algn="ctr"/>
+                      <a:r>
+                        <a:rPr lang="en-US"/>
+                        <a:t>notifications</a:t>
+                      </a:r>
+                    </a:p>
+                  </a:txBody>
+                  <a:tcPr anchor="ctr">
+                    <a:solidFill>
+                      <a:schemeClr val="bg1"/>
+                    </a:solidFill>
+                  </a:tcPr>
+                </a:tc>
+                <a:tc>
+                  <a:txBody>
+                    <a:bodyPr/>
+                    <a:lstStyle/>
+                    <a:p>
+                      <a:pPr algn="ctr"/>
+                      <a:r>
+                        <a:rPr lang="en-US"/>
+                        <a:t>id</a:t>
+                      </a:r>
+                    </a:p>
+                  </a:txBody>
+                  <a:tcPr anchor="ctr">
+                    <a:solidFill>
+                      <a:schemeClr val="bg1"/>
+                    </a:solidFill>
+                  </a:tcPr>
+                </a:tc>
+                <a:tc>
+                  <a:txBody>
+                    <a:bodyPr/>
+                    <a:lstStyle/>
+                    <a:p>
+                      <a:pPr lvl="0"/>
+                      <a:r>
+                        <a:rPr lang="en-US" sz="1800">
+                          <a:latin typeface="Times New Roman" panose="02020603050405020304" pitchFamily="18" charset="0"/>
+                          <a:cs typeface="Times New Roman" panose="02020603050405020304" pitchFamily="18" charset="0"/>
+                        </a:rPr>
+                        <a:t>key</a:t>
+                      </a:r>
+                    </a:p>
+                    <a:p>
+                      <a:pPr lvl="0"/>
+                      <a:r>
+                        <a:rPr lang="en-US" sz="1800">
+                          <a:latin typeface="Times New Roman" panose="02020603050405020304" pitchFamily="18" charset="0"/>
+                          <a:cs typeface="Times New Roman" panose="02020603050405020304" pitchFamily="18" charset="0"/>
+                        </a:rPr>
+                        <a:t>admin</a:t>
+                      </a:r>
+                    </a:p>
+                    <a:p>
+                      <a:pPr lvl="0"/>
+                      <a:r>
+                        <a:rPr lang="en-US" sz="1800">
+                          <a:latin typeface="Times New Roman" panose="02020603050405020304" pitchFamily="18" charset="0"/>
+                          <a:cs typeface="Times New Roman" panose="02020603050405020304" pitchFamily="18" charset="0"/>
+                        </a:rPr>
+                        <a:t>contentone</a:t>
+                      </a:r>
+                    </a:p>
+                    <a:p>
+                      <a:pPr lvl="0"/>
+                      <a:r>
+                        <a:rPr lang="en-US" sz="1800">
+                          <a:latin typeface="Times New Roman" panose="02020603050405020304" pitchFamily="18" charset="0"/>
+                          <a:cs typeface="Times New Roman" panose="02020603050405020304" pitchFamily="18" charset="0"/>
+                        </a:rPr>
+                        <a:t>contentwo</a:t>
+                      </a:r>
+                    </a:p>
+                    <a:p>
+                      <a:pPr lvl="0"/>
+                      <a:r>
+                        <a:rPr lang="en-US" sz="1800">
+                          <a:latin typeface="Times New Roman" panose="02020603050405020304" pitchFamily="18" charset="0"/>
+                          <a:cs typeface="Times New Roman" panose="02020603050405020304" pitchFamily="18" charset="0"/>
+                        </a:rPr>
+                        <a:t>name</a:t>
+                      </a:r>
+                    </a:p>
+                    <a:p>
+                      <a:pPr lvl="0"/>
+                      <a:r>
+                        <a:rPr lang="en-US" sz="1800">
+                          <a:latin typeface="Times New Roman" panose="02020603050405020304" pitchFamily="18" charset="0"/>
+                          <a:cs typeface="Times New Roman" panose="02020603050405020304" pitchFamily="18" charset="0"/>
+                        </a:rPr>
+                        <a:t>time</a:t>
+                      </a:r>
+                    </a:p>
+                  </a:txBody>
+                  <a:tcPr>
+                    <a:solidFill>
+                      <a:schemeClr val="bg1"/>
+                    </a:solidFill>
+                  </a:tcPr>
+                </a:tc>
+                <a:extLst>
+                  <a:ext uri="{0D108BD9-81ED-4DB2-BD59-A6C34878D82A}">
+                    <a16:rowId xmlns:a16="http://schemas.microsoft.com/office/drawing/2014/main" val="2128529146"/>
+                  </a:ext>
+                </a:extLst>
+              </a:tr>
+              <a:tr h="370840">
+                <a:tc vMerge="1">
+                  <a:txBody>
+                    <a:bodyPr/>
+                    <a:lstStyle/>
+                    <a:p>
+                      <a:endParaRPr lang="en-US"/>
+                    </a:p>
+                  </a:txBody>
+                  <a:tcPr/>
+                </a:tc>
+                <a:tc>
+                  <a:txBody>
+                    <a:bodyPr/>
+                    <a:lstStyle/>
+                    <a:p>
+                      <a:pPr algn="ctr"/>
+                      <a:r>
+                        <a:rPr lang="en-US"/>
+                        <a:t>…</a:t>
+                      </a:r>
+                    </a:p>
+                  </a:txBody>
+                  <a:tcPr>
+                    <a:solidFill>
+                      <a:schemeClr val="bg1"/>
+                    </a:solidFill>
+                  </a:tcPr>
+                </a:tc>
+                <a:tc>
+                  <a:txBody>
+                    <a:bodyPr/>
+                    <a:lstStyle/>
+                    <a:p>
+                      <a:pPr algn="ctr"/>
+                      <a:r>
+                        <a:rPr lang="en-US"/>
+                        <a:t>…</a:t>
+                      </a:r>
+                    </a:p>
+                  </a:txBody>
+                  <a:tcPr>
+                    <a:solidFill>
+                      <a:schemeClr val="bg1"/>
+                    </a:solidFill>
+                  </a:tcPr>
+                </a:tc>
+                <a:extLst>
+                  <a:ext uri="{0D108BD9-81ED-4DB2-BD59-A6C34878D82A}">
+                    <a16:rowId xmlns:a16="http://schemas.microsoft.com/office/drawing/2014/main" val="2206293673"/>
+                  </a:ext>
+                </a:extLst>
+              </a:tr>
+            </a:tbl>
+          </a:graphicData>
+        </a:graphic>
+      </p:graphicFrame>
+      <p:graphicFrame>
+        <p:nvGraphicFramePr>
+          <p:cNvPr id="8" name="Table 7">
+            <a:extLst>
+              <a:ext uri="{FF2B5EF4-FFF2-40B4-BE49-F238E27FC236}">
+                <a16:creationId xmlns:a16="http://schemas.microsoft.com/office/drawing/2014/main" id="{887A44A5-96C5-4E51-AE43-59D01931A1D9}"/>
+              </a:ext>
+            </a:extLst>
+          </p:cNvPr>
+          <p:cNvGraphicFramePr>
+            <a:graphicFrameLocks noGrp="1"/>
+          </p:cNvGraphicFramePr>
+          <p:nvPr>
+            <p:extLst>
+              <p:ext uri="{D42A27DB-BD31-4B8C-83A1-F6EECF244321}">
+                <p14:modId xmlns:p14="http://schemas.microsoft.com/office/powerpoint/2010/main" val="2518353868"/>
+              </p:ext>
+            </p:extLst>
+          </p:nvPr>
+        </p:nvGraphicFramePr>
+        <p:xfrm>
+          <a:off x="914399" y="3627966"/>
+          <a:ext cx="4698999" cy="4673600"/>
+        </p:xfrm>
+        <a:graphic>
+          <a:graphicData uri="http://schemas.openxmlformats.org/drawingml/2006/table">
+            <a:tbl>
+              <a:tblPr firstRow="1" bandRow="1">
+                <a:tableStyleId>{BC89EF96-8CEA-46FF-86C4-4CE0E7609802}</a:tableStyleId>
+              </a:tblPr>
+              <a:tblGrid>
+                <a:gridCol w="1566333">
+                  <a:extLst>
+                    <a:ext uri="{9D8B030D-6E8A-4147-A177-3AD203B41FA5}">
+                      <a16:colId xmlns:a16="http://schemas.microsoft.com/office/drawing/2014/main" val="1436327530"/>
+                    </a:ext>
+                  </a:extLst>
+                </a:gridCol>
+                <a:gridCol w="1566333">
+                  <a:extLst>
+                    <a:ext uri="{9D8B030D-6E8A-4147-A177-3AD203B41FA5}">
+                      <a16:colId xmlns:a16="http://schemas.microsoft.com/office/drawing/2014/main" val="2737751025"/>
+                    </a:ext>
+                  </a:extLst>
+                </a:gridCol>
+                <a:gridCol w="1566333">
+                  <a:extLst>
+                    <a:ext uri="{9D8B030D-6E8A-4147-A177-3AD203B41FA5}">
+                      <a16:colId xmlns:a16="http://schemas.microsoft.com/office/drawing/2014/main" val="3377856155"/>
+                    </a:ext>
+                  </a:extLst>
+                </a:gridCol>
+              </a:tblGrid>
+              <a:tr h="370840">
+                <a:tc>
+                  <a:txBody>
+                    <a:bodyPr/>
+                    <a:lstStyle/>
+                    <a:p>
+                      <a:pPr algn="ctr"/>
+                      <a:r>
+                        <a:rPr lang="en-US" b="0"/>
+                        <a:t>COLLECTION</a:t>
+                      </a:r>
+                    </a:p>
+                  </a:txBody>
+                  <a:tcPr anchor="ctr"/>
+                </a:tc>
+                <a:tc>
+                  <a:txBody>
+                    <a:bodyPr/>
+                    <a:lstStyle/>
+                    <a:p>
+                      <a:pPr algn="ctr"/>
+                      <a:r>
+                        <a:rPr lang="en-US" b="0"/>
+                        <a:t>DOCUMENT</a:t>
+                      </a:r>
+                    </a:p>
+                  </a:txBody>
+                  <a:tcPr anchor="ctr"/>
+                </a:tc>
+                <a:tc>
+                  <a:txBody>
+                    <a:bodyPr/>
+                    <a:lstStyle/>
+                    <a:p>
+                      <a:pPr algn="ctr"/>
+                      <a:r>
+                        <a:rPr lang="en-US" b="0"/>
+                        <a:t>FIELD</a:t>
+                      </a:r>
+                    </a:p>
+                  </a:txBody>
+                  <a:tcPr anchor="ctr"/>
+                </a:tc>
+                <a:extLst>
+                  <a:ext uri="{0D108BD9-81ED-4DB2-BD59-A6C34878D82A}">
+                    <a16:rowId xmlns:a16="http://schemas.microsoft.com/office/drawing/2014/main" val="2323869956"/>
+                  </a:ext>
+                </a:extLst>
+              </a:tr>
+              <a:tr h="370840">
+                <a:tc rowSpan="2">
+                  <a:txBody>
+                    <a:bodyPr/>
+                    <a:lstStyle/>
+                    <a:p>
+                      <a:pPr algn="ctr"/>
+                      <a:r>
+                        <a:rPr lang="en-US"/>
+                        <a:t>users</a:t>
+                      </a:r>
+                    </a:p>
+                  </a:txBody>
+                  <a:tcPr anchor="ctr">
+                    <a:solidFill>
+                      <a:schemeClr val="bg1"/>
+                    </a:solidFill>
+                  </a:tcPr>
+                </a:tc>
+                <a:tc>
+                  <a:txBody>
+                    <a:bodyPr/>
+                    <a:lstStyle/>
+                    <a:p>
+                      <a:pPr algn="ctr"/>
+                      <a:r>
+                        <a:rPr lang="en-US"/>
+                        <a:t>id</a:t>
+                      </a:r>
+                    </a:p>
+                  </a:txBody>
+                  <a:tcPr anchor="ctr">
+                    <a:solidFill>
+                      <a:schemeClr val="bg1"/>
+                    </a:solidFill>
+                  </a:tcPr>
+                </a:tc>
+                <a:tc>
+                  <a:txBody>
+                    <a:bodyPr/>
+                    <a:lstStyle/>
+                    <a:p>
+                      <a:pPr lvl="0"/>
+                      <a:r>
+                        <a:rPr lang="en-US" sz="1800">
+                          <a:latin typeface="Times New Roman" panose="02020603050405020304" pitchFamily="18" charset="0"/>
+                          <a:cs typeface="Times New Roman" panose="02020603050405020304" pitchFamily="18" charset="0"/>
+                        </a:rPr>
+                        <a:t>authorFirstName</a:t>
+                      </a:r>
+                    </a:p>
+                    <a:p>
+                      <a:pPr lvl="0"/>
+                      <a:r>
+                        <a:rPr lang="en-US" sz="1800">
+                          <a:latin typeface="Times New Roman" panose="02020603050405020304" pitchFamily="18" charset="0"/>
+                          <a:cs typeface="Times New Roman" panose="02020603050405020304" pitchFamily="18" charset="0"/>
+                        </a:rPr>
+                        <a:t>authorId</a:t>
+                      </a:r>
+                    </a:p>
+                    <a:p>
+                      <a:pPr lvl="0"/>
+                      <a:r>
+                        <a:rPr lang="en-US" sz="1800">
+                          <a:latin typeface="Times New Roman" panose="02020603050405020304" pitchFamily="18" charset="0"/>
+                          <a:cs typeface="Times New Roman" panose="02020603050405020304" pitchFamily="18" charset="0"/>
+                        </a:rPr>
+                        <a:t>authorLastName</a:t>
+                      </a:r>
+                    </a:p>
+                    <a:p>
+                      <a:pPr lvl="0"/>
+                      <a:r>
+                        <a:rPr lang="en-US" sz="1800">
+                          <a:latin typeface="Times New Roman" panose="02020603050405020304" pitchFamily="18" charset="0"/>
+                          <a:cs typeface="Times New Roman" panose="02020603050405020304" pitchFamily="18" charset="0"/>
+                        </a:rPr>
+                        <a:t>channel</a:t>
+                      </a:r>
+                    </a:p>
+                    <a:p>
+                      <a:pPr lvl="0"/>
+                      <a:r>
+                        <a:rPr lang="en-US" sz="1800">
+                          <a:latin typeface="Times New Roman" panose="02020603050405020304" pitchFamily="18" charset="0"/>
+                          <a:cs typeface="Times New Roman" panose="02020603050405020304" pitchFamily="18" charset="0"/>
+                        </a:rPr>
+                        <a:t>createAt</a:t>
+                      </a:r>
+                    </a:p>
+                    <a:p>
+                      <a:pPr lvl="0"/>
+                      <a:r>
+                        <a:rPr lang="en-US" sz="1800">
+                          <a:latin typeface="Times New Roman" panose="02020603050405020304" pitchFamily="18" charset="0"/>
+                          <a:cs typeface="Times New Roman" panose="02020603050405020304" pitchFamily="18" charset="0"/>
+                        </a:rPr>
+                        <a:t>email</a:t>
+                      </a:r>
+                    </a:p>
+                    <a:p>
+                      <a:pPr lvl="0"/>
+                      <a:r>
+                        <a:rPr lang="en-US" sz="1800">
+                          <a:latin typeface="Times New Roman" panose="02020603050405020304" pitchFamily="18" charset="0"/>
+                          <a:cs typeface="Times New Roman" panose="02020603050405020304" pitchFamily="18" charset="0"/>
+                        </a:rPr>
+                        <a:t>fullName</a:t>
+                      </a:r>
+                    </a:p>
+                    <a:p>
+                      <a:pPr lvl="0"/>
+                      <a:r>
+                        <a:rPr lang="en-US" sz="1800">
+                          <a:latin typeface="Times New Roman" panose="02020603050405020304" pitchFamily="18" charset="0"/>
+                          <a:cs typeface="Times New Roman" panose="02020603050405020304" pitchFamily="18" charset="0"/>
+                        </a:rPr>
+                        <a:t>location</a:t>
+                      </a:r>
+                    </a:p>
+                    <a:p>
+                      <a:pPr lvl="0"/>
+                      <a:r>
+                        <a:rPr lang="en-US" sz="1800">
+                          <a:latin typeface="Times New Roman" panose="02020603050405020304" pitchFamily="18" charset="0"/>
+                          <a:cs typeface="Times New Roman" panose="02020603050405020304" pitchFamily="18" charset="0"/>
+                        </a:rPr>
+                        <a:t>password</a:t>
+                      </a:r>
+                    </a:p>
+                    <a:p>
+                      <a:pPr lvl="0"/>
+                      <a:r>
+                        <a:rPr lang="en-US" sz="1800">
+                          <a:latin typeface="Times New Roman" panose="02020603050405020304" pitchFamily="18" charset="0"/>
+                          <a:cs typeface="Times New Roman" panose="02020603050405020304" pitchFamily="18" charset="0"/>
+                        </a:rPr>
+                        <a:t>userFistName</a:t>
+                      </a:r>
+                    </a:p>
+                    <a:p>
+                      <a:pPr lvl="0"/>
+                      <a:r>
+                        <a:rPr lang="en-US" sz="1800">
+                          <a:latin typeface="Times New Roman" panose="02020603050405020304" pitchFamily="18" charset="0"/>
+                          <a:cs typeface="Times New Roman" panose="02020603050405020304" pitchFamily="18" charset="0"/>
+                        </a:rPr>
+                        <a:t>userLastName</a:t>
+                      </a:r>
+                      <a:endParaRPr lang="en-US"/>
+                    </a:p>
+                    <a:p>
+                      <a:r>
+                        <a:rPr lang="en-US"/>
+                        <a:t>phoneNumber</a:t>
+                      </a:r>
+                    </a:p>
+                  </a:txBody>
+                  <a:tcPr>
+                    <a:solidFill>
+                      <a:schemeClr val="bg1"/>
+                    </a:solidFill>
+                  </a:tcPr>
+                </a:tc>
+                <a:extLst>
+                  <a:ext uri="{0D108BD9-81ED-4DB2-BD59-A6C34878D82A}">
+                    <a16:rowId xmlns:a16="http://schemas.microsoft.com/office/drawing/2014/main" val="2128529146"/>
+                  </a:ext>
+                </a:extLst>
+              </a:tr>
+              <a:tr h="370840">
+                <a:tc vMerge="1">
+                  <a:txBody>
+                    <a:bodyPr/>
+                    <a:lstStyle/>
+                    <a:p>
+                      <a:endParaRPr lang="en-US"/>
+                    </a:p>
+                  </a:txBody>
+                  <a:tcPr/>
+                </a:tc>
+                <a:tc>
+                  <a:txBody>
+                    <a:bodyPr/>
+                    <a:lstStyle/>
+                    <a:p>
+                      <a:pPr algn="ctr"/>
+                      <a:r>
+                        <a:rPr lang="en-US"/>
+                        <a:t>…</a:t>
+                      </a:r>
+                    </a:p>
+                  </a:txBody>
+                  <a:tcPr>
+                    <a:solidFill>
+                      <a:schemeClr val="bg1"/>
+                    </a:solidFill>
+                  </a:tcPr>
+                </a:tc>
+                <a:tc>
+                  <a:txBody>
+                    <a:bodyPr/>
+                    <a:lstStyle/>
+                    <a:p>
+                      <a:pPr algn="ctr"/>
+                      <a:r>
+                        <a:rPr lang="en-US"/>
+                        <a:t>…</a:t>
+                      </a:r>
+                    </a:p>
+                  </a:txBody>
+                  <a:tcPr>
+                    <a:solidFill>
+                      <a:schemeClr val="bg1"/>
+                    </a:solidFill>
+                  </a:tcPr>
+                </a:tc>
+                <a:extLst>
+                  <a:ext uri="{0D108BD9-81ED-4DB2-BD59-A6C34878D82A}">
+                    <a16:rowId xmlns:a16="http://schemas.microsoft.com/office/drawing/2014/main" val="2206293673"/>
+                  </a:ext>
+                </a:extLst>
+              </a:tr>
+            </a:tbl>
+          </a:graphicData>
+        </a:graphic>
+      </p:graphicFrame>
+    </p:spTree>
+    <p:extLst>
+      <p:ext uri="{BB962C8B-B14F-4D97-AF65-F5344CB8AC3E}">
+        <p14:creationId xmlns:p14="http://schemas.microsoft.com/office/powerpoint/2010/main" val="2808504770"/>
+      </p:ext>
+    </p:extLst>
+  </p:cSld>
+  <p:clrMapOvr>
+    <a:masterClrMapping/>
+  </p:clrMapOvr>
+</p:sld>
+</file>
+
 <file path=ppt/slides/slide2.xml><?xml version="1.0" encoding="utf-8"?>
 <p:sld xmlns:a="http://schemas.openxmlformats.org/drawingml/2006/main" xmlns:r="http://schemas.openxmlformats.org/officeDocument/2006/relationships" xmlns:p="http://schemas.openxmlformats.org/presentationml/2006/main">
   <p:cSld>
